--- a/paper/figure/numalloc.pptx
+++ b/paper/figure/numalloc.pptx
@@ -213,7 +213,7 @@
           <a:p>
             <a:fld id="{7C696B6B-8896-9448-B5DB-9F2B15F54141}" type="datetimeFigureOut">
               <a:rPr lang="en-US" smtClean="0"/>
-              <a:t>3/17/20</a:t>
+              <a:t>4/29/20</a:t>
             </a:fld>
             <a:endParaRPr lang="en-US"/>
           </a:p>
@@ -827,7 +827,7 @@
           <a:p>
             <a:fld id="{6DFFA357-456F-8045-A8FE-8C044CC6640E}" type="datetimeFigureOut">
               <a:rPr lang="en-US" smtClean="0"/>
-              <a:t>3/17/20</a:t>
+              <a:t>4/29/20</a:t>
             </a:fld>
             <a:endParaRPr lang="en-US"/>
           </a:p>
@@ -995,7 +995,7 @@
           <a:p>
             <a:fld id="{6DFFA357-456F-8045-A8FE-8C044CC6640E}" type="datetimeFigureOut">
               <a:rPr lang="en-US" smtClean="0"/>
-              <a:t>3/17/20</a:t>
+              <a:t>4/29/20</a:t>
             </a:fld>
             <a:endParaRPr lang="en-US"/>
           </a:p>
@@ -1173,7 +1173,7 @@
           <a:p>
             <a:fld id="{6DFFA357-456F-8045-A8FE-8C044CC6640E}" type="datetimeFigureOut">
               <a:rPr lang="en-US" smtClean="0"/>
-              <a:t>3/17/20</a:t>
+              <a:t>4/29/20</a:t>
             </a:fld>
             <a:endParaRPr lang="en-US"/>
           </a:p>
@@ -1341,7 +1341,7 @@
           <a:p>
             <a:fld id="{6DFFA357-456F-8045-A8FE-8C044CC6640E}" type="datetimeFigureOut">
               <a:rPr lang="en-US" smtClean="0"/>
-              <a:t>3/17/20</a:t>
+              <a:t>4/29/20</a:t>
             </a:fld>
             <a:endParaRPr lang="en-US"/>
           </a:p>
@@ -1586,7 +1586,7 @@
           <a:p>
             <a:fld id="{6DFFA357-456F-8045-A8FE-8C044CC6640E}" type="datetimeFigureOut">
               <a:rPr lang="en-US" smtClean="0"/>
-              <a:t>3/17/20</a:t>
+              <a:t>4/29/20</a:t>
             </a:fld>
             <a:endParaRPr lang="en-US"/>
           </a:p>
@@ -1871,7 +1871,7 @@
           <a:p>
             <a:fld id="{6DFFA357-456F-8045-A8FE-8C044CC6640E}" type="datetimeFigureOut">
               <a:rPr lang="en-US" smtClean="0"/>
-              <a:t>3/17/20</a:t>
+              <a:t>4/29/20</a:t>
             </a:fld>
             <a:endParaRPr lang="en-US"/>
           </a:p>
@@ -2290,7 +2290,7 @@
           <a:p>
             <a:fld id="{6DFFA357-456F-8045-A8FE-8C044CC6640E}" type="datetimeFigureOut">
               <a:rPr lang="en-US" smtClean="0"/>
-              <a:t>3/17/20</a:t>
+              <a:t>4/29/20</a:t>
             </a:fld>
             <a:endParaRPr lang="en-US"/>
           </a:p>
@@ -2407,7 +2407,7 @@
           <a:p>
             <a:fld id="{6DFFA357-456F-8045-A8FE-8C044CC6640E}" type="datetimeFigureOut">
               <a:rPr lang="en-US" smtClean="0"/>
-              <a:t>3/17/20</a:t>
+              <a:t>4/29/20</a:t>
             </a:fld>
             <a:endParaRPr lang="en-US"/>
           </a:p>
@@ -2502,7 +2502,7 @@
           <a:p>
             <a:fld id="{6DFFA357-456F-8045-A8FE-8C044CC6640E}" type="datetimeFigureOut">
               <a:rPr lang="en-US" smtClean="0"/>
-              <a:t>3/17/20</a:t>
+              <a:t>4/29/20</a:t>
             </a:fld>
             <a:endParaRPr lang="en-US"/>
           </a:p>
@@ -2777,7 +2777,7 @@
           <a:p>
             <a:fld id="{6DFFA357-456F-8045-A8FE-8C044CC6640E}" type="datetimeFigureOut">
               <a:rPr lang="en-US" smtClean="0"/>
-              <a:t>3/17/20</a:t>
+              <a:t>4/29/20</a:t>
             </a:fld>
             <a:endParaRPr lang="en-US"/>
           </a:p>
@@ -3029,7 +3029,7 @@
           <a:p>
             <a:fld id="{6DFFA357-456F-8045-A8FE-8C044CC6640E}" type="datetimeFigureOut">
               <a:rPr lang="en-US" smtClean="0"/>
-              <a:t>3/17/20</a:t>
+              <a:t>4/29/20</a:t>
             </a:fld>
             <a:endParaRPr lang="en-US"/>
           </a:p>
@@ -3240,7 +3240,7 @@
           <a:p>
             <a:fld id="{6DFFA357-456F-8045-A8FE-8C044CC6640E}" type="datetimeFigureOut">
               <a:rPr lang="en-US" smtClean="0"/>
-              <a:t>3/17/20</a:t>
+              <a:t>4/29/20</a:t>
             </a:fld>
             <a:endParaRPr lang="en-US"/>
           </a:p>
@@ -5799,7 +5799,7 @@
         </p:nvSpPr>
         <p:spPr>
           <a:xfrm>
-            <a:off x="3605536" y="2739647"/>
+            <a:off x="1848212" y="2715404"/>
             <a:ext cx="756315" cy="261610"/>
           </a:xfrm>
           <a:prstGeom prst="rect">
@@ -6575,8 +6575,8 @@
         </p:nvSpPr>
         <p:spPr>
           <a:xfrm>
-            <a:off x="2680725" y="2778081"/>
-            <a:ext cx="238540" cy="181610"/>
+            <a:off x="2680724" y="2778081"/>
+            <a:ext cx="942800" cy="181610"/>
           </a:xfrm>
           <a:prstGeom prst="rect">
             <a:avLst/>
@@ -6612,336 +6612,6 @@
               <a:latin typeface="Times New Roman"/>
               <a:cs typeface="Times New Roman"/>
             </a:endParaRPr>
-          </a:p>
-        </p:txBody>
-      </p:sp>
-      <p:sp>
-        <p:nvSpPr>
-          <p:cNvPr id="31" name="TextBox 30">
-            <a:extLst>
-              <a:ext uri="{FF2B5EF4-FFF2-40B4-BE49-F238E27FC236}">
-                <a16:creationId xmlns:a16="http://schemas.microsoft.com/office/drawing/2014/main" id="{C1C3B0B9-31B8-0F47-A8B6-1B0E8F112889}"/>
-              </a:ext>
-            </a:extLst>
-          </p:cNvPr>
-          <p:cNvSpPr txBox="1"/>
-          <p:nvPr/>
-        </p:nvSpPr>
-        <p:spPr>
-          <a:xfrm>
-            <a:off x="2658004" y="2764995"/>
-            <a:ext cx="283974" cy="215444"/>
-          </a:xfrm>
-          <a:prstGeom prst="rect">
-            <a:avLst/>
-          </a:prstGeom>
-          <a:noFill/>
-          <a:ln>
-            <a:noFill/>
-          </a:ln>
-        </p:spPr>
-        <p:txBody>
-          <a:bodyPr wrap="square" lIns="0" rIns="0" rtlCol="0">
-            <a:spAutoFit/>
-          </a:bodyPr>
-          <a:lstStyle/>
-          <a:p>
-            <a:pPr algn="ctr"/>
-            <a:r>
-              <a:rPr lang="en-US" sz="800" dirty="0">
-                <a:latin typeface="Times New Roman"/>
-                <a:cs typeface="Times New Roman"/>
-              </a:rPr>
-              <a:t>N/A</a:t>
-            </a:r>
-          </a:p>
-        </p:txBody>
-      </p:sp>
-      <p:sp>
-        <p:nvSpPr>
-          <p:cNvPr id="32" name="Rectangle 31">
-            <a:extLst>
-              <a:ext uri="{FF2B5EF4-FFF2-40B4-BE49-F238E27FC236}">
-                <a16:creationId xmlns:a16="http://schemas.microsoft.com/office/drawing/2014/main" id="{433830F5-3238-5740-A981-9813E162800A}"/>
-              </a:ext>
-            </a:extLst>
-          </p:cNvPr>
-          <p:cNvSpPr/>
-          <p:nvPr/>
-        </p:nvSpPr>
-        <p:spPr>
-          <a:xfrm>
-            <a:off x="2918323" y="2778081"/>
-            <a:ext cx="238540" cy="181610"/>
-          </a:xfrm>
-          <a:prstGeom prst="rect">
-            <a:avLst/>
-          </a:prstGeom>
-          <a:noFill/>
-          <a:ln>
-            <a:solidFill>
-              <a:schemeClr val="tx1"/>
-            </a:solidFill>
-          </a:ln>
-          <a:effectLst/>
-        </p:spPr>
-        <p:style>
-          <a:lnRef idx="1">
-            <a:schemeClr val="accent1"/>
-          </a:lnRef>
-          <a:fillRef idx="3">
-            <a:schemeClr val="accent1"/>
-          </a:fillRef>
-          <a:effectRef idx="2">
-            <a:schemeClr val="accent1"/>
-          </a:effectRef>
-          <a:fontRef idx="minor">
-            <a:schemeClr val="lt1"/>
-          </a:fontRef>
-        </p:style>
-        <p:txBody>
-          <a:bodyPr lIns="0" tIns="0" rIns="0" bIns="0" rtlCol="0" anchor="ctr"/>
-          <a:lstStyle/>
-          <a:p>
-            <a:pPr algn="ctr"/>
-            <a:endParaRPr lang="en-US" sz="1000">
-              <a:latin typeface="Times New Roman"/>
-              <a:cs typeface="Times New Roman"/>
-            </a:endParaRPr>
-          </a:p>
-        </p:txBody>
-      </p:sp>
-      <p:sp>
-        <p:nvSpPr>
-          <p:cNvPr id="33" name="TextBox 32">
-            <a:extLst>
-              <a:ext uri="{FF2B5EF4-FFF2-40B4-BE49-F238E27FC236}">
-                <a16:creationId xmlns:a16="http://schemas.microsoft.com/office/drawing/2014/main" id="{3E056788-2B70-B443-A477-7FDBD5D63F1A}"/>
-              </a:ext>
-            </a:extLst>
-          </p:cNvPr>
-          <p:cNvSpPr txBox="1"/>
-          <p:nvPr/>
-        </p:nvSpPr>
-        <p:spPr>
-          <a:xfrm>
-            <a:off x="2895602" y="2764045"/>
-            <a:ext cx="283974" cy="215444"/>
-          </a:xfrm>
-          <a:prstGeom prst="rect">
-            <a:avLst/>
-          </a:prstGeom>
-          <a:noFill/>
-          <a:ln>
-            <a:noFill/>
-          </a:ln>
-        </p:spPr>
-        <p:txBody>
-          <a:bodyPr wrap="square" lIns="0" rIns="0" rtlCol="0">
-            <a:spAutoFit/>
-          </a:bodyPr>
-          <a:lstStyle/>
-          <a:p>
-            <a:pPr algn="ctr"/>
-            <a:r>
-              <a:rPr lang="en-US" sz="800" dirty="0">
-                <a:latin typeface="Times New Roman"/>
-                <a:cs typeface="Times New Roman"/>
-              </a:rPr>
-              <a:t>N/A</a:t>
-            </a:r>
-          </a:p>
-        </p:txBody>
-      </p:sp>
-      <p:sp>
-        <p:nvSpPr>
-          <p:cNvPr id="35" name="Rectangle 34">
-            <a:extLst>
-              <a:ext uri="{FF2B5EF4-FFF2-40B4-BE49-F238E27FC236}">
-                <a16:creationId xmlns:a16="http://schemas.microsoft.com/office/drawing/2014/main" id="{E2BE3B57-A433-4E4E-A393-5262DC0F4BDE}"/>
-              </a:ext>
-            </a:extLst>
-          </p:cNvPr>
-          <p:cNvSpPr/>
-          <p:nvPr/>
-        </p:nvSpPr>
-        <p:spPr>
-          <a:xfrm>
-            <a:off x="3156863" y="2778081"/>
-            <a:ext cx="238540" cy="181610"/>
-          </a:xfrm>
-          <a:prstGeom prst="rect">
-            <a:avLst/>
-          </a:prstGeom>
-          <a:noFill/>
-          <a:ln>
-            <a:solidFill>
-              <a:schemeClr val="tx1"/>
-            </a:solidFill>
-          </a:ln>
-          <a:effectLst/>
-        </p:spPr>
-        <p:style>
-          <a:lnRef idx="1">
-            <a:schemeClr val="accent1"/>
-          </a:lnRef>
-          <a:fillRef idx="3">
-            <a:schemeClr val="accent1"/>
-          </a:fillRef>
-          <a:effectRef idx="2">
-            <a:schemeClr val="accent1"/>
-          </a:effectRef>
-          <a:fontRef idx="minor">
-            <a:schemeClr val="lt1"/>
-          </a:fontRef>
-        </p:style>
-        <p:txBody>
-          <a:bodyPr lIns="0" tIns="0" rIns="0" bIns="0" rtlCol="0" anchor="ctr"/>
-          <a:lstStyle/>
-          <a:p>
-            <a:pPr algn="ctr"/>
-            <a:endParaRPr lang="en-US" sz="1000">
-              <a:latin typeface="Times New Roman"/>
-              <a:cs typeface="Times New Roman"/>
-            </a:endParaRPr>
-          </a:p>
-        </p:txBody>
-      </p:sp>
-      <p:sp>
-        <p:nvSpPr>
-          <p:cNvPr id="36" name="TextBox 35">
-            <a:extLst>
-              <a:ext uri="{FF2B5EF4-FFF2-40B4-BE49-F238E27FC236}">
-                <a16:creationId xmlns:a16="http://schemas.microsoft.com/office/drawing/2014/main" id="{FFD043B1-3D2B-634D-9E05-87B5832E6B5E}"/>
-              </a:ext>
-            </a:extLst>
-          </p:cNvPr>
-          <p:cNvSpPr txBox="1"/>
-          <p:nvPr/>
-        </p:nvSpPr>
-        <p:spPr>
-          <a:xfrm>
-            <a:off x="3139822" y="2764043"/>
-            <a:ext cx="283974" cy="215444"/>
-          </a:xfrm>
-          <a:prstGeom prst="rect">
-            <a:avLst/>
-          </a:prstGeom>
-          <a:noFill/>
-          <a:ln>
-            <a:noFill/>
-          </a:ln>
-        </p:spPr>
-        <p:txBody>
-          <a:bodyPr wrap="square" lIns="0" rIns="0" rtlCol="0">
-            <a:spAutoFit/>
-          </a:bodyPr>
-          <a:lstStyle/>
-          <a:p>
-            <a:pPr algn="ctr"/>
-            <a:r>
-              <a:rPr lang="en-US" sz="800" dirty="0">
-                <a:latin typeface="Times New Roman"/>
-                <a:cs typeface="Times New Roman"/>
-              </a:rPr>
-              <a:t>N/A</a:t>
-            </a:r>
-          </a:p>
-        </p:txBody>
-      </p:sp>
-      <p:sp>
-        <p:nvSpPr>
-          <p:cNvPr id="37" name="Rectangle 36">
-            <a:extLst>
-              <a:ext uri="{FF2B5EF4-FFF2-40B4-BE49-F238E27FC236}">
-                <a16:creationId xmlns:a16="http://schemas.microsoft.com/office/drawing/2014/main" id="{6AE6876A-6FE0-4349-9565-7CAB9F1488EA}"/>
-              </a:ext>
-            </a:extLst>
-          </p:cNvPr>
-          <p:cNvSpPr/>
-          <p:nvPr/>
-        </p:nvSpPr>
-        <p:spPr>
-          <a:xfrm>
-            <a:off x="3395297" y="2778081"/>
-            <a:ext cx="238540" cy="181610"/>
-          </a:xfrm>
-          <a:prstGeom prst="rect">
-            <a:avLst/>
-          </a:prstGeom>
-          <a:noFill/>
-          <a:ln>
-            <a:solidFill>
-              <a:schemeClr val="tx1"/>
-            </a:solidFill>
-          </a:ln>
-          <a:effectLst/>
-        </p:spPr>
-        <p:style>
-          <a:lnRef idx="1">
-            <a:schemeClr val="accent1"/>
-          </a:lnRef>
-          <a:fillRef idx="3">
-            <a:schemeClr val="accent1"/>
-          </a:fillRef>
-          <a:effectRef idx="2">
-            <a:schemeClr val="accent1"/>
-          </a:effectRef>
-          <a:fontRef idx="minor">
-            <a:schemeClr val="lt1"/>
-          </a:fontRef>
-        </p:style>
-        <p:txBody>
-          <a:bodyPr lIns="0" tIns="0" rIns="0" bIns="0" rtlCol="0" anchor="ctr"/>
-          <a:lstStyle/>
-          <a:p>
-            <a:pPr algn="ctr"/>
-            <a:endParaRPr lang="en-US" sz="1000">
-              <a:latin typeface="Times New Roman"/>
-              <a:cs typeface="Times New Roman"/>
-            </a:endParaRPr>
-          </a:p>
-        </p:txBody>
-      </p:sp>
-      <p:sp>
-        <p:nvSpPr>
-          <p:cNvPr id="38" name="TextBox 37">
-            <a:extLst>
-              <a:ext uri="{FF2B5EF4-FFF2-40B4-BE49-F238E27FC236}">
-                <a16:creationId xmlns:a16="http://schemas.microsoft.com/office/drawing/2014/main" id="{C0B676E7-2C5A-6243-ACDB-75D2EEB83A2C}"/>
-              </a:ext>
-            </a:extLst>
-          </p:cNvPr>
-          <p:cNvSpPr txBox="1"/>
-          <p:nvPr/>
-        </p:nvSpPr>
-        <p:spPr>
-          <a:xfrm>
-            <a:off x="3372576" y="2763093"/>
-            <a:ext cx="283974" cy="215444"/>
-          </a:xfrm>
-          <a:prstGeom prst="rect">
-            <a:avLst/>
-          </a:prstGeom>
-          <a:noFill/>
-          <a:ln>
-            <a:noFill/>
-          </a:ln>
-        </p:spPr>
-        <p:txBody>
-          <a:bodyPr wrap="square" lIns="0" rIns="0" rtlCol="0">
-            <a:spAutoFit/>
-          </a:bodyPr>
-          <a:lstStyle/>
-          <a:p>
-            <a:pPr algn="ctr"/>
-            <a:r>
-              <a:rPr lang="en-US" sz="800" dirty="0">
-                <a:latin typeface="Times New Roman"/>
-                <a:cs typeface="Times New Roman"/>
-              </a:rPr>
-              <a:t>N/A</a:t>
-            </a:r>
           </a:p>
         </p:txBody>
       </p:sp>
@@ -9735,6 +9405,52 @@
               <a:latin typeface="Times New Roman"/>
               <a:cs typeface="Times New Roman"/>
             </a:endParaRPr>
+          </a:p>
+        </p:txBody>
+      </p:sp>
+      <p:sp>
+        <p:nvSpPr>
+          <p:cNvPr id="2" name="TextBox 1">
+            <a:extLst>
+              <a:ext uri="{FF2B5EF4-FFF2-40B4-BE49-F238E27FC236}">
+                <a16:creationId xmlns:a16="http://schemas.microsoft.com/office/drawing/2014/main" id="{097A7FB6-0296-324F-B769-B737EEA19E01}"/>
+              </a:ext>
+            </a:extLst>
+          </p:cNvPr>
+          <p:cNvSpPr txBox="1"/>
+          <p:nvPr/>
+        </p:nvSpPr>
+        <p:spPr>
+          <a:xfrm>
+            <a:off x="2621655" y="2742327"/>
+            <a:ext cx="1058303" cy="246221"/>
+          </a:xfrm>
+          <a:prstGeom prst="rect">
+            <a:avLst/>
+          </a:prstGeom>
+          <a:noFill/>
+        </p:spPr>
+        <p:txBody>
+          <a:bodyPr wrap="none" rtlCol="0">
+            <a:spAutoFit/>
+          </a:bodyPr>
+          <a:lstStyle/>
+          <a:p>
+            <a:r>
+              <a:rPr lang="en-US" sz="1000" dirty="0"/>
+              <a:t>[</a:t>
+            </a:r>
+            <a:r>
+              <a:rPr lang="en-US" sz="1000" dirty="0">
+                <a:latin typeface="Times New Roman" panose="02020603050405020304" pitchFamily="18" charset="0"/>
+                <a:cs typeface="Times New Roman" panose="02020603050405020304" pitchFamily="18" charset="0"/>
+              </a:rPr>
+              <a:t>size, Used/Free</a:t>
+            </a:r>
+            <a:r>
+              <a:rPr lang="en-US" sz="1000" dirty="0"/>
+              <a:t>]</a:t>
+            </a:r>
           </a:p>
         </p:txBody>
       </p:sp>

--- a/paper/figure/numalloc.pptx
+++ b/paper/figure/numalloc.pptx
@@ -5,15 +5,16 @@
     <p:sldMasterId id="2147483648" r:id="rId1"/>
   </p:sldMasterIdLst>
   <p:notesMasterIdLst>
-    <p:notesMasterId r:id="rId8"/>
+    <p:notesMasterId r:id="rId9"/>
   </p:notesMasterIdLst>
   <p:sldIdLst>
     <p:sldId id="275" r:id="rId2"/>
     <p:sldId id="276" r:id="rId3"/>
     <p:sldId id="278" r:id="rId4"/>
-    <p:sldId id="277" r:id="rId5"/>
-    <p:sldId id="279" r:id="rId6"/>
-    <p:sldId id="271" r:id="rId7"/>
+    <p:sldId id="280" r:id="rId5"/>
+    <p:sldId id="277" r:id="rId6"/>
+    <p:sldId id="279" r:id="rId7"/>
+    <p:sldId id="271" r:id="rId8"/>
   </p:sldIdLst>
   <p:sldSz cx="9144000" cy="6858000" type="screen4x3"/>
   <p:notesSz cx="6858000" cy="9144000"/>
@@ -213,7 +214,7 @@
           <a:p>
             <a:fld id="{7C696B6B-8896-9448-B5DB-9F2B15F54141}" type="datetimeFigureOut">
               <a:rPr lang="en-US" smtClean="0"/>
-              <a:t>4/29/20</a:t>
+              <a:t>7/17/20</a:t>
             </a:fld>
             <a:endParaRPr lang="en-US"/>
           </a:p>
@@ -648,6 +649,90 @@
 </p:notes>
 </file>
 
+<file path=ppt/notesSlides/notesSlide3.xml><?xml version="1.0" encoding="utf-8"?>
+<p:notes xmlns:a="http://schemas.openxmlformats.org/drawingml/2006/main" xmlns:r="http://schemas.openxmlformats.org/officeDocument/2006/relationships" xmlns:p="http://schemas.openxmlformats.org/presentationml/2006/main">
+  <p:cSld>
+    <p:spTree>
+      <p:nvGrpSpPr>
+        <p:cNvPr id="1" name=""/>
+        <p:cNvGrpSpPr/>
+        <p:nvPr/>
+      </p:nvGrpSpPr>
+      <p:grpSpPr>
+        <a:xfrm>
+          <a:off x="0" y="0"/>
+          <a:ext cx="0" cy="0"/>
+          <a:chOff x="0" y="0"/>
+          <a:chExt cx="0" cy="0"/>
+        </a:xfrm>
+      </p:grpSpPr>
+      <p:sp>
+        <p:nvSpPr>
+          <p:cNvPr id="2" name="Slide Image Placeholder 1"/>
+          <p:cNvSpPr>
+            <a:spLocks noGrp="1" noRot="1" noChangeAspect="1"/>
+          </p:cNvSpPr>
+          <p:nvPr>
+            <p:ph type="sldImg"/>
+          </p:nvPr>
+        </p:nvSpPr>
+        <p:spPr/>
+      </p:sp>
+      <p:sp>
+        <p:nvSpPr>
+          <p:cNvPr id="3" name="Notes Placeholder 2"/>
+          <p:cNvSpPr>
+            <a:spLocks noGrp="1"/>
+          </p:cNvSpPr>
+          <p:nvPr>
+            <p:ph type="body" idx="1"/>
+          </p:nvPr>
+        </p:nvSpPr>
+        <p:spPr/>
+        <p:txBody>
+          <a:bodyPr/>
+          <a:lstStyle/>
+          <a:p>
+            <a:endParaRPr lang="en-US" dirty="0"/>
+          </a:p>
+        </p:txBody>
+      </p:sp>
+      <p:sp>
+        <p:nvSpPr>
+          <p:cNvPr id="4" name="Slide Number Placeholder 3"/>
+          <p:cNvSpPr>
+            <a:spLocks noGrp="1"/>
+          </p:cNvSpPr>
+          <p:nvPr>
+            <p:ph type="sldNum" sz="quarter" idx="5"/>
+          </p:nvPr>
+        </p:nvSpPr>
+        <p:spPr/>
+        <p:txBody>
+          <a:bodyPr/>
+          <a:lstStyle/>
+          <a:p>
+            <a:fld id="{FD02B123-5EB4-E745-82F3-722570B1F4CC}" type="slidenum">
+              <a:rPr lang="en-US" smtClean="0"/>
+              <a:t>4</a:t>
+            </a:fld>
+            <a:endParaRPr lang="en-US"/>
+          </a:p>
+        </p:txBody>
+      </p:sp>
+    </p:spTree>
+    <p:extLst>
+      <p:ext uri="{BB962C8B-B14F-4D97-AF65-F5344CB8AC3E}">
+        <p14:creationId xmlns:p14="http://schemas.microsoft.com/office/powerpoint/2010/main" val="1381762668"/>
+      </p:ext>
+    </p:extLst>
+  </p:cSld>
+  <p:clrMapOvr>
+    <a:masterClrMapping/>
+  </p:clrMapOvr>
+</p:notes>
+</file>
+
 <file path=ppt/slideLayouts/slideLayout1.xml><?xml version="1.0" encoding="utf-8"?>
 <p:sldLayout xmlns:a="http://schemas.openxmlformats.org/drawingml/2006/main" xmlns:r="http://schemas.openxmlformats.org/officeDocument/2006/relationships" xmlns:p="http://schemas.openxmlformats.org/presentationml/2006/main" type="title" preserve="1">
   <p:cSld name="Title Slide">
@@ -827,7 +912,7 @@
           <a:p>
             <a:fld id="{6DFFA357-456F-8045-A8FE-8C044CC6640E}" type="datetimeFigureOut">
               <a:rPr lang="en-US" smtClean="0"/>
-              <a:t>4/29/20</a:t>
+              <a:t>7/17/20</a:t>
             </a:fld>
             <a:endParaRPr lang="en-US"/>
           </a:p>
@@ -995,7 +1080,7 @@
           <a:p>
             <a:fld id="{6DFFA357-456F-8045-A8FE-8C044CC6640E}" type="datetimeFigureOut">
               <a:rPr lang="en-US" smtClean="0"/>
-              <a:t>4/29/20</a:t>
+              <a:t>7/17/20</a:t>
             </a:fld>
             <a:endParaRPr lang="en-US"/>
           </a:p>
@@ -1173,7 +1258,7 @@
           <a:p>
             <a:fld id="{6DFFA357-456F-8045-A8FE-8C044CC6640E}" type="datetimeFigureOut">
               <a:rPr lang="en-US" smtClean="0"/>
-              <a:t>4/29/20</a:t>
+              <a:t>7/17/20</a:t>
             </a:fld>
             <a:endParaRPr lang="en-US"/>
           </a:p>
@@ -1341,7 +1426,7 @@
           <a:p>
             <a:fld id="{6DFFA357-456F-8045-A8FE-8C044CC6640E}" type="datetimeFigureOut">
               <a:rPr lang="en-US" smtClean="0"/>
-              <a:t>4/29/20</a:t>
+              <a:t>7/17/20</a:t>
             </a:fld>
             <a:endParaRPr lang="en-US"/>
           </a:p>
@@ -1586,7 +1671,7 @@
           <a:p>
             <a:fld id="{6DFFA357-456F-8045-A8FE-8C044CC6640E}" type="datetimeFigureOut">
               <a:rPr lang="en-US" smtClean="0"/>
-              <a:t>4/29/20</a:t>
+              <a:t>7/17/20</a:t>
             </a:fld>
             <a:endParaRPr lang="en-US"/>
           </a:p>
@@ -1871,7 +1956,7 @@
           <a:p>
             <a:fld id="{6DFFA357-456F-8045-A8FE-8C044CC6640E}" type="datetimeFigureOut">
               <a:rPr lang="en-US" smtClean="0"/>
-              <a:t>4/29/20</a:t>
+              <a:t>7/17/20</a:t>
             </a:fld>
             <a:endParaRPr lang="en-US"/>
           </a:p>
@@ -2290,7 +2375,7 @@
           <a:p>
             <a:fld id="{6DFFA357-456F-8045-A8FE-8C044CC6640E}" type="datetimeFigureOut">
               <a:rPr lang="en-US" smtClean="0"/>
-              <a:t>4/29/20</a:t>
+              <a:t>7/17/20</a:t>
             </a:fld>
             <a:endParaRPr lang="en-US"/>
           </a:p>
@@ -2407,7 +2492,7 @@
           <a:p>
             <a:fld id="{6DFFA357-456F-8045-A8FE-8C044CC6640E}" type="datetimeFigureOut">
               <a:rPr lang="en-US" smtClean="0"/>
-              <a:t>4/29/20</a:t>
+              <a:t>7/17/20</a:t>
             </a:fld>
             <a:endParaRPr lang="en-US"/>
           </a:p>
@@ -2502,7 +2587,7 @@
           <a:p>
             <a:fld id="{6DFFA357-456F-8045-A8FE-8C044CC6640E}" type="datetimeFigureOut">
               <a:rPr lang="en-US" smtClean="0"/>
-              <a:t>4/29/20</a:t>
+              <a:t>7/17/20</a:t>
             </a:fld>
             <a:endParaRPr lang="en-US"/>
           </a:p>
@@ -2777,7 +2862,7 @@
           <a:p>
             <a:fld id="{6DFFA357-456F-8045-A8FE-8C044CC6640E}" type="datetimeFigureOut">
               <a:rPr lang="en-US" smtClean="0"/>
-              <a:t>4/29/20</a:t>
+              <a:t>7/17/20</a:t>
             </a:fld>
             <a:endParaRPr lang="en-US"/>
           </a:p>
@@ -3029,7 +3114,7 @@
           <a:p>
             <a:fld id="{6DFFA357-456F-8045-A8FE-8C044CC6640E}" type="datetimeFigureOut">
               <a:rPr lang="en-US" smtClean="0"/>
-              <a:t>4/29/20</a:t>
+              <a:t>7/17/20</a:t>
             </a:fld>
             <a:endParaRPr lang="en-US"/>
           </a:p>
@@ -3240,7 +3325,7 @@
           <a:p>
             <a:fld id="{6DFFA357-456F-8045-A8FE-8C044CC6640E}" type="datetimeFigureOut">
               <a:rPr lang="en-US" smtClean="0"/>
-              <a:t>4/29/20</a:t>
+              <a:t>7/17/20</a:t>
             </a:fld>
             <a:endParaRPr lang="en-US"/>
           </a:p>
@@ -5733,8 +5818,8 @@
             <a:pPr algn="ctr"/>
             <a:r>
               <a:rPr lang="en-US" sz="1000" dirty="0">
-                <a:latin typeface="Times New Roman"/>
-                <a:cs typeface="Times New Roman"/>
+                <a:latin typeface="Times New Roman" panose="02020603050405020304" pitchFamily="18" charset="0"/>
+                <a:cs typeface="Times New Roman" panose="02020603050405020304" pitchFamily="18" charset="0"/>
               </a:rPr>
               <a:t>Big</a:t>
             </a:r>
@@ -5777,8 +5862,8 @@
             <a:pPr algn="ctr"/>
             <a:r>
               <a:rPr lang="en-US" sz="1000" dirty="0">
-                <a:latin typeface="Times New Roman"/>
-                <a:cs typeface="Times New Roman"/>
+                <a:latin typeface="Times New Roman" panose="02020603050405020304" pitchFamily="18" charset="0"/>
+                <a:cs typeface="Times New Roman" panose="02020603050405020304" pitchFamily="18" charset="0"/>
               </a:rPr>
               <a:t>Small</a:t>
             </a:r>
@@ -5823,14 +5908,14 @@
             <a:pPr algn="ctr"/>
             <a:r>
               <a:rPr lang="en-US" sz="1100" dirty="0" err="1">
-                <a:latin typeface="Times New Roman"/>
-                <a:cs typeface="Times New Roman"/>
+                <a:latin typeface="Times New Roman" panose="02020603050405020304" pitchFamily="18" charset="0"/>
+                <a:cs typeface="Times New Roman" panose="02020603050405020304" pitchFamily="18" charset="0"/>
               </a:rPr>
               <a:t>PerMBInfo</a:t>
             </a:r>
             <a:endParaRPr lang="en-US" sz="1100" dirty="0">
-              <a:latin typeface="Times New Roman"/>
-              <a:cs typeface="Times New Roman"/>
+              <a:latin typeface="Times New Roman" panose="02020603050405020304" pitchFamily="18" charset="0"/>
+              <a:cs typeface="Times New Roman" panose="02020603050405020304" pitchFamily="18" charset="0"/>
             </a:endParaRPr>
           </a:p>
         </p:txBody>
@@ -5849,8 +5934,8 @@
         </p:nvSpPr>
         <p:spPr>
           <a:xfrm>
-            <a:off x="1378670" y="3156881"/>
-            <a:ext cx="1180122" cy="169277"/>
+            <a:off x="1502438" y="3156881"/>
+            <a:ext cx="1056354" cy="169277"/>
           </a:xfrm>
           <a:prstGeom prst="rect">
             <a:avLst/>
@@ -5868,8 +5953,8 @@
             <a:pPr algn="ctr"/>
             <a:r>
               <a:rPr lang="en-US" sz="1100" dirty="0">
-                <a:latin typeface="Times New Roman"/>
-                <a:cs typeface="Times New Roman"/>
+                <a:latin typeface="Times New Roman" panose="02020603050405020304" pitchFamily="18" charset="0"/>
+                <a:cs typeface="Times New Roman" panose="02020603050405020304" pitchFamily="18" charset="0"/>
               </a:rPr>
               <a:t>Interleaved Heap</a:t>
             </a:r>
@@ -5914,15 +5999,15 @@
             <a:pPr algn="ctr"/>
             <a:r>
               <a:rPr lang="en-US" sz="1100" dirty="0">
-                <a:latin typeface="Times New Roman"/>
-                <a:cs typeface="Times New Roman"/>
+                <a:latin typeface="Times New Roman" panose="02020603050405020304" pitchFamily="18" charset="0"/>
+                <a:cs typeface="Times New Roman" panose="02020603050405020304" pitchFamily="18" charset="0"/>
               </a:rPr>
               <a:t>Node</a:t>
             </a:r>
             <a:r>
               <a:rPr lang="en-US" sz="1100" baseline="-25000" dirty="0">
-                <a:latin typeface="Times New Roman"/>
-                <a:cs typeface="Times New Roman"/>
+                <a:latin typeface="Times New Roman" panose="02020603050405020304" pitchFamily="18" charset="0"/>
+                <a:cs typeface="Times New Roman" panose="02020603050405020304" pitchFamily="18" charset="0"/>
               </a:rPr>
               <a:t>1</a:t>
             </a:r>
@@ -5943,8 +6028,8 @@
         </p:nvSpPr>
         <p:spPr>
           <a:xfrm>
-            <a:off x="1374467" y="3083719"/>
-            <a:ext cx="1188720" cy="314048"/>
+            <a:off x="1502437" y="3083719"/>
+            <a:ext cx="1060749" cy="314048"/>
           </a:xfrm>
           <a:prstGeom prst="rect">
             <a:avLst/>
@@ -5977,8 +6062,8 @@
           <a:p>
             <a:pPr algn="ctr"/>
             <a:endParaRPr lang="en-US" sz="1100">
-              <a:latin typeface="Times New Roman"/>
-              <a:cs typeface="Times New Roman"/>
+              <a:latin typeface="Times New Roman" panose="02020603050405020304" pitchFamily="18" charset="0"/>
+              <a:cs typeface="Times New Roman" panose="02020603050405020304" pitchFamily="18" charset="0"/>
             </a:endParaRPr>
           </a:p>
         </p:txBody>
@@ -6031,8 +6116,8 @@
           <a:p>
             <a:pPr algn="ctr"/>
             <a:endParaRPr lang="en-US" sz="1100">
-              <a:latin typeface="Times New Roman"/>
-              <a:cs typeface="Times New Roman"/>
+              <a:latin typeface="Times New Roman" panose="02020603050405020304" pitchFamily="18" charset="0"/>
+              <a:cs typeface="Times New Roman" panose="02020603050405020304" pitchFamily="18" charset="0"/>
             </a:endParaRPr>
           </a:p>
         </p:txBody>
@@ -6075,8 +6160,8 @@
             <a:pPr algn="ctr"/>
             <a:r>
               <a:rPr lang="en-US" sz="1100" dirty="0">
-                <a:latin typeface="Times New Roman"/>
-                <a:cs typeface="Times New Roman"/>
+                <a:latin typeface="Times New Roman" panose="02020603050405020304" pitchFamily="18" charset="0"/>
+                <a:cs typeface="Times New Roman" panose="02020603050405020304" pitchFamily="18" charset="0"/>
               </a:rPr>
               <a:t>……</a:t>
             </a:r>
@@ -6131,8 +6216,8 @@
           <a:p>
             <a:pPr algn="ctr"/>
             <a:endParaRPr lang="en-US" sz="1100">
-              <a:latin typeface="Times New Roman"/>
-              <a:cs typeface="Times New Roman"/>
+              <a:latin typeface="Times New Roman" panose="02020603050405020304" pitchFamily="18" charset="0"/>
+              <a:cs typeface="Times New Roman" panose="02020603050405020304" pitchFamily="18" charset="0"/>
             </a:endParaRPr>
           </a:p>
         </p:txBody>
@@ -6175,21 +6260,21 @@
             <a:pPr algn="ctr"/>
             <a:r>
               <a:rPr lang="en-US" sz="1100" dirty="0" err="1">
-                <a:latin typeface="Times New Roman"/>
-                <a:cs typeface="Times New Roman"/>
+                <a:latin typeface="Times New Roman" panose="02020603050405020304" pitchFamily="18" charset="0"/>
+                <a:cs typeface="Times New Roman" panose="02020603050405020304" pitchFamily="18" charset="0"/>
               </a:rPr>
               <a:t>Node</a:t>
             </a:r>
             <a:r>
               <a:rPr lang="en-US" sz="1100" baseline="-25000" dirty="0" err="1">
-                <a:latin typeface="Times New Roman"/>
-                <a:cs typeface="Times New Roman"/>
+                <a:latin typeface="Times New Roman" panose="02020603050405020304" pitchFamily="18" charset="0"/>
+                <a:cs typeface="Times New Roman" panose="02020603050405020304" pitchFamily="18" charset="0"/>
               </a:rPr>
               <a:t>n</a:t>
             </a:r>
             <a:endParaRPr lang="en-US" sz="1100" baseline="-25000" dirty="0">
-              <a:latin typeface="Times New Roman"/>
-              <a:cs typeface="Times New Roman"/>
+              <a:latin typeface="Times New Roman" panose="02020603050405020304" pitchFamily="18" charset="0"/>
+              <a:cs typeface="Times New Roman" panose="02020603050405020304" pitchFamily="18" charset="0"/>
             </a:endParaRPr>
           </a:p>
         </p:txBody>
@@ -6242,8 +6327,8 @@
           <a:p>
             <a:pPr algn="ctr"/>
             <a:endParaRPr lang="en-US" sz="1100">
-              <a:latin typeface="Times New Roman"/>
-              <a:cs typeface="Times New Roman"/>
+              <a:latin typeface="Times New Roman" panose="02020603050405020304" pitchFamily="18" charset="0"/>
+              <a:cs typeface="Times New Roman" panose="02020603050405020304" pitchFamily="18" charset="0"/>
             </a:endParaRPr>
           </a:p>
         </p:txBody>
@@ -6371,14 +6456,14 @@
             <a:pPr algn="ctr"/>
             <a:r>
               <a:rPr lang="en-US" sz="1050" dirty="0" err="1">
-                <a:latin typeface="Times New Roman"/>
-                <a:cs typeface="Times New Roman"/>
+                <a:latin typeface="Times New Roman" panose="02020603050405020304" pitchFamily="18" charset="0"/>
+                <a:cs typeface="Times New Roman" panose="02020603050405020304" pitchFamily="18" charset="0"/>
               </a:rPr>
               <a:t>bpSmall</a:t>
             </a:r>
             <a:endParaRPr lang="en-US" sz="1050" dirty="0">
-              <a:latin typeface="Times New Roman"/>
-              <a:cs typeface="Times New Roman"/>
+              <a:latin typeface="Times New Roman" panose="02020603050405020304" pitchFamily="18" charset="0"/>
+              <a:cs typeface="Times New Roman" panose="02020603050405020304" pitchFamily="18" charset="0"/>
             </a:endParaRPr>
           </a:p>
         </p:txBody>
@@ -6461,14 +6546,14 @@
             <a:pPr algn="ctr"/>
             <a:r>
               <a:rPr lang="en-US" sz="1050" dirty="0" err="1">
-                <a:latin typeface="Times New Roman"/>
-                <a:cs typeface="Times New Roman"/>
+                <a:latin typeface="Times New Roman" panose="02020603050405020304" pitchFamily="18" charset="0"/>
+                <a:cs typeface="Times New Roman" panose="02020603050405020304" pitchFamily="18" charset="0"/>
               </a:rPr>
               <a:t>bpBig</a:t>
             </a:r>
             <a:endParaRPr lang="en-US" sz="1050" dirty="0">
-              <a:latin typeface="Times New Roman"/>
-              <a:cs typeface="Times New Roman"/>
+              <a:latin typeface="Times New Roman" panose="02020603050405020304" pitchFamily="18" charset="0"/>
+              <a:cs typeface="Times New Roman" panose="02020603050405020304" pitchFamily="18" charset="0"/>
             </a:endParaRPr>
           </a:p>
         </p:txBody>
@@ -6609,8 +6694,8 @@
           <a:p>
             <a:pPr algn="ctr"/>
             <a:endParaRPr lang="en-US" sz="1000">
-              <a:latin typeface="Times New Roman"/>
-              <a:cs typeface="Times New Roman"/>
+              <a:latin typeface="Times New Roman" panose="02020603050405020304" pitchFamily="18" charset="0"/>
+              <a:cs typeface="Times New Roman" panose="02020603050405020304" pitchFamily="18" charset="0"/>
             </a:endParaRPr>
           </a:p>
         </p:txBody>
@@ -6653,14 +6738,14 @@
             <a:pPr algn="ctr"/>
             <a:r>
               <a:rPr lang="en-US" sz="1100" dirty="0" err="1">
-                <a:latin typeface="Times New Roman"/>
-                <a:cs typeface="Times New Roman"/>
+                <a:latin typeface="Times New Roman" panose="02020603050405020304" pitchFamily="18" charset="0"/>
+                <a:cs typeface="Times New Roman" panose="02020603050405020304" pitchFamily="18" charset="0"/>
               </a:rPr>
               <a:t>PerNodeHeap</a:t>
             </a:r>
             <a:endParaRPr lang="en-US" sz="1100" dirty="0">
-              <a:latin typeface="Times New Roman"/>
-              <a:cs typeface="Times New Roman"/>
+              <a:latin typeface="Times New Roman" panose="02020603050405020304" pitchFamily="18" charset="0"/>
+              <a:cs typeface="Times New Roman" panose="02020603050405020304" pitchFamily="18" charset="0"/>
             </a:endParaRPr>
           </a:p>
         </p:txBody>
@@ -6713,8 +6798,8 @@
           <a:p>
             <a:pPr algn="ctr"/>
             <a:endParaRPr lang="en-US" sz="1000">
-              <a:latin typeface="Times New Roman"/>
-              <a:cs typeface="Times New Roman"/>
+              <a:latin typeface="Times New Roman" panose="02020603050405020304" pitchFamily="18" charset="0"/>
+              <a:cs typeface="Times New Roman" panose="02020603050405020304" pitchFamily="18" charset="0"/>
             </a:endParaRPr>
           </a:p>
         </p:txBody>
@@ -6753,8 +6838,8 @@
             <a:pPr algn="ctr"/>
             <a:r>
               <a:rPr lang="en-US" sz="700" dirty="0">
-                <a:latin typeface="Times New Roman"/>
-                <a:cs typeface="Times New Roman"/>
+                <a:latin typeface="Times New Roman" panose="02020603050405020304" pitchFamily="18" charset="0"/>
+                <a:cs typeface="Times New Roman" panose="02020603050405020304" pitchFamily="18" charset="0"/>
               </a:rPr>
               <a:t>Class 0</a:t>
             </a:r>
@@ -6809,8 +6894,8 @@
           <a:p>
             <a:pPr algn="ctr"/>
             <a:endParaRPr lang="en-US" sz="1000">
-              <a:latin typeface="Times New Roman"/>
-              <a:cs typeface="Times New Roman"/>
+              <a:latin typeface="Times New Roman" panose="02020603050405020304" pitchFamily="18" charset="0"/>
+              <a:cs typeface="Times New Roman" panose="02020603050405020304" pitchFamily="18" charset="0"/>
             </a:endParaRPr>
           </a:p>
         </p:txBody>
@@ -6849,8 +6934,8 @@
             <a:pPr algn="ctr"/>
             <a:r>
               <a:rPr lang="en-US" sz="700" dirty="0">
-                <a:latin typeface="Times New Roman"/>
-                <a:cs typeface="Times New Roman"/>
+                <a:latin typeface="Times New Roman" panose="02020603050405020304" pitchFamily="18" charset="0"/>
+                <a:cs typeface="Times New Roman" panose="02020603050405020304" pitchFamily="18" charset="0"/>
               </a:rPr>
               <a:t>Class 1</a:t>
             </a:r>
@@ -6905,8 +6990,8 @@
           <a:p>
             <a:pPr algn="ctr"/>
             <a:endParaRPr lang="en-US" sz="1000">
-              <a:latin typeface="Times New Roman"/>
-              <a:cs typeface="Times New Roman"/>
+              <a:latin typeface="Times New Roman" panose="02020603050405020304" pitchFamily="18" charset="0"/>
+              <a:cs typeface="Times New Roman" panose="02020603050405020304" pitchFamily="18" charset="0"/>
             </a:endParaRPr>
           </a:p>
         </p:txBody>
@@ -6945,8 +7030,8 @@
             <a:pPr algn="ctr"/>
             <a:r>
               <a:rPr lang="en-US" sz="800" dirty="0">
-                <a:latin typeface="Times New Roman"/>
-                <a:cs typeface="Times New Roman"/>
+                <a:latin typeface="Times New Roman" panose="02020603050405020304" pitchFamily="18" charset="0"/>
+                <a:cs typeface="Times New Roman" panose="02020603050405020304" pitchFamily="18" charset="0"/>
               </a:rPr>
               <a:t>……</a:t>
             </a:r>
@@ -7001,8 +7086,8 @@
           <a:p>
             <a:pPr algn="ctr"/>
             <a:endParaRPr lang="en-US" sz="1000">
-              <a:latin typeface="Times New Roman"/>
-              <a:cs typeface="Times New Roman"/>
+              <a:latin typeface="Times New Roman" panose="02020603050405020304" pitchFamily="18" charset="0"/>
+              <a:cs typeface="Times New Roman" panose="02020603050405020304" pitchFamily="18" charset="0"/>
             </a:endParaRPr>
           </a:p>
         </p:txBody>
@@ -7041,8 +7126,8 @@
             <a:pPr algn="ctr"/>
             <a:r>
               <a:rPr lang="en-US" sz="700" dirty="0">
-                <a:latin typeface="Times New Roman"/>
-                <a:cs typeface="Times New Roman"/>
+                <a:latin typeface="Times New Roman" panose="02020603050405020304" pitchFamily="18" charset="0"/>
+                <a:cs typeface="Times New Roman" panose="02020603050405020304" pitchFamily="18" charset="0"/>
               </a:rPr>
               <a:t>Class n</a:t>
             </a:r>
@@ -7142,8 +7227,8 @@
           <a:p>
             <a:pPr algn="ctr"/>
             <a:endParaRPr lang="en-US" sz="1000">
-              <a:latin typeface="Times New Roman"/>
-              <a:cs typeface="Times New Roman"/>
+              <a:latin typeface="Times New Roman" panose="02020603050405020304" pitchFamily="18" charset="0"/>
+              <a:cs typeface="Times New Roman" panose="02020603050405020304" pitchFamily="18" charset="0"/>
             </a:endParaRPr>
           </a:p>
         </p:txBody>
@@ -7196,8 +7281,8 @@
           <a:p>
             <a:pPr algn="ctr"/>
             <a:endParaRPr lang="en-US" sz="1000">
-              <a:latin typeface="Times New Roman"/>
-              <a:cs typeface="Times New Roman"/>
+              <a:latin typeface="Times New Roman" panose="02020603050405020304" pitchFamily="18" charset="0"/>
+              <a:cs typeface="Times New Roman" panose="02020603050405020304" pitchFamily="18" charset="0"/>
             </a:endParaRPr>
           </a:p>
         </p:txBody>
@@ -7250,8 +7335,8 @@
           <a:p>
             <a:pPr algn="ctr"/>
             <a:endParaRPr lang="en-US" sz="1000">
-              <a:latin typeface="Times New Roman"/>
-              <a:cs typeface="Times New Roman"/>
+              <a:latin typeface="Times New Roman" panose="02020603050405020304" pitchFamily="18" charset="0"/>
+              <a:cs typeface="Times New Roman" panose="02020603050405020304" pitchFamily="18" charset="0"/>
             </a:endParaRPr>
           </a:p>
         </p:txBody>
@@ -7304,8 +7389,8 @@
           <a:p>
             <a:pPr algn="ctr"/>
             <a:endParaRPr lang="en-US" sz="1000">
-              <a:latin typeface="Times New Roman"/>
-              <a:cs typeface="Times New Roman"/>
+              <a:latin typeface="Times New Roman" panose="02020603050405020304" pitchFamily="18" charset="0"/>
+              <a:cs typeface="Times New Roman" panose="02020603050405020304" pitchFamily="18" charset="0"/>
             </a:endParaRPr>
           </a:p>
         </p:txBody>
@@ -7403,8 +7488,8 @@
           <a:p>
             <a:pPr algn="ctr"/>
             <a:endParaRPr lang="en-US" sz="1000">
-              <a:latin typeface="Times New Roman"/>
-              <a:cs typeface="Times New Roman"/>
+              <a:latin typeface="Times New Roman" panose="02020603050405020304" pitchFamily="18" charset="0"/>
+              <a:cs typeface="Times New Roman" panose="02020603050405020304" pitchFamily="18" charset="0"/>
             </a:endParaRPr>
           </a:p>
         </p:txBody>
@@ -7457,8 +7542,8 @@
           <a:p>
             <a:pPr algn="ctr"/>
             <a:endParaRPr lang="en-US" sz="1000">
-              <a:latin typeface="Times New Roman"/>
-              <a:cs typeface="Times New Roman"/>
+              <a:latin typeface="Times New Roman" panose="02020603050405020304" pitchFamily="18" charset="0"/>
+              <a:cs typeface="Times New Roman" panose="02020603050405020304" pitchFamily="18" charset="0"/>
             </a:endParaRPr>
           </a:p>
         </p:txBody>
@@ -7511,8 +7596,8 @@
           <a:p>
             <a:pPr algn="ctr"/>
             <a:endParaRPr lang="en-US" sz="1000">
-              <a:latin typeface="Times New Roman"/>
-              <a:cs typeface="Times New Roman"/>
+              <a:latin typeface="Times New Roman" panose="02020603050405020304" pitchFamily="18" charset="0"/>
+              <a:cs typeface="Times New Roman" panose="02020603050405020304" pitchFamily="18" charset="0"/>
             </a:endParaRPr>
           </a:p>
         </p:txBody>
@@ -7565,8 +7650,8 @@
           <a:p>
             <a:pPr algn="ctr"/>
             <a:endParaRPr lang="en-US" sz="1000">
-              <a:latin typeface="Times New Roman"/>
-              <a:cs typeface="Times New Roman"/>
+              <a:latin typeface="Times New Roman" panose="02020603050405020304" pitchFamily="18" charset="0"/>
+              <a:cs typeface="Times New Roman" panose="02020603050405020304" pitchFamily="18" charset="0"/>
             </a:endParaRPr>
           </a:p>
         </p:txBody>
@@ -7619,8 +7704,8 @@
           <a:p>
             <a:pPr algn="ctr"/>
             <a:endParaRPr lang="en-US" sz="1000">
-              <a:latin typeface="Times New Roman"/>
-              <a:cs typeface="Times New Roman"/>
+              <a:latin typeface="Times New Roman" panose="02020603050405020304" pitchFamily="18" charset="0"/>
+              <a:cs typeface="Times New Roman" panose="02020603050405020304" pitchFamily="18" charset="0"/>
             </a:endParaRPr>
           </a:p>
         </p:txBody>
@@ -7673,8 +7758,8 @@
           <a:p>
             <a:pPr algn="ctr"/>
             <a:endParaRPr lang="en-US" sz="1000">
-              <a:latin typeface="Times New Roman"/>
-              <a:cs typeface="Times New Roman"/>
+              <a:latin typeface="Times New Roman" panose="02020603050405020304" pitchFamily="18" charset="0"/>
+              <a:cs typeface="Times New Roman" panose="02020603050405020304" pitchFamily="18" charset="0"/>
             </a:endParaRPr>
           </a:p>
         </p:txBody>
@@ -7727,8 +7812,8 @@
           <a:p>
             <a:pPr algn="ctr"/>
             <a:endParaRPr lang="en-US" sz="1000">
-              <a:latin typeface="Times New Roman"/>
-              <a:cs typeface="Times New Roman"/>
+              <a:latin typeface="Times New Roman" panose="02020603050405020304" pitchFamily="18" charset="0"/>
+              <a:cs typeface="Times New Roman" panose="02020603050405020304" pitchFamily="18" charset="0"/>
             </a:endParaRPr>
           </a:p>
         </p:txBody>
@@ -7781,8 +7866,8 @@
           <a:p>
             <a:pPr algn="ctr"/>
             <a:endParaRPr lang="en-US" sz="1000">
-              <a:latin typeface="Times New Roman"/>
-              <a:cs typeface="Times New Roman"/>
+              <a:latin typeface="Times New Roman" panose="02020603050405020304" pitchFamily="18" charset="0"/>
+              <a:cs typeface="Times New Roman" panose="02020603050405020304" pitchFamily="18" charset="0"/>
             </a:endParaRPr>
           </a:p>
         </p:txBody>
@@ -7835,8 +7920,8 @@
           <a:p>
             <a:pPr algn="ctr"/>
             <a:endParaRPr lang="en-US" sz="1000">
-              <a:latin typeface="Times New Roman"/>
-              <a:cs typeface="Times New Roman"/>
+              <a:latin typeface="Times New Roman" panose="02020603050405020304" pitchFamily="18" charset="0"/>
+              <a:cs typeface="Times New Roman" panose="02020603050405020304" pitchFamily="18" charset="0"/>
             </a:endParaRPr>
           </a:p>
         </p:txBody>
@@ -7889,8 +7974,8 @@
           <a:p>
             <a:pPr algn="ctr"/>
             <a:endParaRPr lang="en-US" sz="1000">
-              <a:latin typeface="Times New Roman"/>
-              <a:cs typeface="Times New Roman"/>
+              <a:latin typeface="Times New Roman" panose="02020603050405020304" pitchFamily="18" charset="0"/>
+              <a:cs typeface="Times New Roman" panose="02020603050405020304" pitchFamily="18" charset="0"/>
             </a:endParaRPr>
           </a:p>
         </p:txBody>
@@ -7933,14 +8018,14 @@
             <a:pPr algn="ctr"/>
             <a:r>
               <a:rPr lang="en-US" sz="1100" dirty="0" err="1">
-                <a:latin typeface="Times New Roman"/>
-                <a:cs typeface="Times New Roman"/>
+                <a:latin typeface="Times New Roman" panose="02020603050405020304" pitchFamily="18" charset="0"/>
+                <a:cs typeface="Times New Roman" panose="02020603050405020304" pitchFamily="18" charset="0"/>
               </a:rPr>
               <a:t>PerThreadHeap</a:t>
             </a:r>
             <a:endParaRPr lang="en-US" sz="1100" dirty="0">
-              <a:latin typeface="Times New Roman"/>
-              <a:cs typeface="Times New Roman"/>
+              <a:latin typeface="Times New Roman" panose="02020603050405020304" pitchFamily="18" charset="0"/>
+              <a:cs typeface="Times New Roman" panose="02020603050405020304" pitchFamily="18" charset="0"/>
             </a:endParaRPr>
           </a:p>
         </p:txBody>
@@ -7993,8 +8078,8 @@
           <a:p>
             <a:pPr algn="ctr"/>
             <a:endParaRPr lang="en-US" sz="1000">
-              <a:latin typeface="Times New Roman"/>
-              <a:cs typeface="Times New Roman"/>
+              <a:latin typeface="Times New Roman" panose="02020603050405020304" pitchFamily="18" charset="0"/>
+              <a:cs typeface="Times New Roman" panose="02020603050405020304" pitchFamily="18" charset="0"/>
             </a:endParaRPr>
           </a:p>
         </p:txBody>
@@ -8033,8 +8118,8 @@
             <a:pPr algn="ctr"/>
             <a:r>
               <a:rPr lang="en-US" sz="700" dirty="0">
-                <a:latin typeface="Times New Roman"/>
-                <a:cs typeface="Times New Roman"/>
+                <a:latin typeface="Times New Roman" panose="02020603050405020304" pitchFamily="18" charset="0"/>
+                <a:cs typeface="Times New Roman" panose="02020603050405020304" pitchFamily="18" charset="0"/>
               </a:rPr>
               <a:t>Class 0</a:t>
             </a:r>
@@ -8089,8 +8174,8 @@
           <a:p>
             <a:pPr algn="ctr"/>
             <a:endParaRPr lang="en-US" sz="1000">
-              <a:latin typeface="Times New Roman"/>
-              <a:cs typeface="Times New Roman"/>
+              <a:latin typeface="Times New Roman" panose="02020603050405020304" pitchFamily="18" charset="0"/>
+              <a:cs typeface="Times New Roman" panose="02020603050405020304" pitchFamily="18" charset="0"/>
             </a:endParaRPr>
           </a:p>
         </p:txBody>
@@ -8129,8 +8214,8 @@
             <a:pPr algn="ctr"/>
             <a:r>
               <a:rPr lang="en-US" sz="700" dirty="0">
-                <a:latin typeface="Times New Roman"/>
-                <a:cs typeface="Times New Roman"/>
+                <a:latin typeface="Times New Roman" panose="02020603050405020304" pitchFamily="18" charset="0"/>
+                <a:cs typeface="Times New Roman" panose="02020603050405020304" pitchFamily="18" charset="0"/>
               </a:rPr>
               <a:t>Class 1</a:t>
             </a:r>
@@ -8185,8 +8270,8 @@
           <a:p>
             <a:pPr algn="ctr"/>
             <a:endParaRPr lang="en-US" sz="1000">
-              <a:latin typeface="Times New Roman"/>
-              <a:cs typeface="Times New Roman"/>
+              <a:latin typeface="Times New Roman" panose="02020603050405020304" pitchFamily="18" charset="0"/>
+              <a:cs typeface="Times New Roman" panose="02020603050405020304" pitchFamily="18" charset="0"/>
             </a:endParaRPr>
           </a:p>
         </p:txBody>
@@ -8225,8 +8310,8 @@
             <a:pPr algn="ctr"/>
             <a:r>
               <a:rPr lang="en-US" sz="800" dirty="0">
-                <a:latin typeface="Times New Roman"/>
-                <a:cs typeface="Times New Roman"/>
+                <a:latin typeface="Times New Roman" panose="02020603050405020304" pitchFamily="18" charset="0"/>
+                <a:cs typeface="Times New Roman" panose="02020603050405020304" pitchFamily="18" charset="0"/>
               </a:rPr>
               <a:t>……</a:t>
             </a:r>
@@ -8281,8 +8366,8 @@
           <a:p>
             <a:pPr algn="ctr"/>
             <a:endParaRPr lang="en-US" sz="1000">
-              <a:latin typeface="Times New Roman"/>
-              <a:cs typeface="Times New Roman"/>
+              <a:latin typeface="Times New Roman" panose="02020603050405020304" pitchFamily="18" charset="0"/>
+              <a:cs typeface="Times New Roman" panose="02020603050405020304" pitchFamily="18" charset="0"/>
             </a:endParaRPr>
           </a:p>
         </p:txBody>
@@ -8321,8 +8406,8 @@
             <a:pPr algn="ctr"/>
             <a:r>
               <a:rPr lang="en-US" sz="700" dirty="0">
-                <a:latin typeface="Times New Roman"/>
-                <a:cs typeface="Times New Roman"/>
+                <a:latin typeface="Times New Roman" panose="02020603050405020304" pitchFamily="18" charset="0"/>
+                <a:cs typeface="Times New Roman" panose="02020603050405020304" pitchFamily="18" charset="0"/>
               </a:rPr>
               <a:t>Class n</a:t>
             </a:r>
@@ -8455,14 +8540,14 @@
             <a:pPr algn="ctr"/>
             <a:r>
               <a:rPr lang="en-US" sz="1100" dirty="0" err="1">
-                <a:latin typeface="Times New Roman"/>
-                <a:cs typeface="Times New Roman"/>
+                <a:latin typeface="Times New Roman" panose="02020603050405020304" pitchFamily="18" charset="0"/>
+                <a:cs typeface="Times New Roman" panose="02020603050405020304" pitchFamily="18" charset="0"/>
               </a:rPr>
               <a:t>PerThreadHeap</a:t>
             </a:r>
             <a:endParaRPr lang="en-US" sz="1100" dirty="0">
-              <a:latin typeface="Times New Roman"/>
-              <a:cs typeface="Times New Roman"/>
+              <a:latin typeface="Times New Roman" panose="02020603050405020304" pitchFamily="18" charset="0"/>
+              <a:cs typeface="Times New Roman" panose="02020603050405020304" pitchFamily="18" charset="0"/>
             </a:endParaRPr>
           </a:p>
         </p:txBody>
@@ -8515,8 +8600,8 @@
           <a:p>
             <a:pPr algn="ctr"/>
             <a:endParaRPr lang="en-US" sz="1000">
-              <a:latin typeface="Times New Roman"/>
-              <a:cs typeface="Times New Roman"/>
+              <a:latin typeface="Times New Roman" panose="02020603050405020304" pitchFamily="18" charset="0"/>
+              <a:cs typeface="Times New Roman" panose="02020603050405020304" pitchFamily="18" charset="0"/>
             </a:endParaRPr>
           </a:p>
         </p:txBody>
@@ -8555,8 +8640,8 @@
             <a:pPr algn="ctr"/>
             <a:r>
               <a:rPr lang="en-US" sz="700" dirty="0">
-                <a:latin typeface="Times New Roman"/>
-                <a:cs typeface="Times New Roman"/>
+                <a:latin typeface="Times New Roman" panose="02020603050405020304" pitchFamily="18" charset="0"/>
+                <a:cs typeface="Times New Roman" panose="02020603050405020304" pitchFamily="18" charset="0"/>
               </a:rPr>
               <a:t>Class 0</a:t>
             </a:r>
@@ -8611,8 +8696,8 @@
           <a:p>
             <a:pPr algn="ctr"/>
             <a:endParaRPr lang="en-US" sz="1000">
-              <a:latin typeface="Times New Roman"/>
-              <a:cs typeface="Times New Roman"/>
+              <a:latin typeface="Times New Roman" panose="02020603050405020304" pitchFamily="18" charset="0"/>
+              <a:cs typeface="Times New Roman" panose="02020603050405020304" pitchFamily="18" charset="0"/>
             </a:endParaRPr>
           </a:p>
         </p:txBody>
@@ -8651,8 +8736,8 @@
             <a:pPr algn="ctr"/>
             <a:r>
               <a:rPr lang="en-US" sz="700" dirty="0">
-                <a:latin typeface="Times New Roman"/>
-                <a:cs typeface="Times New Roman"/>
+                <a:latin typeface="Times New Roman" panose="02020603050405020304" pitchFamily="18" charset="0"/>
+                <a:cs typeface="Times New Roman" panose="02020603050405020304" pitchFamily="18" charset="0"/>
               </a:rPr>
               <a:t>Class 1</a:t>
             </a:r>
@@ -8707,8 +8792,8 @@
           <a:p>
             <a:pPr algn="ctr"/>
             <a:endParaRPr lang="en-US" sz="1000">
-              <a:latin typeface="Times New Roman"/>
-              <a:cs typeface="Times New Roman"/>
+              <a:latin typeface="Times New Roman" panose="02020603050405020304" pitchFamily="18" charset="0"/>
+              <a:cs typeface="Times New Roman" panose="02020603050405020304" pitchFamily="18" charset="0"/>
             </a:endParaRPr>
           </a:p>
         </p:txBody>
@@ -8747,8 +8832,8 @@
             <a:pPr algn="ctr"/>
             <a:r>
               <a:rPr lang="en-US" sz="800" dirty="0">
-                <a:latin typeface="Times New Roman"/>
-                <a:cs typeface="Times New Roman"/>
+                <a:latin typeface="Times New Roman" panose="02020603050405020304" pitchFamily="18" charset="0"/>
+                <a:cs typeface="Times New Roman" panose="02020603050405020304" pitchFamily="18" charset="0"/>
               </a:rPr>
               <a:t>……</a:t>
             </a:r>
@@ -8803,8 +8888,8 @@
           <a:p>
             <a:pPr algn="ctr"/>
             <a:endParaRPr lang="en-US" sz="1000">
-              <a:latin typeface="Times New Roman"/>
-              <a:cs typeface="Times New Roman"/>
+              <a:latin typeface="Times New Roman" panose="02020603050405020304" pitchFamily="18" charset="0"/>
+              <a:cs typeface="Times New Roman" panose="02020603050405020304" pitchFamily="18" charset="0"/>
             </a:endParaRPr>
           </a:p>
         </p:txBody>
@@ -8843,8 +8928,8 @@
             <a:pPr algn="ctr"/>
             <a:r>
               <a:rPr lang="en-US" sz="700" dirty="0">
-                <a:latin typeface="Times New Roman"/>
-                <a:cs typeface="Times New Roman"/>
+                <a:latin typeface="Times New Roman" panose="02020603050405020304" pitchFamily="18" charset="0"/>
+                <a:cs typeface="Times New Roman" panose="02020603050405020304" pitchFamily="18" charset="0"/>
               </a:rPr>
               <a:t>Class n</a:t>
             </a:r>
@@ -8899,8 +8984,8 @@
           <a:p>
             <a:pPr algn="ctr"/>
             <a:endParaRPr lang="en-US" sz="1000">
-              <a:latin typeface="Times New Roman"/>
-              <a:cs typeface="Times New Roman"/>
+              <a:latin typeface="Times New Roman" panose="02020603050405020304" pitchFamily="18" charset="0"/>
+              <a:cs typeface="Times New Roman" panose="02020603050405020304" pitchFamily="18" charset="0"/>
             </a:endParaRPr>
           </a:p>
         </p:txBody>
@@ -8953,8 +9038,8 @@
           <a:p>
             <a:pPr algn="ctr"/>
             <a:endParaRPr lang="en-US" sz="1000">
-              <a:latin typeface="Times New Roman"/>
-              <a:cs typeface="Times New Roman"/>
+              <a:latin typeface="Times New Roman" panose="02020603050405020304" pitchFamily="18" charset="0"/>
+              <a:cs typeface="Times New Roman" panose="02020603050405020304" pitchFamily="18" charset="0"/>
             </a:endParaRPr>
           </a:p>
         </p:txBody>
@@ -9054,7 +9139,10 @@
           <a:lstStyle/>
           <a:p>
             <a:pPr algn="ctr"/>
-            <a:endParaRPr lang="en-US"/>
+            <a:endParaRPr lang="en-US">
+              <a:latin typeface="Times New Roman" panose="02020603050405020304" pitchFamily="18" charset="0"/>
+              <a:cs typeface="Times New Roman" panose="02020603050405020304" pitchFamily="18" charset="0"/>
+            </a:endParaRPr>
           </a:p>
         </p:txBody>
       </p:sp>
@@ -9240,8 +9328,8 @@
           <a:p>
             <a:pPr algn="ctr"/>
             <a:endParaRPr lang="en-US" sz="1000">
-              <a:latin typeface="Times New Roman"/>
-              <a:cs typeface="Times New Roman"/>
+              <a:latin typeface="Times New Roman" panose="02020603050405020304" pitchFamily="18" charset="0"/>
+              <a:cs typeface="Times New Roman" panose="02020603050405020304" pitchFamily="18" charset="0"/>
             </a:endParaRPr>
           </a:p>
         </p:txBody>
@@ -9294,8 +9382,8 @@
           <a:p>
             <a:pPr algn="ctr"/>
             <a:endParaRPr lang="en-US" sz="1000">
-              <a:latin typeface="Times New Roman"/>
-              <a:cs typeface="Times New Roman"/>
+              <a:latin typeface="Times New Roman" panose="02020603050405020304" pitchFamily="18" charset="0"/>
+              <a:cs typeface="Times New Roman" panose="02020603050405020304" pitchFamily="18" charset="0"/>
             </a:endParaRPr>
           </a:p>
         </p:txBody>
@@ -9348,8 +9436,8 @@
           <a:p>
             <a:pPr algn="ctr"/>
             <a:endParaRPr lang="en-US" sz="1000">
-              <a:latin typeface="Times New Roman"/>
-              <a:cs typeface="Times New Roman"/>
+              <a:latin typeface="Times New Roman" panose="02020603050405020304" pitchFamily="18" charset="0"/>
+              <a:cs typeface="Times New Roman" panose="02020603050405020304" pitchFamily="18" charset="0"/>
             </a:endParaRPr>
           </a:p>
         </p:txBody>
@@ -9402,8 +9490,8 @@
           <a:p>
             <a:pPr algn="ctr"/>
             <a:endParaRPr lang="en-US" sz="1000">
-              <a:latin typeface="Times New Roman"/>
-              <a:cs typeface="Times New Roman"/>
+              <a:latin typeface="Times New Roman" panose="02020603050405020304" pitchFamily="18" charset="0"/>
+              <a:cs typeface="Times New Roman" panose="02020603050405020304" pitchFamily="18" charset="0"/>
             </a:endParaRPr>
           </a:p>
         </p:txBody>
@@ -9436,20 +9524,12 @@
           </a:bodyPr>
           <a:lstStyle/>
           <a:p>
-            <a:r>
-              <a:rPr lang="en-US" sz="1000" dirty="0"/>
-              <a:t>[</a:t>
-            </a:r>
             <a:r>
               <a:rPr lang="en-US" sz="1000" dirty="0">
                 <a:latin typeface="Times New Roman" panose="02020603050405020304" pitchFamily="18" charset="0"/>
                 <a:cs typeface="Times New Roman" panose="02020603050405020304" pitchFamily="18" charset="0"/>
               </a:rPr>
-              <a:t>size, Used/Free</a:t>
-            </a:r>
-            <a:r>
-              <a:rPr lang="en-US" sz="1000" dirty="0"/>
-              <a:t>]</a:t>
+              <a:t>[size, Used/Free]</a:t>
             </a:r>
           </a:p>
         </p:txBody>
@@ -9486,10 +9566,348 @@
       </p:grpSpPr>
       <p:sp>
         <p:nvSpPr>
-          <p:cNvPr id="4" name="Rectangle 3">
-            <a:extLst>
-              <a:ext uri="{FF2B5EF4-FFF2-40B4-BE49-F238E27FC236}">
-                <a16:creationId xmlns:a16="http://schemas.microsoft.com/office/drawing/2014/main" id="{33E8BA09-F329-624F-8B74-FC038E83521E}"/>
+          <p:cNvPr id="85" name="TextBox 84">
+            <a:extLst>
+              <a:ext uri="{FF2B5EF4-FFF2-40B4-BE49-F238E27FC236}">
+                <a16:creationId xmlns:a16="http://schemas.microsoft.com/office/drawing/2014/main" id="{FF71C8C2-689F-AF4E-93B2-9EA35A61DA71}"/>
+              </a:ext>
+            </a:extLst>
+          </p:cNvPr>
+          <p:cNvSpPr txBox="1"/>
+          <p:nvPr/>
+        </p:nvSpPr>
+        <p:spPr>
+          <a:xfrm>
+            <a:off x="3789664" y="2385506"/>
+            <a:ext cx="677169" cy="246221"/>
+          </a:xfrm>
+          <a:prstGeom prst="rect">
+            <a:avLst/>
+          </a:prstGeom>
+          <a:noFill/>
+          <a:ln>
+            <a:solidFill>
+              <a:schemeClr val="bg1"/>
+            </a:solidFill>
+          </a:ln>
+        </p:spPr>
+        <p:txBody>
+          <a:bodyPr wrap="square" lIns="0" rIns="0" rtlCol="0">
+            <a:spAutoFit/>
+          </a:bodyPr>
+          <a:lstStyle/>
+          <a:p>
+            <a:pPr algn="ctr"/>
+            <a:r>
+              <a:rPr lang="en-US" sz="1000" dirty="0">
+                <a:latin typeface="Times New Roman" panose="02020603050405020304" pitchFamily="18" charset="0"/>
+                <a:cs typeface="Times New Roman" panose="02020603050405020304" pitchFamily="18" charset="0"/>
+              </a:rPr>
+              <a:t>Big Objects</a:t>
+            </a:r>
+          </a:p>
+        </p:txBody>
+      </p:sp>
+      <p:sp>
+        <p:nvSpPr>
+          <p:cNvPr id="76" name="TextBox 75">
+            <a:extLst>
+              <a:ext uri="{FF2B5EF4-FFF2-40B4-BE49-F238E27FC236}">
+                <a16:creationId xmlns:a16="http://schemas.microsoft.com/office/drawing/2014/main" id="{A5128AE3-6671-5C4D-8B1A-88A6810AD255}"/>
+              </a:ext>
+            </a:extLst>
+          </p:cNvPr>
+          <p:cNvSpPr txBox="1"/>
+          <p:nvPr/>
+        </p:nvSpPr>
+        <p:spPr>
+          <a:xfrm>
+            <a:off x="3998809" y="1805140"/>
+            <a:ext cx="412452" cy="400110"/>
+          </a:xfrm>
+          <a:prstGeom prst="rect">
+            <a:avLst/>
+          </a:prstGeom>
+          <a:noFill/>
+          <a:ln>
+            <a:solidFill>
+              <a:schemeClr val="bg1"/>
+            </a:solidFill>
+          </a:ln>
+        </p:spPr>
+        <p:txBody>
+          <a:bodyPr wrap="square" lIns="0" rIns="0" rtlCol="0">
+            <a:spAutoFit/>
+          </a:bodyPr>
+          <a:lstStyle/>
+          <a:p>
+            <a:pPr algn="ctr"/>
+            <a:r>
+              <a:rPr lang="en-US" sz="1000" dirty="0">
+                <a:latin typeface="Times New Roman" panose="02020603050405020304" pitchFamily="18" charset="0"/>
+                <a:cs typeface="Times New Roman" panose="02020603050405020304" pitchFamily="18" charset="0"/>
+              </a:rPr>
+              <a:t>Small</a:t>
+            </a:r>
+            <a:br>
+              <a:rPr lang="en-US" sz="1000" dirty="0">
+                <a:latin typeface="Times New Roman" panose="02020603050405020304" pitchFamily="18" charset="0"/>
+                <a:cs typeface="Times New Roman" panose="02020603050405020304" pitchFamily="18" charset="0"/>
+              </a:rPr>
+            </a:br>
+            <a:r>
+              <a:rPr lang="en-US" sz="1000" dirty="0">
+                <a:latin typeface="Times New Roman" panose="02020603050405020304" pitchFamily="18" charset="0"/>
+                <a:cs typeface="Times New Roman" panose="02020603050405020304" pitchFamily="18" charset="0"/>
+              </a:rPr>
+              <a:t>Objects</a:t>
+            </a:r>
+          </a:p>
+        </p:txBody>
+      </p:sp>
+      <p:sp>
+        <p:nvSpPr>
+          <p:cNvPr id="42" name="TextBox 41">
+            <a:extLst>
+              <a:ext uri="{FF2B5EF4-FFF2-40B4-BE49-F238E27FC236}">
+                <a16:creationId xmlns:a16="http://schemas.microsoft.com/office/drawing/2014/main" id="{267ABF1B-DD74-A24B-96BA-074F811AE479}"/>
+              </a:ext>
+            </a:extLst>
+          </p:cNvPr>
+          <p:cNvSpPr txBox="1"/>
+          <p:nvPr/>
+        </p:nvSpPr>
+        <p:spPr>
+          <a:xfrm>
+            <a:off x="1913888" y="2639624"/>
+            <a:ext cx="756315" cy="246221"/>
+          </a:xfrm>
+          <a:prstGeom prst="rect">
+            <a:avLst/>
+          </a:prstGeom>
+          <a:solidFill>
+            <a:schemeClr val="bg1"/>
+          </a:solidFill>
+          <a:ln>
+            <a:solidFill>
+              <a:schemeClr val="bg1"/>
+            </a:solidFill>
+          </a:ln>
+        </p:spPr>
+        <p:txBody>
+          <a:bodyPr wrap="square" lIns="0" rIns="0" rtlCol="0">
+            <a:spAutoFit/>
+          </a:bodyPr>
+          <a:lstStyle/>
+          <a:p>
+            <a:pPr algn="ctr"/>
+            <a:r>
+              <a:rPr lang="en-US" sz="1000" dirty="0" err="1">
+                <a:latin typeface="Times New Roman" panose="02020603050405020304" pitchFamily="18" charset="0"/>
+                <a:cs typeface="Times New Roman" panose="02020603050405020304" pitchFamily="18" charset="0"/>
+              </a:rPr>
+              <a:t>PerMBInfo</a:t>
+            </a:r>
+            <a:endParaRPr lang="en-US" sz="1000" dirty="0">
+              <a:latin typeface="Times New Roman" panose="02020603050405020304" pitchFamily="18" charset="0"/>
+              <a:cs typeface="Times New Roman" panose="02020603050405020304" pitchFamily="18" charset="0"/>
+            </a:endParaRPr>
+          </a:p>
+        </p:txBody>
+      </p:sp>
+      <p:sp>
+        <p:nvSpPr>
+          <p:cNvPr id="17" name="TextBox 16">
+            <a:extLst>
+              <a:ext uri="{FF2B5EF4-FFF2-40B4-BE49-F238E27FC236}">
+                <a16:creationId xmlns:a16="http://schemas.microsoft.com/office/drawing/2014/main" id="{0C249A71-18C6-904C-BA31-5ABD44130681}"/>
+              </a:ext>
+            </a:extLst>
+          </p:cNvPr>
+          <p:cNvSpPr txBox="1"/>
+          <p:nvPr/>
+        </p:nvSpPr>
+        <p:spPr>
+          <a:xfrm>
+            <a:off x="2589380" y="2975312"/>
+            <a:ext cx="947273" cy="246221"/>
+          </a:xfrm>
+          <a:prstGeom prst="rect">
+            <a:avLst/>
+          </a:prstGeom>
+          <a:solidFill>
+            <a:schemeClr val="bg1"/>
+          </a:solidFill>
+          <a:ln>
+            <a:solidFill>
+              <a:schemeClr val="bg1"/>
+            </a:solidFill>
+          </a:ln>
+        </p:spPr>
+        <p:txBody>
+          <a:bodyPr wrap="square" lIns="0" rIns="0" rtlCol="0">
+            <a:spAutoFit/>
+          </a:bodyPr>
+          <a:lstStyle/>
+          <a:p>
+            <a:pPr algn="ctr"/>
+            <a:r>
+              <a:rPr lang="en-US" sz="1000" dirty="0">
+                <a:latin typeface="Times New Roman" panose="02020603050405020304" pitchFamily="18" charset="0"/>
+                <a:cs typeface="Times New Roman" panose="02020603050405020304" pitchFamily="18" charset="0"/>
+              </a:rPr>
+              <a:t>Node</a:t>
+            </a:r>
+            <a:r>
+              <a:rPr lang="en-US" sz="1000" baseline="-25000" dirty="0">
+                <a:latin typeface="Times New Roman" panose="02020603050405020304" pitchFamily="18" charset="0"/>
+                <a:cs typeface="Times New Roman" panose="02020603050405020304" pitchFamily="18" charset="0"/>
+              </a:rPr>
+              <a:t>1</a:t>
+            </a:r>
+          </a:p>
+        </p:txBody>
+      </p:sp>
+      <p:sp>
+        <p:nvSpPr>
+          <p:cNvPr id="45" name="TextBox 44">
+            <a:extLst>
+              <a:ext uri="{FF2B5EF4-FFF2-40B4-BE49-F238E27FC236}">
+                <a16:creationId xmlns:a16="http://schemas.microsoft.com/office/drawing/2014/main" id="{EBF6F8D4-4B92-4546-97D7-C95FB91D17E1}"/>
+              </a:ext>
+            </a:extLst>
+          </p:cNvPr>
+          <p:cNvSpPr txBox="1"/>
+          <p:nvPr/>
+        </p:nvSpPr>
+        <p:spPr>
+          <a:xfrm>
+            <a:off x="3214089" y="2942150"/>
+            <a:ext cx="937829" cy="246221"/>
+          </a:xfrm>
+          <a:prstGeom prst="rect">
+            <a:avLst/>
+          </a:prstGeom>
+          <a:solidFill>
+            <a:schemeClr val="bg1"/>
+          </a:solidFill>
+          <a:ln>
+            <a:solidFill>
+              <a:schemeClr val="bg1"/>
+            </a:solidFill>
+          </a:ln>
+        </p:spPr>
+        <p:txBody>
+          <a:bodyPr wrap="square" lIns="0" rIns="0" rtlCol="0">
+            <a:spAutoFit/>
+          </a:bodyPr>
+          <a:lstStyle/>
+          <a:p>
+            <a:pPr algn="ctr"/>
+            <a:r>
+              <a:rPr lang="en-US" sz="1000" dirty="0">
+                <a:latin typeface="Times New Roman" panose="02020603050405020304" pitchFamily="18" charset="0"/>
+                <a:cs typeface="Times New Roman" panose="02020603050405020304" pitchFamily="18" charset="0"/>
+              </a:rPr>
+              <a:t>……</a:t>
+            </a:r>
+          </a:p>
+        </p:txBody>
+      </p:sp>
+      <p:cxnSp>
+        <p:nvCxnSpPr>
+          <p:cNvPr id="28" name="Straight Connector 27">
+            <a:extLst>
+              <a:ext uri="{FF2B5EF4-FFF2-40B4-BE49-F238E27FC236}">
+                <a16:creationId xmlns:a16="http://schemas.microsoft.com/office/drawing/2014/main" id="{7DBFF9DD-D343-384D-AD8E-4B0FEF2726C4}"/>
+              </a:ext>
+            </a:extLst>
+          </p:cNvPr>
+          <p:cNvCxnSpPr>
+            <a:cxnSpLocks/>
+          </p:cNvCxnSpPr>
+          <p:nvPr/>
+        </p:nvCxnSpPr>
+        <p:spPr>
+          <a:xfrm flipH="1">
+            <a:off x="2589380" y="2837782"/>
+            <a:ext cx="97654" cy="131511"/>
+          </a:xfrm>
+          <a:prstGeom prst="line">
+            <a:avLst/>
+          </a:prstGeom>
+          <a:ln w="9525">
+            <a:solidFill>
+              <a:schemeClr val="tx1"/>
+            </a:solidFill>
+          </a:ln>
+          <a:effectLst/>
+        </p:spPr>
+        <p:style>
+          <a:lnRef idx="2">
+            <a:schemeClr val="accent1"/>
+          </a:lnRef>
+          <a:fillRef idx="0">
+            <a:schemeClr val="accent1"/>
+          </a:fillRef>
+          <a:effectRef idx="1">
+            <a:schemeClr val="accent1"/>
+          </a:effectRef>
+          <a:fontRef idx="minor">
+            <a:schemeClr val="tx1"/>
+          </a:fontRef>
+        </p:style>
+      </p:cxnSp>
+      <p:cxnSp>
+        <p:nvCxnSpPr>
+          <p:cNvPr id="29" name="Straight Connector 28">
+            <a:extLst>
+              <a:ext uri="{FF2B5EF4-FFF2-40B4-BE49-F238E27FC236}">
+                <a16:creationId xmlns:a16="http://schemas.microsoft.com/office/drawing/2014/main" id="{0C03CDD6-4C5E-9A43-83E7-5D1BED3C9902}"/>
+              </a:ext>
+            </a:extLst>
+          </p:cNvPr>
+          <p:cNvCxnSpPr>
+            <a:cxnSpLocks/>
+          </p:cNvCxnSpPr>
+          <p:nvPr/>
+        </p:nvCxnSpPr>
+        <p:spPr>
+          <a:xfrm flipH="1">
+            <a:off x="3536653" y="2839789"/>
+            <a:ext cx="86871" cy="129504"/>
+          </a:xfrm>
+          <a:prstGeom prst="line">
+            <a:avLst/>
+          </a:prstGeom>
+          <a:ln w="9525">
+            <a:solidFill>
+              <a:schemeClr val="tx1"/>
+            </a:solidFill>
+          </a:ln>
+          <a:effectLst/>
+        </p:spPr>
+        <p:style>
+          <a:lnRef idx="2">
+            <a:schemeClr val="accent1"/>
+          </a:lnRef>
+          <a:fillRef idx="0">
+            <a:schemeClr val="accent1"/>
+          </a:fillRef>
+          <a:effectRef idx="1">
+            <a:schemeClr val="accent1"/>
+          </a:effectRef>
+          <a:fontRef idx="minor">
+            <a:schemeClr val="tx1"/>
+          </a:fontRef>
+        </p:style>
+      </p:cxnSp>
+      <p:sp>
+        <p:nvSpPr>
+          <p:cNvPr id="30" name="Rectangle 29">
+            <a:extLst>
+              <a:ext uri="{FF2B5EF4-FFF2-40B4-BE49-F238E27FC236}">
+                <a16:creationId xmlns:a16="http://schemas.microsoft.com/office/drawing/2014/main" id="{E08DE8E8-4F2E-A64C-BED2-10355CAA5859}"/>
               </a:ext>
             </a:extLst>
           </p:cNvPr>
@@ -9498,8 +9916,8 @@
         </p:nvSpPr>
         <p:spPr>
           <a:xfrm>
-            <a:off x="1978262" y="1439812"/>
-            <a:ext cx="969387" cy="314048"/>
+            <a:off x="2680724" y="2666937"/>
+            <a:ext cx="942800" cy="181610"/>
           </a:xfrm>
           <a:prstGeom prst="rect">
             <a:avLst/>
@@ -9531,32 +9949,69 @@
           <a:lstStyle/>
           <a:p>
             <a:pPr algn="ctr"/>
-            <a:r>
-              <a:rPr lang="en-US" sz="1100" dirty="0" err="1">
-                <a:solidFill>
-                  <a:schemeClr val="tx1"/>
-                </a:solidFill>
-                <a:latin typeface="Times New Roman"/>
-                <a:cs typeface="Times New Roman"/>
+            <a:endParaRPr lang="en-US" sz="1000">
+              <a:latin typeface="Times New Roman" panose="02020603050405020304" pitchFamily="18" charset="0"/>
+              <a:cs typeface="Times New Roman" panose="02020603050405020304" pitchFamily="18" charset="0"/>
+            </a:endParaRPr>
+          </a:p>
+        </p:txBody>
+      </p:sp>
+      <p:sp>
+        <p:nvSpPr>
+          <p:cNvPr id="40" name="TextBox 39">
+            <a:extLst>
+              <a:ext uri="{FF2B5EF4-FFF2-40B4-BE49-F238E27FC236}">
+                <a16:creationId xmlns:a16="http://schemas.microsoft.com/office/drawing/2014/main" id="{3C5CC42B-6D56-8C4E-AF1C-FBB755901114}"/>
+              </a:ext>
+            </a:extLst>
+          </p:cNvPr>
+          <p:cNvSpPr txBox="1"/>
+          <p:nvPr/>
+        </p:nvSpPr>
+        <p:spPr>
+          <a:xfrm>
+            <a:off x="1772922" y="1970477"/>
+            <a:ext cx="812142" cy="246221"/>
+          </a:xfrm>
+          <a:prstGeom prst="rect">
+            <a:avLst/>
+          </a:prstGeom>
+          <a:solidFill>
+            <a:schemeClr val="bg1"/>
+          </a:solidFill>
+          <a:ln>
+            <a:solidFill>
+              <a:schemeClr val="bg1"/>
+            </a:solidFill>
+          </a:ln>
+        </p:spPr>
+        <p:txBody>
+          <a:bodyPr wrap="square" lIns="0" rIns="0" rtlCol="0">
+            <a:spAutoFit/>
+          </a:bodyPr>
+          <a:lstStyle/>
+          <a:p>
+            <a:pPr algn="ctr"/>
+            <a:r>
+              <a:rPr lang="en-US" sz="1000" dirty="0" err="1">
+                <a:latin typeface="Times New Roman" panose="02020603050405020304" pitchFamily="18" charset="0"/>
+                <a:cs typeface="Times New Roman" panose="02020603050405020304" pitchFamily="18" charset="0"/>
               </a:rPr>
               <a:t>PerNodeHeap</a:t>
             </a:r>
-            <a:endParaRPr lang="en-US" sz="1100" dirty="0">
-              <a:solidFill>
-                <a:schemeClr val="tx1"/>
-              </a:solidFill>
-              <a:latin typeface="Times New Roman"/>
-              <a:cs typeface="Times New Roman"/>
+            <a:endParaRPr lang="en-US" sz="1000" dirty="0">
+              <a:latin typeface="Times New Roman" panose="02020603050405020304" pitchFamily="18" charset="0"/>
+              <a:cs typeface="Times New Roman" panose="02020603050405020304" pitchFamily="18" charset="0"/>
             </a:endParaRPr>
           </a:p>
         </p:txBody>
       </p:sp>
       <p:sp>
         <p:nvSpPr>
-          <p:cNvPr id="5" name="Rectangle 4">
-            <a:extLst>
-              <a:ext uri="{FF2B5EF4-FFF2-40B4-BE49-F238E27FC236}">
-                <a16:creationId xmlns:a16="http://schemas.microsoft.com/office/drawing/2014/main" id="{DF7E48DB-3982-9341-B31B-5440ACAE140B}"/>
+          <p:cNvPr id="50" name="Rectangle 49">
+            <a:extLst>
+              <a:ext uri="{FF2B5EF4-FFF2-40B4-BE49-F238E27FC236}">
+                <a16:creationId xmlns:a16="http://schemas.microsoft.com/office/drawing/2014/main" id="{9D1306A7-AB47-C24E-A34C-F863A9389E27}"/>
               </a:ext>
             </a:extLst>
           </p:cNvPr>
@@ -9565,8 +10020,8 @@
         </p:nvSpPr>
         <p:spPr>
           <a:xfrm>
-            <a:off x="3526962" y="1439812"/>
-            <a:ext cx="1175657" cy="314048"/>
+            <a:off x="2689212" y="1610655"/>
+            <a:ext cx="328464" cy="181610"/>
           </a:xfrm>
           <a:prstGeom prst="rect">
             <a:avLst/>
@@ -9598,32 +10053,61 @@
           <a:lstStyle/>
           <a:p>
             <a:pPr algn="ctr"/>
-            <a:r>
-              <a:rPr lang="en-US" sz="1100" dirty="0" err="1">
-                <a:solidFill>
-                  <a:schemeClr val="tx1"/>
-                </a:solidFill>
-                <a:latin typeface="Times New Roman"/>
-                <a:cs typeface="Times New Roman"/>
+            <a:endParaRPr lang="en-US" sz="1000">
+              <a:latin typeface="Times New Roman" panose="02020603050405020304" pitchFamily="18" charset="0"/>
+              <a:cs typeface="Times New Roman" panose="02020603050405020304" pitchFamily="18" charset="0"/>
+            </a:endParaRPr>
+          </a:p>
+        </p:txBody>
+      </p:sp>
+      <p:sp>
+        <p:nvSpPr>
+          <p:cNvPr id="51" name="TextBox 50">
+            <a:extLst>
+              <a:ext uri="{FF2B5EF4-FFF2-40B4-BE49-F238E27FC236}">
+                <a16:creationId xmlns:a16="http://schemas.microsoft.com/office/drawing/2014/main" id="{F0722EB6-57EA-A944-A9A0-713F2659B53A}"/>
+              </a:ext>
+            </a:extLst>
+          </p:cNvPr>
+          <p:cNvSpPr txBox="1"/>
+          <p:nvPr/>
+        </p:nvSpPr>
+        <p:spPr>
+          <a:xfrm>
+            <a:off x="2681938" y="1602099"/>
+            <a:ext cx="351177" cy="200055"/>
+          </a:xfrm>
+          <a:prstGeom prst="rect">
+            <a:avLst/>
+          </a:prstGeom>
+          <a:noFill/>
+          <a:ln>
+            <a:noFill/>
+          </a:ln>
+        </p:spPr>
+        <p:txBody>
+          <a:bodyPr wrap="square" lIns="0" rIns="0" rtlCol="0">
+            <a:spAutoFit/>
+          </a:bodyPr>
+          <a:lstStyle/>
+          <a:p>
+            <a:pPr algn="ctr"/>
+            <a:r>
+              <a:rPr lang="en-US" sz="700" dirty="0">
+                <a:latin typeface="Times New Roman" panose="02020603050405020304" pitchFamily="18" charset="0"/>
+                <a:cs typeface="Times New Roman" panose="02020603050405020304" pitchFamily="18" charset="0"/>
               </a:rPr>
-              <a:t>PerNodeSizeClass</a:t>
-            </a:r>
-            <a:endParaRPr lang="en-US" sz="1100" dirty="0">
-              <a:solidFill>
-                <a:schemeClr val="tx1"/>
-              </a:solidFill>
-              <a:latin typeface="Times New Roman"/>
-              <a:cs typeface="Times New Roman"/>
-            </a:endParaRPr>
-          </a:p>
-        </p:txBody>
-      </p:sp>
-      <p:sp>
-        <p:nvSpPr>
-          <p:cNvPr id="6" name="Rectangle 5">
-            <a:extLst>
-              <a:ext uri="{FF2B5EF4-FFF2-40B4-BE49-F238E27FC236}">
-                <a16:creationId xmlns:a16="http://schemas.microsoft.com/office/drawing/2014/main" id="{A970A39D-5271-3C41-8D8E-CCD379D45D48}"/>
+              <a:t>Class 0</a:t>
+            </a:r>
+          </a:p>
+        </p:txBody>
+      </p:sp>
+      <p:sp>
+        <p:nvSpPr>
+          <p:cNvPr id="52" name="Rectangle 51">
+            <a:extLst>
+              <a:ext uri="{FF2B5EF4-FFF2-40B4-BE49-F238E27FC236}">
+                <a16:creationId xmlns:a16="http://schemas.microsoft.com/office/drawing/2014/main" id="{4019FD59-0708-1443-9F55-A6B27305ACD6}"/>
               </a:ext>
             </a:extLst>
           </p:cNvPr>
@@ -9632,15 +10116,13 @@
         </p:nvSpPr>
         <p:spPr>
           <a:xfrm>
-            <a:off x="3588484" y="1484298"/>
-            <a:ext cx="1175657" cy="314048"/>
-          </a:xfrm>
-          <a:prstGeom prst="rect">
-            <a:avLst/>
-          </a:prstGeom>
-          <a:solidFill>
-            <a:schemeClr val="bg1"/>
-          </a:solidFill>
+            <a:off x="2689212" y="1792104"/>
+            <a:ext cx="328464" cy="181610"/>
+          </a:xfrm>
+          <a:prstGeom prst="rect">
+            <a:avLst/>
+          </a:prstGeom>
+          <a:noFill/>
           <a:ln>
             <a:solidFill>
               <a:schemeClr val="tx1"/>
@@ -9667,32 +10149,61 @@
           <a:lstStyle/>
           <a:p>
             <a:pPr algn="ctr"/>
-            <a:r>
-              <a:rPr lang="en-US" sz="1100" dirty="0" err="1">
-                <a:solidFill>
-                  <a:schemeClr val="tx1"/>
-                </a:solidFill>
-                <a:latin typeface="Times New Roman"/>
-                <a:cs typeface="Times New Roman"/>
+            <a:endParaRPr lang="en-US" sz="1000">
+              <a:latin typeface="Times New Roman" panose="02020603050405020304" pitchFamily="18" charset="0"/>
+              <a:cs typeface="Times New Roman" panose="02020603050405020304" pitchFamily="18" charset="0"/>
+            </a:endParaRPr>
+          </a:p>
+        </p:txBody>
+      </p:sp>
+      <p:sp>
+        <p:nvSpPr>
+          <p:cNvPr id="53" name="TextBox 52">
+            <a:extLst>
+              <a:ext uri="{FF2B5EF4-FFF2-40B4-BE49-F238E27FC236}">
+                <a16:creationId xmlns:a16="http://schemas.microsoft.com/office/drawing/2014/main" id="{DD847DAC-F713-8B42-8F24-DB7DBE326BF1}"/>
+              </a:ext>
+            </a:extLst>
+          </p:cNvPr>
+          <p:cNvSpPr txBox="1"/>
+          <p:nvPr/>
+        </p:nvSpPr>
+        <p:spPr>
+          <a:xfrm>
+            <a:off x="2680988" y="1773444"/>
+            <a:ext cx="351177" cy="200055"/>
+          </a:xfrm>
+          <a:prstGeom prst="rect">
+            <a:avLst/>
+          </a:prstGeom>
+          <a:noFill/>
+          <a:ln>
+            <a:noFill/>
+          </a:ln>
+        </p:spPr>
+        <p:txBody>
+          <a:bodyPr wrap="square" lIns="0" rIns="0" rtlCol="0">
+            <a:spAutoFit/>
+          </a:bodyPr>
+          <a:lstStyle/>
+          <a:p>
+            <a:pPr algn="ctr"/>
+            <a:r>
+              <a:rPr lang="en-US" sz="700" dirty="0">
+                <a:latin typeface="Times New Roman" panose="02020603050405020304" pitchFamily="18" charset="0"/>
+                <a:cs typeface="Times New Roman" panose="02020603050405020304" pitchFamily="18" charset="0"/>
               </a:rPr>
-              <a:t>PerNodeSizeClass</a:t>
-            </a:r>
-            <a:endParaRPr lang="en-US" sz="1100" dirty="0">
-              <a:solidFill>
-                <a:schemeClr val="tx1"/>
-              </a:solidFill>
-              <a:latin typeface="Times New Roman"/>
-              <a:cs typeface="Times New Roman"/>
-            </a:endParaRPr>
-          </a:p>
-        </p:txBody>
-      </p:sp>
-      <p:sp>
-        <p:nvSpPr>
-          <p:cNvPr id="7" name="Rectangle 6">
-            <a:extLst>
-              <a:ext uri="{FF2B5EF4-FFF2-40B4-BE49-F238E27FC236}">
-                <a16:creationId xmlns:a16="http://schemas.microsoft.com/office/drawing/2014/main" id="{889B1755-D42D-F044-896B-3AFE51F33011}"/>
+              <a:t>Class 1</a:t>
+            </a:r>
+          </a:p>
+        </p:txBody>
+      </p:sp>
+      <p:sp>
+        <p:nvSpPr>
+          <p:cNvPr id="54" name="Rectangle 53">
+            <a:extLst>
+              <a:ext uri="{FF2B5EF4-FFF2-40B4-BE49-F238E27FC236}">
+                <a16:creationId xmlns:a16="http://schemas.microsoft.com/office/drawing/2014/main" id="{FBD45BCC-E7E5-EA42-81F4-8CC378CF68D2}"/>
               </a:ext>
             </a:extLst>
           </p:cNvPr>
@@ -9701,8 +10212,8 @@
         </p:nvSpPr>
         <p:spPr>
           <a:xfrm>
-            <a:off x="3526962" y="1994510"/>
-            <a:ext cx="1175657" cy="314048"/>
+            <a:off x="2689212" y="1972182"/>
+            <a:ext cx="328464" cy="181610"/>
           </a:xfrm>
           <a:prstGeom prst="rect">
             <a:avLst/>
@@ -9734,32 +10245,61 @@
           <a:lstStyle/>
           <a:p>
             <a:pPr algn="ctr"/>
-            <a:r>
-              <a:rPr lang="en-US" sz="1100" dirty="0" err="1">
-                <a:solidFill>
-                  <a:schemeClr val="tx1"/>
-                </a:solidFill>
-                <a:latin typeface="Times New Roman"/>
-                <a:cs typeface="Times New Roman"/>
+            <a:endParaRPr lang="en-US" sz="1000">
+              <a:latin typeface="Times New Roman" panose="02020603050405020304" pitchFamily="18" charset="0"/>
+              <a:cs typeface="Times New Roman" panose="02020603050405020304" pitchFamily="18" charset="0"/>
+            </a:endParaRPr>
+          </a:p>
+        </p:txBody>
+      </p:sp>
+      <p:sp>
+        <p:nvSpPr>
+          <p:cNvPr id="55" name="TextBox 54">
+            <a:extLst>
+              <a:ext uri="{FF2B5EF4-FFF2-40B4-BE49-F238E27FC236}">
+                <a16:creationId xmlns:a16="http://schemas.microsoft.com/office/drawing/2014/main" id="{A8E975D2-2779-EE4E-AD42-F38C5E52841A}"/>
+              </a:ext>
+            </a:extLst>
+          </p:cNvPr>
+          <p:cNvSpPr txBox="1"/>
+          <p:nvPr/>
+        </p:nvSpPr>
+        <p:spPr>
+          <a:xfrm>
+            <a:off x="2676861" y="1932244"/>
+            <a:ext cx="351177" cy="215444"/>
+          </a:xfrm>
+          <a:prstGeom prst="rect">
+            <a:avLst/>
+          </a:prstGeom>
+          <a:noFill/>
+          <a:ln>
+            <a:noFill/>
+          </a:ln>
+        </p:spPr>
+        <p:txBody>
+          <a:bodyPr wrap="square" lIns="0" rIns="0" rtlCol="0">
+            <a:spAutoFit/>
+          </a:bodyPr>
+          <a:lstStyle/>
+          <a:p>
+            <a:pPr algn="ctr"/>
+            <a:r>
+              <a:rPr lang="en-US" sz="800" dirty="0">
+                <a:latin typeface="Times New Roman" panose="02020603050405020304" pitchFamily="18" charset="0"/>
+                <a:cs typeface="Times New Roman" panose="02020603050405020304" pitchFamily="18" charset="0"/>
               </a:rPr>
-              <a:t>PerNodeBigObjects</a:t>
-            </a:r>
-            <a:endParaRPr lang="en-US" sz="1100" dirty="0">
-              <a:solidFill>
-                <a:schemeClr val="tx1"/>
-              </a:solidFill>
-              <a:latin typeface="Times New Roman"/>
-              <a:cs typeface="Times New Roman"/>
-            </a:endParaRPr>
-          </a:p>
-        </p:txBody>
-      </p:sp>
-      <p:sp>
-        <p:nvSpPr>
-          <p:cNvPr id="8" name="Rectangle 7">
-            <a:extLst>
-              <a:ext uri="{FF2B5EF4-FFF2-40B4-BE49-F238E27FC236}">
-                <a16:creationId xmlns:a16="http://schemas.microsoft.com/office/drawing/2014/main" id="{F0DB304C-B407-4548-A4B9-5B5A7AA1E625}"/>
+              <a:t>……</a:t>
+            </a:r>
+          </a:p>
+        </p:txBody>
+      </p:sp>
+      <p:sp>
+        <p:nvSpPr>
+          <p:cNvPr id="56" name="Rectangle 55">
+            <a:extLst>
+              <a:ext uri="{FF2B5EF4-FFF2-40B4-BE49-F238E27FC236}">
+                <a16:creationId xmlns:a16="http://schemas.microsoft.com/office/drawing/2014/main" id="{2BDD2D2B-E4C0-2A45-A5C4-A985EB427085}"/>
               </a:ext>
             </a:extLst>
           </p:cNvPr>
@@ -9768,15 +10308,13 @@
         </p:nvSpPr>
         <p:spPr>
           <a:xfrm>
-            <a:off x="3650007" y="1528786"/>
-            <a:ext cx="1175657" cy="314048"/>
-          </a:xfrm>
-          <a:prstGeom prst="rect">
-            <a:avLst/>
-          </a:prstGeom>
-          <a:solidFill>
-            <a:schemeClr val="bg1"/>
-          </a:solidFill>
+            <a:off x="2689212" y="2155010"/>
+            <a:ext cx="328464" cy="181610"/>
+          </a:xfrm>
+          <a:prstGeom prst="rect">
+            <a:avLst/>
+          </a:prstGeom>
+          <a:noFill/>
           <a:ln>
             <a:solidFill>
               <a:schemeClr val="tx1"/>
@@ -9803,48 +10341,122 @@
           <a:lstStyle/>
           <a:p>
             <a:pPr algn="ctr"/>
-            <a:r>
-              <a:rPr lang="en-US" sz="1100" dirty="0" err="1">
-                <a:solidFill>
-                  <a:schemeClr val="tx1"/>
-                </a:solidFill>
-                <a:latin typeface="Times New Roman"/>
-                <a:cs typeface="Times New Roman"/>
-              </a:rPr>
-              <a:t>PerNodeSizeClass</a:t>
-            </a:r>
-            <a:endParaRPr lang="en-US" sz="1100" dirty="0">
-              <a:solidFill>
-                <a:schemeClr val="tx1"/>
-              </a:solidFill>
-              <a:latin typeface="Times New Roman"/>
-              <a:cs typeface="Times New Roman"/>
+            <a:endParaRPr lang="en-US" sz="1000">
+              <a:latin typeface="Times New Roman" panose="02020603050405020304" pitchFamily="18" charset="0"/>
+              <a:cs typeface="Times New Roman" panose="02020603050405020304" pitchFamily="18" charset="0"/>
             </a:endParaRPr>
           </a:p>
         </p:txBody>
       </p:sp>
       <p:sp>
         <p:nvSpPr>
-          <p:cNvPr id="9" name="Rectangle 8">
-            <a:extLst>
-              <a:ext uri="{FF2B5EF4-FFF2-40B4-BE49-F238E27FC236}">
-                <a16:creationId xmlns:a16="http://schemas.microsoft.com/office/drawing/2014/main" id="{3712568C-49C3-CF47-8B16-816EC5A8B98B}"/>
-              </a:ext>
-            </a:extLst>
-          </p:cNvPr>
-          <p:cNvSpPr/>
-          <p:nvPr/>
-        </p:nvSpPr>
-        <p:spPr>
-          <a:xfrm>
-            <a:off x="2154756" y="2750831"/>
-            <a:ext cx="969387" cy="314048"/>
+          <p:cNvPr id="57" name="TextBox 56">
+            <a:extLst>
+              <a:ext uri="{FF2B5EF4-FFF2-40B4-BE49-F238E27FC236}">
+                <a16:creationId xmlns:a16="http://schemas.microsoft.com/office/drawing/2014/main" id="{7F86CF85-D7B2-694B-85A0-E7BFA50D2AD9}"/>
+              </a:ext>
+            </a:extLst>
+          </p:cNvPr>
+          <p:cNvSpPr txBox="1"/>
+          <p:nvPr/>
+        </p:nvSpPr>
+        <p:spPr>
+          <a:xfrm>
+            <a:off x="2678908" y="2142768"/>
+            <a:ext cx="351177" cy="200055"/>
           </a:xfrm>
           <a:prstGeom prst="rect">
             <a:avLst/>
           </a:prstGeom>
           <a:noFill/>
           <a:ln>
+            <a:noFill/>
+          </a:ln>
+        </p:spPr>
+        <p:txBody>
+          <a:bodyPr wrap="square" lIns="0" rIns="0" rtlCol="0">
+            <a:spAutoFit/>
+          </a:bodyPr>
+          <a:lstStyle/>
+          <a:p>
+            <a:pPr algn="ctr"/>
+            <a:r>
+              <a:rPr lang="en-US" sz="700" dirty="0">
+                <a:latin typeface="Times New Roman" panose="02020603050405020304" pitchFamily="18" charset="0"/>
+                <a:cs typeface="Times New Roman" panose="02020603050405020304" pitchFamily="18" charset="0"/>
+              </a:rPr>
+              <a:t>Class n</a:t>
+            </a:r>
+          </a:p>
+        </p:txBody>
+      </p:sp>
+      <p:cxnSp>
+        <p:nvCxnSpPr>
+          <p:cNvPr id="58" name="Straight Arrow Connector 57">
+            <a:extLst>
+              <a:ext uri="{FF2B5EF4-FFF2-40B4-BE49-F238E27FC236}">
+                <a16:creationId xmlns:a16="http://schemas.microsoft.com/office/drawing/2014/main" id="{3257224C-5FF1-5744-BBD8-D879938604FD}"/>
+              </a:ext>
+            </a:extLst>
+          </p:cNvPr>
+          <p:cNvCxnSpPr>
+            <a:cxnSpLocks/>
+          </p:cNvCxnSpPr>
+          <p:nvPr/>
+        </p:nvCxnSpPr>
+        <p:spPr>
+          <a:xfrm>
+            <a:off x="3020036" y="1697147"/>
+            <a:ext cx="133184" cy="0"/>
+          </a:xfrm>
+          <a:prstGeom prst="straightConnector1">
+            <a:avLst/>
+          </a:prstGeom>
+          <a:ln w="9525">
+            <a:solidFill>
+              <a:schemeClr val="tx1"/>
+            </a:solidFill>
+            <a:tailEnd type="stealth"/>
+          </a:ln>
+          <a:effectLst/>
+        </p:spPr>
+        <p:style>
+          <a:lnRef idx="2">
+            <a:schemeClr val="accent1"/>
+          </a:lnRef>
+          <a:fillRef idx="0">
+            <a:schemeClr val="accent1"/>
+          </a:fillRef>
+          <a:effectRef idx="1">
+            <a:schemeClr val="accent1"/>
+          </a:effectRef>
+          <a:fontRef idx="minor">
+            <a:schemeClr val="tx1"/>
+          </a:fontRef>
+        </p:style>
+      </p:cxnSp>
+      <p:sp>
+        <p:nvSpPr>
+          <p:cNvPr id="59" name="Rectangle 58">
+            <a:extLst>
+              <a:ext uri="{FF2B5EF4-FFF2-40B4-BE49-F238E27FC236}">
+                <a16:creationId xmlns:a16="http://schemas.microsoft.com/office/drawing/2014/main" id="{2C404945-A53E-464D-85C0-12E7075E6B7D}"/>
+              </a:ext>
+            </a:extLst>
+          </p:cNvPr>
+          <p:cNvSpPr/>
+          <p:nvPr/>
+        </p:nvSpPr>
+        <p:spPr>
+          <a:xfrm>
+            <a:off x="3152250" y="1645726"/>
+            <a:ext cx="182387" cy="117473"/>
+          </a:xfrm>
+          <a:prstGeom prst="rect">
+            <a:avLst/>
+          </a:prstGeom>
+          <a:noFill/>
+          <a:ln w="6350">
             <a:solidFill>
               <a:schemeClr val="tx1"/>
             </a:solidFill>
@@ -9870,32 +10482,19 @@
           <a:lstStyle/>
           <a:p>
             <a:pPr algn="ctr"/>
-            <a:r>
-              <a:rPr lang="en-US" sz="1100" dirty="0" err="1">
-                <a:solidFill>
-                  <a:schemeClr val="tx1"/>
-                </a:solidFill>
-                <a:latin typeface="Times New Roman"/>
-                <a:cs typeface="Times New Roman"/>
-              </a:rPr>
-              <a:t>PerThreadHeap</a:t>
-            </a:r>
-            <a:endParaRPr lang="en-US" sz="1100" dirty="0">
-              <a:solidFill>
-                <a:schemeClr val="tx1"/>
-              </a:solidFill>
-              <a:latin typeface="Times New Roman"/>
-              <a:cs typeface="Times New Roman"/>
+            <a:endParaRPr lang="en-US" sz="1000">
+              <a:latin typeface="Times New Roman" panose="02020603050405020304" pitchFamily="18" charset="0"/>
+              <a:cs typeface="Times New Roman" panose="02020603050405020304" pitchFamily="18" charset="0"/>
             </a:endParaRPr>
           </a:p>
         </p:txBody>
       </p:sp>
       <p:sp>
         <p:nvSpPr>
-          <p:cNvPr id="11" name="Rectangle 10">
-            <a:extLst>
-              <a:ext uri="{FF2B5EF4-FFF2-40B4-BE49-F238E27FC236}">
-                <a16:creationId xmlns:a16="http://schemas.microsoft.com/office/drawing/2014/main" id="{5B3B4E48-718D-CF41-A545-5B2B50468CE3}"/>
+          <p:cNvPr id="63" name="Rectangle 62">
+            <a:extLst>
+              <a:ext uri="{FF2B5EF4-FFF2-40B4-BE49-F238E27FC236}">
+                <a16:creationId xmlns:a16="http://schemas.microsoft.com/office/drawing/2014/main" id="{4BEBAF73-CB4B-A745-B506-860792C2F7C5}"/>
               </a:ext>
             </a:extLst>
           </p:cNvPr>
@@ -9904,14 +10503,14 @@
         </p:nvSpPr>
         <p:spPr>
           <a:xfrm>
-            <a:off x="3526012" y="2739484"/>
-            <a:ext cx="1175657" cy="314048"/>
+            <a:off x="3336514" y="1645726"/>
+            <a:ext cx="182387" cy="117473"/>
           </a:xfrm>
           <a:prstGeom prst="rect">
             <a:avLst/>
           </a:prstGeom>
           <a:noFill/>
-          <a:ln>
+          <a:ln w="6350">
             <a:solidFill>
               <a:schemeClr val="tx1"/>
             </a:solidFill>
@@ -9937,32 +10536,19 @@
           <a:lstStyle/>
           <a:p>
             <a:pPr algn="ctr"/>
-            <a:r>
-              <a:rPr lang="en-US" sz="1100" dirty="0" err="1">
-                <a:solidFill>
-                  <a:schemeClr val="tx1"/>
-                </a:solidFill>
-                <a:latin typeface="Times New Roman"/>
-                <a:cs typeface="Times New Roman"/>
-              </a:rPr>
-              <a:t>PerNodeSizeClass</a:t>
-            </a:r>
-            <a:endParaRPr lang="en-US" sz="1100" dirty="0">
-              <a:solidFill>
-                <a:schemeClr val="tx1"/>
-              </a:solidFill>
-              <a:latin typeface="Times New Roman"/>
-              <a:cs typeface="Times New Roman"/>
+            <a:endParaRPr lang="en-US" sz="1000">
+              <a:latin typeface="Times New Roman" panose="02020603050405020304" pitchFamily="18" charset="0"/>
+              <a:cs typeface="Times New Roman" panose="02020603050405020304" pitchFamily="18" charset="0"/>
             </a:endParaRPr>
           </a:p>
         </p:txBody>
       </p:sp>
       <p:sp>
         <p:nvSpPr>
-          <p:cNvPr id="12" name="Rectangle 11">
-            <a:extLst>
-              <a:ext uri="{FF2B5EF4-FFF2-40B4-BE49-F238E27FC236}">
-                <a16:creationId xmlns:a16="http://schemas.microsoft.com/office/drawing/2014/main" id="{53CCB99E-C7C6-064B-8796-25C96E111B19}"/>
+          <p:cNvPr id="64" name="Rectangle 63">
+            <a:extLst>
+              <a:ext uri="{FF2B5EF4-FFF2-40B4-BE49-F238E27FC236}">
+                <a16:creationId xmlns:a16="http://schemas.microsoft.com/office/drawing/2014/main" id="{BEC66FF1-246E-084B-92F4-7EDA74789413}"/>
               </a:ext>
             </a:extLst>
           </p:cNvPr>
@@ -9971,16 +10557,14 @@
         </p:nvSpPr>
         <p:spPr>
           <a:xfrm>
-            <a:off x="3587534" y="2783970"/>
-            <a:ext cx="1175657" cy="314048"/>
-          </a:xfrm>
-          <a:prstGeom prst="rect">
-            <a:avLst/>
-          </a:prstGeom>
-          <a:solidFill>
-            <a:schemeClr val="bg1"/>
-          </a:solidFill>
-          <a:ln>
+            <a:off x="3516508" y="1645726"/>
+            <a:ext cx="182387" cy="117473"/>
+          </a:xfrm>
+          <a:prstGeom prst="rect">
+            <a:avLst/>
+          </a:prstGeom>
+          <a:noFill/>
+          <a:ln w="6350">
             <a:solidFill>
               <a:schemeClr val="tx1"/>
             </a:solidFill>
@@ -10006,32 +10590,19 @@
           <a:lstStyle/>
           <a:p>
             <a:pPr algn="ctr"/>
-            <a:r>
-              <a:rPr lang="en-US" sz="1100" dirty="0" err="1">
-                <a:solidFill>
-                  <a:schemeClr val="tx1"/>
-                </a:solidFill>
-                <a:latin typeface="Times New Roman"/>
-                <a:cs typeface="Times New Roman"/>
-              </a:rPr>
-              <a:t>PerNodeSizeClass</a:t>
-            </a:r>
-            <a:endParaRPr lang="en-US" sz="1100" dirty="0">
-              <a:solidFill>
-                <a:schemeClr val="tx1"/>
-              </a:solidFill>
-              <a:latin typeface="Times New Roman"/>
-              <a:cs typeface="Times New Roman"/>
+            <a:endParaRPr lang="en-US" sz="1000">
+              <a:latin typeface="Times New Roman" panose="02020603050405020304" pitchFamily="18" charset="0"/>
+              <a:cs typeface="Times New Roman" panose="02020603050405020304" pitchFamily="18" charset="0"/>
             </a:endParaRPr>
           </a:p>
         </p:txBody>
       </p:sp>
       <p:sp>
         <p:nvSpPr>
-          <p:cNvPr id="13" name="Rectangle 12">
-            <a:extLst>
-              <a:ext uri="{FF2B5EF4-FFF2-40B4-BE49-F238E27FC236}">
-                <a16:creationId xmlns:a16="http://schemas.microsoft.com/office/drawing/2014/main" id="{F5227BC9-5818-7C40-86F1-E84FA81CAE26}"/>
+          <p:cNvPr id="65" name="Rectangle 64">
+            <a:extLst>
+              <a:ext uri="{FF2B5EF4-FFF2-40B4-BE49-F238E27FC236}">
+                <a16:creationId xmlns:a16="http://schemas.microsoft.com/office/drawing/2014/main" id="{B185D686-339F-D245-8AC0-8AC6B71F439E}"/>
               </a:ext>
             </a:extLst>
           </p:cNvPr>
@@ -10040,16 +10611,14 @@
         </p:nvSpPr>
         <p:spPr>
           <a:xfrm>
-            <a:off x="3649057" y="2828458"/>
-            <a:ext cx="1175657" cy="314048"/>
-          </a:xfrm>
-          <a:prstGeom prst="rect">
-            <a:avLst/>
-          </a:prstGeom>
-          <a:solidFill>
-            <a:schemeClr val="bg1"/>
-          </a:solidFill>
-          <a:ln>
+            <a:off x="3697773" y="1645726"/>
+            <a:ext cx="182387" cy="117473"/>
+          </a:xfrm>
+          <a:prstGeom prst="rect">
+            <a:avLst/>
+          </a:prstGeom>
+          <a:noFill/>
+          <a:ln w="6350">
             <a:solidFill>
               <a:schemeClr val="tx1"/>
             </a:solidFill>
@@ -10075,32 +10644,64 @@
           <a:lstStyle/>
           <a:p>
             <a:pPr algn="ctr"/>
-            <a:r>
-              <a:rPr lang="en-US" sz="1100" dirty="0" err="1">
-                <a:solidFill>
-                  <a:schemeClr val="tx1"/>
-                </a:solidFill>
-                <a:latin typeface="Times New Roman"/>
-                <a:cs typeface="Times New Roman"/>
-              </a:rPr>
-              <a:t>PerThreadSizeClass</a:t>
-            </a:r>
-            <a:endParaRPr lang="en-US" sz="1100" dirty="0">
-              <a:solidFill>
-                <a:schemeClr val="tx1"/>
-              </a:solidFill>
-              <a:latin typeface="Times New Roman"/>
-              <a:cs typeface="Times New Roman"/>
+            <a:endParaRPr lang="en-US" sz="1000">
+              <a:latin typeface="Times New Roman" panose="02020603050405020304" pitchFamily="18" charset="0"/>
+              <a:cs typeface="Times New Roman" panose="02020603050405020304" pitchFamily="18" charset="0"/>
             </a:endParaRPr>
           </a:p>
         </p:txBody>
       </p:sp>
-      <p:sp>
-        <p:nvSpPr>
-          <p:cNvPr id="14" name="Rectangle 13">
-            <a:extLst>
-              <a:ext uri="{FF2B5EF4-FFF2-40B4-BE49-F238E27FC236}">
-                <a16:creationId xmlns:a16="http://schemas.microsoft.com/office/drawing/2014/main" id="{3200CFFD-1415-7044-A7FE-7FE73E2D8E4C}"/>
+      <p:cxnSp>
+        <p:nvCxnSpPr>
+          <p:cNvPr id="67" name="Straight Arrow Connector 66">
+            <a:extLst>
+              <a:ext uri="{FF2B5EF4-FFF2-40B4-BE49-F238E27FC236}">
+                <a16:creationId xmlns:a16="http://schemas.microsoft.com/office/drawing/2014/main" id="{C7A1044D-3BF1-7A43-A907-11303AD7603C}"/>
+              </a:ext>
+            </a:extLst>
+          </p:cNvPr>
+          <p:cNvCxnSpPr>
+            <a:cxnSpLocks/>
+          </p:cNvCxnSpPr>
+          <p:nvPr/>
+        </p:nvCxnSpPr>
+        <p:spPr>
+          <a:xfrm>
+            <a:off x="3020036" y="1882720"/>
+            <a:ext cx="133184" cy="0"/>
+          </a:xfrm>
+          <a:prstGeom prst="straightConnector1">
+            <a:avLst/>
+          </a:prstGeom>
+          <a:ln w="9525">
+            <a:solidFill>
+              <a:schemeClr val="tx1"/>
+            </a:solidFill>
+            <a:tailEnd type="stealth"/>
+          </a:ln>
+          <a:effectLst/>
+        </p:spPr>
+        <p:style>
+          <a:lnRef idx="2">
+            <a:schemeClr val="accent1"/>
+          </a:lnRef>
+          <a:fillRef idx="0">
+            <a:schemeClr val="accent1"/>
+          </a:fillRef>
+          <a:effectRef idx="1">
+            <a:schemeClr val="accent1"/>
+          </a:effectRef>
+          <a:fontRef idx="minor">
+            <a:schemeClr val="tx1"/>
+          </a:fontRef>
+        </p:style>
+      </p:cxnSp>
+      <p:sp>
+        <p:nvSpPr>
+          <p:cNvPr id="68" name="Rectangle 67">
+            <a:extLst>
+              <a:ext uri="{FF2B5EF4-FFF2-40B4-BE49-F238E27FC236}">
+                <a16:creationId xmlns:a16="http://schemas.microsoft.com/office/drawing/2014/main" id="{F3A440C7-3999-E54C-ADC7-4F663AA8A03B}"/>
               </a:ext>
             </a:extLst>
           </p:cNvPr>
@@ -10109,16 +10710,14 @@
         </p:nvSpPr>
         <p:spPr>
           <a:xfrm>
-            <a:off x="2039784" y="1490873"/>
-            <a:ext cx="969387" cy="314048"/>
-          </a:xfrm>
-          <a:prstGeom prst="rect">
-            <a:avLst/>
-          </a:prstGeom>
-          <a:solidFill>
-            <a:schemeClr val="bg1"/>
-          </a:solidFill>
-          <a:ln>
+            <a:off x="3152250" y="1828081"/>
+            <a:ext cx="182387" cy="117473"/>
+          </a:xfrm>
+          <a:prstGeom prst="rect">
+            <a:avLst/>
+          </a:prstGeom>
+          <a:noFill/>
+          <a:ln w="6350">
             <a:solidFill>
               <a:schemeClr val="tx1"/>
             </a:solidFill>
@@ -10144,32 +10743,19 @@
           <a:lstStyle/>
           <a:p>
             <a:pPr algn="ctr"/>
-            <a:r>
-              <a:rPr lang="en-US" sz="1100" dirty="0" err="1">
-                <a:solidFill>
-                  <a:schemeClr val="tx1"/>
-                </a:solidFill>
-                <a:latin typeface="Times New Roman"/>
-                <a:cs typeface="Times New Roman"/>
-              </a:rPr>
-              <a:t>PerNodeHeap</a:t>
-            </a:r>
-            <a:endParaRPr lang="en-US" sz="1100" dirty="0">
-              <a:solidFill>
-                <a:schemeClr val="tx1"/>
-              </a:solidFill>
-              <a:latin typeface="Times New Roman"/>
-              <a:cs typeface="Times New Roman"/>
+            <a:endParaRPr lang="en-US" sz="1000">
+              <a:latin typeface="Times New Roman" panose="02020603050405020304" pitchFamily="18" charset="0"/>
+              <a:cs typeface="Times New Roman" panose="02020603050405020304" pitchFamily="18" charset="0"/>
             </a:endParaRPr>
           </a:p>
         </p:txBody>
       </p:sp>
       <p:sp>
         <p:nvSpPr>
-          <p:cNvPr id="15" name="Rectangle 14">
-            <a:extLst>
-              <a:ext uri="{FF2B5EF4-FFF2-40B4-BE49-F238E27FC236}">
-                <a16:creationId xmlns:a16="http://schemas.microsoft.com/office/drawing/2014/main" id="{E34152AC-BF31-B448-931F-4A636A8146AE}"/>
+          <p:cNvPr id="69" name="Rectangle 68">
+            <a:extLst>
+              <a:ext uri="{FF2B5EF4-FFF2-40B4-BE49-F238E27FC236}">
+                <a16:creationId xmlns:a16="http://schemas.microsoft.com/office/drawing/2014/main" id="{B36A57E2-AA01-E041-8A66-365AED8B1562}"/>
               </a:ext>
             </a:extLst>
           </p:cNvPr>
@@ -10178,16 +10764,14 @@
         </p:nvSpPr>
         <p:spPr>
           <a:xfrm>
-            <a:off x="2101306" y="1541934"/>
-            <a:ext cx="969387" cy="314048"/>
-          </a:xfrm>
-          <a:prstGeom prst="rect">
-            <a:avLst/>
-          </a:prstGeom>
-          <a:solidFill>
-            <a:schemeClr val="bg1"/>
-          </a:solidFill>
-          <a:ln>
+            <a:off x="3336514" y="1828081"/>
+            <a:ext cx="182387" cy="117473"/>
+          </a:xfrm>
+          <a:prstGeom prst="rect">
+            <a:avLst/>
+          </a:prstGeom>
+          <a:noFill/>
+          <a:ln w="6350">
             <a:solidFill>
               <a:schemeClr val="tx1"/>
             </a:solidFill>
@@ -10213,32 +10797,19 @@
           <a:lstStyle/>
           <a:p>
             <a:pPr algn="ctr"/>
-            <a:r>
-              <a:rPr lang="en-US" sz="1100" dirty="0" err="1">
-                <a:solidFill>
-                  <a:schemeClr val="tx1"/>
-                </a:solidFill>
-                <a:latin typeface="Times New Roman"/>
-                <a:cs typeface="Times New Roman"/>
-              </a:rPr>
-              <a:t>PerNodeHeap</a:t>
-            </a:r>
-            <a:endParaRPr lang="en-US" sz="1100" dirty="0">
-              <a:solidFill>
-                <a:schemeClr val="tx1"/>
-              </a:solidFill>
-              <a:latin typeface="Times New Roman"/>
-              <a:cs typeface="Times New Roman"/>
+            <a:endParaRPr lang="en-US" sz="1000">
+              <a:latin typeface="Times New Roman" panose="02020603050405020304" pitchFamily="18" charset="0"/>
+              <a:cs typeface="Times New Roman" panose="02020603050405020304" pitchFamily="18" charset="0"/>
             </a:endParaRPr>
           </a:p>
         </p:txBody>
       </p:sp>
       <p:sp>
         <p:nvSpPr>
-          <p:cNvPr id="16" name="Rectangle 15">
-            <a:extLst>
-              <a:ext uri="{FF2B5EF4-FFF2-40B4-BE49-F238E27FC236}">
-                <a16:creationId xmlns:a16="http://schemas.microsoft.com/office/drawing/2014/main" id="{9B4DA367-483F-7543-8BFC-0CFFD09E3FCA}"/>
+          <p:cNvPr id="70" name="Rectangle 69">
+            <a:extLst>
+              <a:ext uri="{FF2B5EF4-FFF2-40B4-BE49-F238E27FC236}">
+                <a16:creationId xmlns:a16="http://schemas.microsoft.com/office/drawing/2014/main" id="{387701E4-C253-6340-9CEF-B6313663D3A9}"/>
               </a:ext>
             </a:extLst>
           </p:cNvPr>
@@ -10247,16 +10818,14 @@
         </p:nvSpPr>
         <p:spPr>
           <a:xfrm>
-            <a:off x="2204919" y="2800993"/>
-            <a:ext cx="969387" cy="314048"/>
-          </a:xfrm>
-          <a:prstGeom prst="rect">
-            <a:avLst/>
-          </a:prstGeom>
-          <a:solidFill>
-            <a:schemeClr val="bg1"/>
-          </a:solidFill>
-          <a:ln>
+            <a:off x="3516508" y="1828081"/>
+            <a:ext cx="182387" cy="117473"/>
+          </a:xfrm>
+          <a:prstGeom prst="rect">
+            <a:avLst/>
+          </a:prstGeom>
+          <a:noFill/>
+          <a:ln w="6350">
             <a:solidFill>
               <a:schemeClr val="tx1"/>
             </a:solidFill>
@@ -10282,32 +10851,19 @@
           <a:lstStyle/>
           <a:p>
             <a:pPr algn="ctr"/>
-            <a:r>
-              <a:rPr lang="en-US" sz="1100" dirty="0" err="1">
-                <a:solidFill>
-                  <a:schemeClr val="tx1"/>
-                </a:solidFill>
-                <a:latin typeface="Times New Roman"/>
-                <a:cs typeface="Times New Roman"/>
-              </a:rPr>
-              <a:t>PerThreadHeap</a:t>
-            </a:r>
-            <a:endParaRPr lang="en-US" sz="1100" dirty="0">
-              <a:solidFill>
-                <a:schemeClr val="tx1"/>
-              </a:solidFill>
-              <a:latin typeface="Times New Roman"/>
-              <a:cs typeface="Times New Roman"/>
+            <a:endParaRPr lang="en-US" sz="1000">
+              <a:latin typeface="Times New Roman" panose="02020603050405020304" pitchFamily="18" charset="0"/>
+              <a:cs typeface="Times New Roman" panose="02020603050405020304" pitchFamily="18" charset="0"/>
             </a:endParaRPr>
           </a:p>
         </p:txBody>
       </p:sp>
       <p:sp>
         <p:nvSpPr>
-          <p:cNvPr id="17" name="Rectangle 16">
-            <a:extLst>
-              <a:ext uri="{FF2B5EF4-FFF2-40B4-BE49-F238E27FC236}">
-                <a16:creationId xmlns:a16="http://schemas.microsoft.com/office/drawing/2014/main" id="{216EF5E3-5CD7-0B4E-AA50-6E51DB0AB876}"/>
+          <p:cNvPr id="72" name="Rectangle 71">
+            <a:extLst>
+              <a:ext uri="{FF2B5EF4-FFF2-40B4-BE49-F238E27FC236}">
+                <a16:creationId xmlns:a16="http://schemas.microsoft.com/office/drawing/2014/main" id="{ABAA3273-CB21-C543-9DF4-CC2413A6FE0A}"/>
               </a:ext>
             </a:extLst>
           </p:cNvPr>
@@ -10316,16 +10872,14 @@
         </p:nvSpPr>
         <p:spPr>
           <a:xfrm>
-            <a:off x="2255082" y="2851155"/>
-            <a:ext cx="969387" cy="314048"/>
-          </a:xfrm>
-          <a:prstGeom prst="rect">
-            <a:avLst/>
-          </a:prstGeom>
-          <a:solidFill>
-            <a:schemeClr val="bg1"/>
-          </a:solidFill>
-          <a:ln>
+            <a:off x="3883610" y="1645726"/>
+            <a:ext cx="182387" cy="117473"/>
+          </a:xfrm>
+          <a:prstGeom prst="rect">
+            <a:avLst/>
+          </a:prstGeom>
+          <a:noFill/>
+          <a:ln w="6350">
             <a:solidFill>
               <a:schemeClr val="tx1"/>
             </a:solidFill>
@@ -10351,22 +10905,2327 @@
           <a:lstStyle/>
           <a:p>
             <a:pPr algn="ctr"/>
-            <a:r>
-              <a:rPr lang="en-US" sz="1100" dirty="0" err="1">
-                <a:solidFill>
-                  <a:schemeClr val="tx1"/>
-                </a:solidFill>
-                <a:latin typeface="Times New Roman"/>
-                <a:cs typeface="Times New Roman"/>
+            <a:endParaRPr lang="en-US" sz="1000">
+              <a:latin typeface="Times New Roman" panose="02020603050405020304" pitchFamily="18" charset="0"/>
+              <a:cs typeface="Times New Roman" panose="02020603050405020304" pitchFamily="18" charset="0"/>
+            </a:endParaRPr>
+          </a:p>
+        </p:txBody>
+      </p:sp>
+      <p:sp>
+        <p:nvSpPr>
+          <p:cNvPr id="77" name="Rectangle 76">
+            <a:extLst>
+              <a:ext uri="{FF2B5EF4-FFF2-40B4-BE49-F238E27FC236}">
+                <a16:creationId xmlns:a16="http://schemas.microsoft.com/office/drawing/2014/main" id="{C833F767-3EB0-4E41-AA27-6D8FDB97E2A0}"/>
+              </a:ext>
+            </a:extLst>
+          </p:cNvPr>
+          <p:cNvSpPr/>
+          <p:nvPr/>
+        </p:nvSpPr>
+        <p:spPr>
+          <a:xfrm>
+            <a:off x="2690079" y="2459998"/>
+            <a:ext cx="182387" cy="117473"/>
+          </a:xfrm>
+          <a:prstGeom prst="rect">
+            <a:avLst/>
+          </a:prstGeom>
+          <a:noFill/>
+          <a:ln w="6350">
+            <a:solidFill>
+              <a:schemeClr val="tx1"/>
+            </a:solidFill>
+          </a:ln>
+          <a:effectLst/>
+        </p:spPr>
+        <p:style>
+          <a:lnRef idx="1">
+            <a:schemeClr val="accent1"/>
+          </a:lnRef>
+          <a:fillRef idx="3">
+            <a:schemeClr val="accent1"/>
+          </a:fillRef>
+          <a:effectRef idx="2">
+            <a:schemeClr val="accent1"/>
+          </a:effectRef>
+          <a:fontRef idx="minor">
+            <a:schemeClr val="lt1"/>
+          </a:fontRef>
+        </p:style>
+        <p:txBody>
+          <a:bodyPr lIns="0" tIns="0" rIns="0" bIns="0" rtlCol="0" anchor="ctr"/>
+          <a:lstStyle/>
+          <a:p>
+            <a:pPr algn="ctr"/>
+            <a:endParaRPr lang="en-US" sz="1000">
+              <a:latin typeface="Times New Roman" panose="02020603050405020304" pitchFamily="18" charset="0"/>
+              <a:cs typeface="Times New Roman" panose="02020603050405020304" pitchFamily="18" charset="0"/>
+            </a:endParaRPr>
+          </a:p>
+        </p:txBody>
+      </p:sp>
+      <p:sp>
+        <p:nvSpPr>
+          <p:cNvPr id="78" name="Rectangle 77">
+            <a:extLst>
+              <a:ext uri="{FF2B5EF4-FFF2-40B4-BE49-F238E27FC236}">
+                <a16:creationId xmlns:a16="http://schemas.microsoft.com/office/drawing/2014/main" id="{334E8663-04F9-8749-8589-B0DB05AA3F17}"/>
+              </a:ext>
+            </a:extLst>
+          </p:cNvPr>
+          <p:cNvSpPr/>
+          <p:nvPr/>
+        </p:nvSpPr>
+        <p:spPr>
+          <a:xfrm>
+            <a:off x="2870651" y="2459998"/>
+            <a:ext cx="182387" cy="117473"/>
+          </a:xfrm>
+          <a:prstGeom prst="rect">
+            <a:avLst/>
+          </a:prstGeom>
+          <a:noFill/>
+          <a:ln w="6350">
+            <a:solidFill>
+              <a:schemeClr val="tx1"/>
+            </a:solidFill>
+          </a:ln>
+          <a:effectLst/>
+        </p:spPr>
+        <p:style>
+          <a:lnRef idx="1">
+            <a:schemeClr val="accent1"/>
+          </a:lnRef>
+          <a:fillRef idx="3">
+            <a:schemeClr val="accent1"/>
+          </a:fillRef>
+          <a:effectRef idx="2">
+            <a:schemeClr val="accent1"/>
+          </a:effectRef>
+          <a:fontRef idx="minor">
+            <a:schemeClr val="lt1"/>
+          </a:fontRef>
+        </p:style>
+        <p:txBody>
+          <a:bodyPr lIns="0" tIns="0" rIns="0" bIns="0" rtlCol="0" anchor="ctr"/>
+          <a:lstStyle/>
+          <a:p>
+            <a:pPr algn="ctr"/>
+            <a:endParaRPr lang="en-US" sz="1000">
+              <a:latin typeface="Times New Roman" panose="02020603050405020304" pitchFamily="18" charset="0"/>
+              <a:cs typeface="Times New Roman" panose="02020603050405020304" pitchFamily="18" charset="0"/>
+            </a:endParaRPr>
+          </a:p>
+        </p:txBody>
+      </p:sp>
+      <p:sp>
+        <p:nvSpPr>
+          <p:cNvPr id="79" name="Rectangle 78">
+            <a:extLst>
+              <a:ext uri="{FF2B5EF4-FFF2-40B4-BE49-F238E27FC236}">
+                <a16:creationId xmlns:a16="http://schemas.microsoft.com/office/drawing/2014/main" id="{315E236D-8EE0-3049-B942-778617F116C9}"/>
+              </a:ext>
+            </a:extLst>
+          </p:cNvPr>
+          <p:cNvSpPr/>
+          <p:nvPr/>
+        </p:nvSpPr>
+        <p:spPr>
+          <a:xfrm>
+            <a:off x="3052068" y="2459998"/>
+            <a:ext cx="182387" cy="117473"/>
+          </a:xfrm>
+          <a:prstGeom prst="rect">
+            <a:avLst/>
+          </a:prstGeom>
+          <a:noFill/>
+          <a:ln w="6350">
+            <a:solidFill>
+              <a:schemeClr val="tx1"/>
+            </a:solidFill>
+          </a:ln>
+          <a:effectLst/>
+        </p:spPr>
+        <p:style>
+          <a:lnRef idx="1">
+            <a:schemeClr val="accent1"/>
+          </a:lnRef>
+          <a:fillRef idx="3">
+            <a:schemeClr val="accent1"/>
+          </a:fillRef>
+          <a:effectRef idx="2">
+            <a:schemeClr val="accent1"/>
+          </a:effectRef>
+          <a:fontRef idx="minor">
+            <a:schemeClr val="lt1"/>
+          </a:fontRef>
+        </p:style>
+        <p:txBody>
+          <a:bodyPr lIns="0" tIns="0" rIns="0" bIns="0" rtlCol="0" anchor="ctr"/>
+          <a:lstStyle/>
+          <a:p>
+            <a:pPr algn="ctr"/>
+            <a:endParaRPr lang="en-US" sz="1000">
+              <a:latin typeface="Times New Roman" panose="02020603050405020304" pitchFamily="18" charset="0"/>
+              <a:cs typeface="Times New Roman" panose="02020603050405020304" pitchFamily="18" charset="0"/>
+            </a:endParaRPr>
+          </a:p>
+        </p:txBody>
+      </p:sp>
+      <p:sp>
+        <p:nvSpPr>
+          <p:cNvPr id="80" name="Rectangle 79">
+            <a:extLst>
+              <a:ext uri="{FF2B5EF4-FFF2-40B4-BE49-F238E27FC236}">
+                <a16:creationId xmlns:a16="http://schemas.microsoft.com/office/drawing/2014/main" id="{A619D884-BBB8-3F47-8EC8-5226D2237FCF}"/>
+              </a:ext>
+            </a:extLst>
+          </p:cNvPr>
+          <p:cNvSpPr/>
+          <p:nvPr/>
+        </p:nvSpPr>
+        <p:spPr>
+          <a:xfrm>
+            <a:off x="3237054" y="2459998"/>
+            <a:ext cx="182387" cy="117473"/>
+          </a:xfrm>
+          <a:prstGeom prst="rect">
+            <a:avLst/>
+          </a:prstGeom>
+          <a:noFill/>
+          <a:ln w="6350">
+            <a:solidFill>
+              <a:schemeClr val="tx1"/>
+            </a:solidFill>
+          </a:ln>
+          <a:effectLst/>
+        </p:spPr>
+        <p:style>
+          <a:lnRef idx="1">
+            <a:schemeClr val="accent1"/>
+          </a:lnRef>
+          <a:fillRef idx="3">
+            <a:schemeClr val="accent1"/>
+          </a:fillRef>
+          <a:effectRef idx="2">
+            <a:schemeClr val="accent1"/>
+          </a:effectRef>
+          <a:fontRef idx="minor">
+            <a:schemeClr val="lt1"/>
+          </a:fontRef>
+        </p:style>
+        <p:txBody>
+          <a:bodyPr lIns="0" tIns="0" rIns="0" bIns="0" rtlCol="0" anchor="ctr"/>
+          <a:lstStyle/>
+          <a:p>
+            <a:pPr algn="ctr"/>
+            <a:endParaRPr lang="en-US" sz="1000">
+              <a:latin typeface="Times New Roman" panose="02020603050405020304" pitchFamily="18" charset="0"/>
+              <a:cs typeface="Times New Roman" panose="02020603050405020304" pitchFamily="18" charset="0"/>
+            </a:endParaRPr>
+          </a:p>
+        </p:txBody>
+      </p:sp>
+      <p:sp>
+        <p:nvSpPr>
+          <p:cNvPr id="81" name="Rectangle 80">
+            <a:extLst>
+              <a:ext uri="{FF2B5EF4-FFF2-40B4-BE49-F238E27FC236}">
+                <a16:creationId xmlns:a16="http://schemas.microsoft.com/office/drawing/2014/main" id="{2C674CED-A2CE-FA48-B66E-F068AA96DF53}"/>
+              </a:ext>
+            </a:extLst>
+          </p:cNvPr>
+          <p:cNvSpPr/>
+          <p:nvPr/>
+        </p:nvSpPr>
+        <p:spPr>
+          <a:xfrm>
+            <a:off x="3422040" y="2459998"/>
+            <a:ext cx="182387" cy="117473"/>
+          </a:xfrm>
+          <a:prstGeom prst="rect">
+            <a:avLst/>
+          </a:prstGeom>
+          <a:noFill/>
+          <a:ln w="6350">
+            <a:solidFill>
+              <a:schemeClr val="tx1"/>
+            </a:solidFill>
+          </a:ln>
+          <a:effectLst/>
+        </p:spPr>
+        <p:style>
+          <a:lnRef idx="1">
+            <a:schemeClr val="accent1"/>
+          </a:lnRef>
+          <a:fillRef idx="3">
+            <a:schemeClr val="accent1"/>
+          </a:fillRef>
+          <a:effectRef idx="2">
+            <a:schemeClr val="accent1"/>
+          </a:effectRef>
+          <a:fontRef idx="minor">
+            <a:schemeClr val="lt1"/>
+          </a:fontRef>
+        </p:style>
+        <p:txBody>
+          <a:bodyPr lIns="0" tIns="0" rIns="0" bIns="0" rtlCol="0" anchor="ctr"/>
+          <a:lstStyle/>
+          <a:p>
+            <a:pPr algn="ctr"/>
+            <a:endParaRPr lang="en-US" sz="1000">
+              <a:latin typeface="Times New Roman" panose="02020603050405020304" pitchFamily="18" charset="0"/>
+              <a:cs typeface="Times New Roman" panose="02020603050405020304" pitchFamily="18" charset="0"/>
+            </a:endParaRPr>
+          </a:p>
+        </p:txBody>
+      </p:sp>
+      <p:sp>
+        <p:nvSpPr>
+          <p:cNvPr id="84" name="Rectangle 83">
+            <a:extLst>
+              <a:ext uri="{FF2B5EF4-FFF2-40B4-BE49-F238E27FC236}">
+                <a16:creationId xmlns:a16="http://schemas.microsoft.com/office/drawing/2014/main" id="{CFBB74D2-2FD3-0C47-9CA7-94D3FF9561EC}"/>
+              </a:ext>
+            </a:extLst>
+          </p:cNvPr>
+          <p:cNvSpPr/>
+          <p:nvPr/>
+        </p:nvSpPr>
+        <p:spPr>
+          <a:xfrm>
+            <a:off x="3604631" y="2459998"/>
+            <a:ext cx="182387" cy="117473"/>
+          </a:xfrm>
+          <a:prstGeom prst="rect">
+            <a:avLst/>
+          </a:prstGeom>
+          <a:noFill/>
+          <a:ln w="6350">
+            <a:solidFill>
+              <a:schemeClr val="tx1"/>
+            </a:solidFill>
+          </a:ln>
+          <a:effectLst/>
+        </p:spPr>
+        <p:style>
+          <a:lnRef idx="1">
+            <a:schemeClr val="accent1"/>
+          </a:lnRef>
+          <a:fillRef idx="3">
+            <a:schemeClr val="accent1"/>
+          </a:fillRef>
+          <a:effectRef idx="2">
+            <a:schemeClr val="accent1"/>
+          </a:effectRef>
+          <a:fontRef idx="minor">
+            <a:schemeClr val="lt1"/>
+          </a:fontRef>
+        </p:style>
+        <p:txBody>
+          <a:bodyPr lIns="0" tIns="0" rIns="0" bIns="0" rtlCol="0" anchor="ctr"/>
+          <a:lstStyle/>
+          <a:p>
+            <a:pPr algn="ctr"/>
+            <a:endParaRPr lang="en-US" sz="1000">
+              <a:latin typeface="Times New Roman" panose="02020603050405020304" pitchFamily="18" charset="0"/>
+              <a:cs typeface="Times New Roman" panose="02020603050405020304" pitchFamily="18" charset="0"/>
+            </a:endParaRPr>
+          </a:p>
+        </p:txBody>
+      </p:sp>
+      <p:sp>
+        <p:nvSpPr>
+          <p:cNvPr id="90" name="TextBox 89">
+            <a:extLst>
+              <a:ext uri="{FF2B5EF4-FFF2-40B4-BE49-F238E27FC236}">
+                <a16:creationId xmlns:a16="http://schemas.microsoft.com/office/drawing/2014/main" id="{FE8C06AE-099F-F746-88B6-CB292A32847E}"/>
+              </a:ext>
+            </a:extLst>
+          </p:cNvPr>
+          <p:cNvSpPr txBox="1"/>
+          <p:nvPr/>
+        </p:nvSpPr>
+        <p:spPr>
+          <a:xfrm>
+            <a:off x="1691797" y="1220067"/>
+            <a:ext cx="961693" cy="246221"/>
+          </a:xfrm>
+          <a:prstGeom prst="rect">
+            <a:avLst/>
+          </a:prstGeom>
+          <a:solidFill>
+            <a:schemeClr val="bg1"/>
+          </a:solidFill>
+          <a:ln>
+            <a:solidFill>
+              <a:schemeClr val="bg1"/>
+            </a:solidFill>
+          </a:ln>
+        </p:spPr>
+        <p:txBody>
+          <a:bodyPr wrap="square" lIns="0" rIns="0" rtlCol="0">
+            <a:spAutoFit/>
+          </a:bodyPr>
+          <a:lstStyle/>
+          <a:p>
+            <a:pPr algn="ctr"/>
+            <a:r>
+              <a:rPr lang="en-US" sz="1000" dirty="0" err="1">
+                <a:latin typeface="Times New Roman" panose="02020603050405020304" pitchFamily="18" charset="0"/>
+                <a:cs typeface="Times New Roman" panose="02020603050405020304" pitchFamily="18" charset="0"/>
               </a:rPr>
               <a:t>PerThreadHeap</a:t>
             </a:r>
-            <a:endParaRPr lang="en-US" sz="1100" dirty="0">
+            <a:endParaRPr lang="en-US" sz="1000" dirty="0">
+              <a:latin typeface="Times New Roman" panose="02020603050405020304" pitchFamily="18" charset="0"/>
+              <a:cs typeface="Times New Roman" panose="02020603050405020304" pitchFamily="18" charset="0"/>
+            </a:endParaRPr>
+          </a:p>
+        </p:txBody>
+      </p:sp>
+      <p:sp>
+        <p:nvSpPr>
+          <p:cNvPr id="92" name="Rectangle 91">
+            <a:extLst>
+              <a:ext uri="{FF2B5EF4-FFF2-40B4-BE49-F238E27FC236}">
+                <a16:creationId xmlns:a16="http://schemas.microsoft.com/office/drawing/2014/main" id="{23812479-CB56-AE40-9A03-2398B44DC655}"/>
+              </a:ext>
+            </a:extLst>
+          </p:cNvPr>
+          <p:cNvSpPr/>
+          <p:nvPr/>
+        </p:nvSpPr>
+        <p:spPr>
+          <a:xfrm>
+            <a:off x="2674038" y="1261786"/>
+            <a:ext cx="328464" cy="181610"/>
+          </a:xfrm>
+          <a:prstGeom prst="rect">
+            <a:avLst/>
+          </a:prstGeom>
+          <a:noFill/>
+          <a:ln>
+            <a:solidFill>
+              <a:schemeClr val="tx1"/>
+            </a:solidFill>
+          </a:ln>
+          <a:effectLst/>
+        </p:spPr>
+        <p:style>
+          <a:lnRef idx="1">
+            <a:schemeClr val="accent1"/>
+          </a:lnRef>
+          <a:fillRef idx="3">
+            <a:schemeClr val="accent1"/>
+          </a:fillRef>
+          <a:effectRef idx="2">
+            <a:schemeClr val="accent1"/>
+          </a:effectRef>
+          <a:fontRef idx="minor">
+            <a:schemeClr val="lt1"/>
+          </a:fontRef>
+        </p:style>
+        <p:txBody>
+          <a:bodyPr lIns="0" tIns="0" rIns="0" bIns="0" rtlCol="0" anchor="ctr"/>
+          <a:lstStyle/>
+          <a:p>
+            <a:pPr algn="ctr"/>
+            <a:endParaRPr lang="en-US" sz="1000">
+              <a:latin typeface="Times New Roman" panose="02020603050405020304" pitchFamily="18" charset="0"/>
+              <a:cs typeface="Times New Roman" panose="02020603050405020304" pitchFamily="18" charset="0"/>
+            </a:endParaRPr>
+          </a:p>
+        </p:txBody>
+      </p:sp>
+      <p:sp>
+        <p:nvSpPr>
+          <p:cNvPr id="93" name="TextBox 92">
+            <a:extLst>
+              <a:ext uri="{FF2B5EF4-FFF2-40B4-BE49-F238E27FC236}">
+                <a16:creationId xmlns:a16="http://schemas.microsoft.com/office/drawing/2014/main" id="{C9E3552E-F2FF-EB4E-A735-2547DC29A096}"/>
+              </a:ext>
+            </a:extLst>
+          </p:cNvPr>
+          <p:cNvSpPr txBox="1"/>
+          <p:nvPr/>
+        </p:nvSpPr>
+        <p:spPr>
+          <a:xfrm>
+            <a:off x="2666764" y="1246449"/>
+            <a:ext cx="351177" cy="200055"/>
+          </a:xfrm>
+          <a:prstGeom prst="rect">
+            <a:avLst/>
+          </a:prstGeom>
+          <a:noFill/>
+          <a:ln>
+            <a:noFill/>
+          </a:ln>
+        </p:spPr>
+        <p:txBody>
+          <a:bodyPr wrap="square" lIns="0" rIns="0" rtlCol="0">
+            <a:spAutoFit/>
+          </a:bodyPr>
+          <a:lstStyle/>
+          <a:p>
+            <a:pPr algn="ctr"/>
+            <a:r>
+              <a:rPr lang="en-US" sz="700" dirty="0">
+                <a:latin typeface="Times New Roman" panose="02020603050405020304" pitchFamily="18" charset="0"/>
+                <a:cs typeface="Times New Roman" panose="02020603050405020304" pitchFamily="18" charset="0"/>
+              </a:rPr>
+              <a:t>Class 0</a:t>
+            </a:r>
+          </a:p>
+        </p:txBody>
+      </p:sp>
+      <p:sp>
+        <p:nvSpPr>
+          <p:cNvPr id="94" name="Rectangle 93">
+            <a:extLst>
+              <a:ext uri="{FF2B5EF4-FFF2-40B4-BE49-F238E27FC236}">
+                <a16:creationId xmlns:a16="http://schemas.microsoft.com/office/drawing/2014/main" id="{CC9ABE09-227B-1C4D-B734-9EA5B84E1E3C}"/>
+              </a:ext>
+            </a:extLst>
+          </p:cNvPr>
+          <p:cNvSpPr/>
+          <p:nvPr/>
+        </p:nvSpPr>
+        <p:spPr>
+          <a:xfrm>
+            <a:off x="3002565" y="1261786"/>
+            <a:ext cx="328464" cy="181610"/>
+          </a:xfrm>
+          <a:prstGeom prst="rect">
+            <a:avLst/>
+          </a:prstGeom>
+          <a:noFill/>
+          <a:ln>
+            <a:solidFill>
+              <a:schemeClr val="tx1"/>
+            </a:solidFill>
+          </a:ln>
+          <a:effectLst/>
+        </p:spPr>
+        <p:style>
+          <a:lnRef idx="1">
+            <a:schemeClr val="accent1"/>
+          </a:lnRef>
+          <a:fillRef idx="3">
+            <a:schemeClr val="accent1"/>
+          </a:fillRef>
+          <a:effectRef idx="2">
+            <a:schemeClr val="accent1"/>
+          </a:effectRef>
+          <a:fontRef idx="minor">
+            <a:schemeClr val="lt1"/>
+          </a:fontRef>
+        </p:style>
+        <p:txBody>
+          <a:bodyPr lIns="0" tIns="0" rIns="0" bIns="0" rtlCol="0" anchor="ctr"/>
+          <a:lstStyle/>
+          <a:p>
+            <a:pPr algn="ctr"/>
+            <a:endParaRPr lang="en-US" sz="1000">
+              <a:latin typeface="Times New Roman" panose="02020603050405020304" pitchFamily="18" charset="0"/>
+              <a:cs typeface="Times New Roman" panose="02020603050405020304" pitchFamily="18" charset="0"/>
+            </a:endParaRPr>
+          </a:p>
+        </p:txBody>
+      </p:sp>
+      <p:sp>
+        <p:nvSpPr>
+          <p:cNvPr id="95" name="TextBox 94">
+            <a:extLst>
+              <a:ext uri="{FF2B5EF4-FFF2-40B4-BE49-F238E27FC236}">
+                <a16:creationId xmlns:a16="http://schemas.microsoft.com/office/drawing/2014/main" id="{3191792E-CC8D-C14D-8C0C-C898E0DDC573}"/>
+              </a:ext>
+            </a:extLst>
+          </p:cNvPr>
+          <p:cNvSpPr txBox="1"/>
+          <p:nvPr/>
+        </p:nvSpPr>
+        <p:spPr>
+          <a:xfrm>
+            <a:off x="2994341" y="1246449"/>
+            <a:ext cx="351177" cy="200055"/>
+          </a:xfrm>
+          <a:prstGeom prst="rect">
+            <a:avLst/>
+          </a:prstGeom>
+          <a:noFill/>
+          <a:ln>
+            <a:noFill/>
+          </a:ln>
+        </p:spPr>
+        <p:txBody>
+          <a:bodyPr wrap="square" lIns="0" rIns="0" rtlCol="0">
+            <a:spAutoFit/>
+          </a:bodyPr>
+          <a:lstStyle/>
+          <a:p>
+            <a:pPr algn="ctr"/>
+            <a:r>
+              <a:rPr lang="en-US" sz="700" dirty="0">
+                <a:latin typeface="Times New Roman" panose="02020603050405020304" pitchFamily="18" charset="0"/>
+                <a:cs typeface="Times New Roman" panose="02020603050405020304" pitchFamily="18" charset="0"/>
+              </a:rPr>
+              <a:t>Class 1</a:t>
+            </a:r>
+          </a:p>
+        </p:txBody>
+      </p:sp>
+      <p:sp>
+        <p:nvSpPr>
+          <p:cNvPr id="96" name="Rectangle 95">
+            <a:extLst>
+              <a:ext uri="{FF2B5EF4-FFF2-40B4-BE49-F238E27FC236}">
+                <a16:creationId xmlns:a16="http://schemas.microsoft.com/office/drawing/2014/main" id="{2EA733CF-3B47-684D-B269-F118942C89E6}"/>
+              </a:ext>
+            </a:extLst>
+          </p:cNvPr>
+          <p:cNvSpPr/>
+          <p:nvPr/>
+        </p:nvSpPr>
+        <p:spPr>
+          <a:xfrm>
+            <a:off x="3331092" y="1261786"/>
+            <a:ext cx="328464" cy="181610"/>
+          </a:xfrm>
+          <a:prstGeom prst="rect">
+            <a:avLst/>
+          </a:prstGeom>
+          <a:noFill/>
+          <a:ln>
+            <a:solidFill>
+              <a:schemeClr val="tx1"/>
+            </a:solidFill>
+          </a:ln>
+          <a:effectLst/>
+        </p:spPr>
+        <p:style>
+          <a:lnRef idx="1">
+            <a:schemeClr val="accent1"/>
+          </a:lnRef>
+          <a:fillRef idx="3">
+            <a:schemeClr val="accent1"/>
+          </a:fillRef>
+          <a:effectRef idx="2">
+            <a:schemeClr val="accent1"/>
+          </a:effectRef>
+          <a:fontRef idx="minor">
+            <a:schemeClr val="lt1"/>
+          </a:fontRef>
+        </p:style>
+        <p:txBody>
+          <a:bodyPr lIns="0" tIns="0" rIns="0" bIns="0" rtlCol="0" anchor="ctr"/>
+          <a:lstStyle/>
+          <a:p>
+            <a:pPr algn="ctr"/>
+            <a:endParaRPr lang="en-US" sz="1000">
+              <a:latin typeface="Times New Roman" panose="02020603050405020304" pitchFamily="18" charset="0"/>
+              <a:cs typeface="Times New Roman" panose="02020603050405020304" pitchFamily="18" charset="0"/>
+            </a:endParaRPr>
+          </a:p>
+        </p:txBody>
+      </p:sp>
+      <p:sp>
+        <p:nvSpPr>
+          <p:cNvPr id="97" name="TextBox 96">
+            <a:extLst>
+              <a:ext uri="{FF2B5EF4-FFF2-40B4-BE49-F238E27FC236}">
+                <a16:creationId xmlns:a16="http://schemas.microsoft.com/office/drawing/2014/main" id="{91BCF637-D92F-C749-A9C9-5C583CB7F7AA}"/>
+              </a:ext>
+            </a:extLst>
+          </p:cNvPr>
+          <p:cNvSpPr txBox="1"/>
+          <p:nvPr/>
+        </p:nvSpPr>
+        <p:spPr>
+          <a:xfrm>
+            <a:off x="3318741" y="1238754"/>
+            <a:ext cx="351177" cy="215444"/>
+          </a:xfrm>
+          <a:prstGeom prst="rect">
+            <a:avLst/>
+          </a:prstGeom>
+          <a:noFill/>
+          <a:ln>
+            <a:noFill/>
+          </a:ln>
+        </p:spPr>
+        <p:txBody>
+          <a:bodyPr wrap="square" lIns="0" rIns="0" rtlCol="0">
+            <a:spAutoFit/>
+          </a:bodyPr>
+          <a:lstStyle/>
+          <a:p>
+            <a:pPr algn="ctr"/>
+            <a:r>
+              <a:rPr lang="en-US" sz="800" dirty="0">
+                <a:latin typeface="Times New Roman" panose="02020603050405020304" pitchFamily="18" charset="0"/>
+                <a:cs typeface="Times New Roman" panose="02020603050405020304" pitchFamily="18" charset="0"/>
+              </a:rPr>
+              <a:t>……</a:t>
+            </a:r>
+          </a:p>
+        </p:txBody>
+      </p:sp>
+      <p:sp>
+        <p:nvSpPr>
+          <p:cNvPr id="98" name="Rectangle 97">
+            <a:extLst>
+              <a:ext uri="{FF2B5EF4-FFF2-40B4-BE49-F238E27FC236}">
+                <a16:creationId xmlns:a16="http://schemas.microsoft.com/office/drawing/2014/main" id="{56B40343-716E-BA49-934B-4BCD0A661DEB}"/>
+              </a:ext>
+            </a:extLst>
+          </p:cNvPr>
+          <p:cNvSpPr/>
+          <p:nvPr/>
+        </p:nvSpPr>
+        <p:spPr>
+          <a:xfrm>
+            <a:off x="3659619" y="1261786"/>
+            <a:ext cx="328464" cy="181610"/>
+          </a:xfrm>
+          <a:prstGeom prst="rect">
+            <a:avLst/>
+          </a:prstGeom>
+          <a:noFill/>
+          <a:ln>
+            <a:solidFill>
+              <a:schemeClr val="tx1"/>
+            </a:solidFill>
+          </a:ln>
+          <a:effectLst/>
+        </p:spPr>
+        <p:style>
+          <a:lnRef idx="1">
+            <a:schemeClr val="accent1"/>
+          </a:lnRef>
+          <a:fillRef idx="3">
+            <a:schemeClr val="accent1"/>
+          </a:fillRef>
+          <a:effectRef idx="2">
+            <a:schemeClr val="accent1"/>
+          </a:effectRef>
+          <a:fontRef idx="minor">
+            <a:schemeClr val="lt1"/>
+          </a:fontRef>
+        </p:style>
+        <p:txBody>
+          <a:bodyPr lIns="0" tIns="0" rIns="0" bIns="0" rtlCol="0" anchor="ctr"/>
+          <a:lstStyle/>
+          <a:p>
+            <a:pPr algn="ctr"/>
+            <a:endParaRPr lang="en-US" sz="1000">
+              <a:latin typeface="Times New Roman" panose="02020603050405020304" pitchFamily="18" charset="0"/>
+              <a:cs typeface="Times New Roman" panose="02020603050405020304" pitchFamily="18" charset="0"/>
+            </a:endParaRPr>
+          </a:p>
+        </p:txBody>
+      </p:sp>
+      <p:sp>
+        <p:nvSpPr>
+          <p:cNvPr id="99" name="TextBox 98">
+            <a:extLst>
+              <a:ext uri="{FF2B5EF4-FFF2-40B4-BE49-F238E27FC236}">
+                <a16:creationId xmlns:a16="http://schemas.microsoft.com/office/drawing/2014/main" id="{00210A6A-F259-C84F-98AA-033506DCB9AB}"/>
+              </a:ext>
+            </a:extLst>
+          </p:cNvPr>
+          <p:cNvSpPr txBox="1"/>
+          <p:nvPr/>
+        </p:nvSpPr>
+        <p:spPr>
+          <a:xfrm>
+            <a:off x="3649315" y="1246449"/>
+            <a:ext cx="351177" cy="200055"/>
+          </a:xfrm>
+          <a:prstGeom prst="rect">
+            <a:avLst/>
+          </a:prstGeom>
+          <a:noFill/>
+          <a:ln>
+            <a:noFill/>
+          </a:ln>
+        </p:spPr>
+        <p:txBody>
+          <a:bodyPr wrap="square" lIns="0" rIns="0" rtlCol="0">
+            <a:spAutoFit/>
+          </a:bodyPr>
+          <a:lstStyle/>
+          <a:p>
+            <a:pPr algn="ctr"/>
+            <a:r>
+              <a:rPr lang="en-US" sz="700" dirty="0">
+                <a:latin typeface="Times New Roman" panose="02020603050405020304" pitchFamily="18" charset="0"/>
+                <a:cs typeface="Times New Roman" panose="02020603050405020304" pitchFamily="18" charset="0"/>
+              </a:rPr>
+              <a:t>Class n</a:t>
+            </a:r>
+          </a:p>
+        </p:txBody>
+      </p:sp>
+      <p:cxnSp>
+        <p:nvCxnSpPr>
+          <p:cNvPr id="101" name="Straight Connector 100">
+            <a:extLst>
+              <a:ext uri="{FF2B5EF4-FFF2-40B4-BE49-F238E27FC236}">
+                <a16:creationId xmlns:a16="http://schemas.microsoft.com/office/drawing/2014/main" id="{8D20CADC-8CBD-AF4E-8788-516FF26520C6}"/>
+              </a:ext>
+            </a:extLst>
+          </p:cNvPr>
+          <p:cNvCxnSpPr>
+            <a:cxnSpLocks/>
+          </p:cNvCxnSpPr>
+          <p:nvPr/>
+        </p:nvCxnSpPr>
+        <p:spPr>
+          <a:xfrm flipH="1">
+            <a:off x="2181430" y="1616224"/>
+            <a:ext cx="502580" cy="349201"/>
+          </a:xfrm>
+          <a:prstGeom prst="line">
+            <a:avLst/>
+          </a:prstGeom>
+          <a:ln w="9525">
+            <a:solidFill>
+              <a:schemeClr val="tx1"/>
+            </a:solidFill>
+          </a:ln>
+          <a:effectLst/>
+        </p:spPr>
+        <p:style>
+          <a:lnRef idx="2">
+            <a:schemeClr val="accent1"/>
+          </a:lnRef>
+          <a:fillRef idx="0">
+            <a:schemeClr val="accent1"/>
+          </a:fillRef>
+          <a:effectRef idx="1">
+            <a:schemeClr val="accent1"/>
+          </a:effectRef>
+          <a:fontRef idx="minor">
+            <a:schemeClr val="tx1"/>
+          </a:fontRef>
+        </p:style>
+      </p:cxnSp>
+      <p:cxnSp>
+        <p:nvCxnSpPr>
+          <p:cNvPr id="103" name="Straight Connector 102">
+            <a:extLst>
+              <a:ext uri="{FF2B5EF4-FFF2-40B4-BE49-F238E27FC236}">
+                <a16:creationId xmlns:a16="http://schemas.microsoft.com/office/drawing/2014/main" id="{27324C26-FA49-1A47-B09F-88DF7F89A644}"/>
+              </a:ext>
+            </a:extLst>
+          </p:cNvPr>
+          <p:cNvCxnSpPr>
+            <a:cxnSpLocks/>
+          </p:cNvCxnSpPr>
+          <p:nvPr/>
+        </p:nvCxnSpPr>
+        <p:spPr>
+          <a:xfrm flipH="1" flipV="1">
+            <a:off x="2172643" y="2254798"/>
+            <a:ext cx="517436" cy="314737"/>
+          </a:xfrm>
+          <a:prstGeom prst="line">
+            <a:avLst/>
+          </a:prstGeom>
+          <a:ln w="9525">
+            <a:solidFill>
+              <a:schemeClr val="tx1"/>
+            </a:solidFill>
+          </a:ln>
+          <a:effectLst/>
+        </p:spPr>
+        <p:style>
+          <a:lnRef idx="2">
+            <a:schemeClr val="accent1"/>
+          </a:lnRef>
+          <a:fillRef idx="0">
+            <a:schemeClr val="accent1"/>
+          </a:fillRef>
+          <a:effectRef idx="1">
+            <a:schemeClr val="accent1"/>
+          </a:effectRef>
+          <a:fontRef idx="minor">
+            <a:schemeClr val="tx1"/>
+          </a:fontRef>
+        </p:style>
+      </p:cxnSp>
+      <p:sp>
+        <p:nvSpPr>
+          <p:cNvPr id="105" name="TextBox 104">
+            <a:extLst>
+              <a:ext uri="{FF2B5EF4-FFF2-40B4-BE49-F238E27FC236}">
+                <a16:creationId xmlns:a16="http://schemas.microsoft.com/office/drawing/2014/main" id="{04AA251F-E368-0B49-9D60-699D6658BBF1}"/>
+              </a:ext>
+            </a:extLst>
+          </p:cNvPr>
+          <p:cNvSpPr txBox="1"/>
+          <p:nvPr/>
+        </p:nvSpPr>
+        <p:spPr>
+          <a:xfrm>
+            <a:off x="1691797" y="917619"/>
+            <a:ext cx="961693" cy="246221"/>
+          </a:xfrm>
+          <a:prstGeom prst="rect">
+            <a:avLst/>
+          </a:prstGeom>
+          <a:solidFill>
+            <a:schemeClr val="bg1"/>
+          </a:solidFill>
+          <a:ln>
+            <a:solidFill>
+              <a:schemeClr val="bg1"/>
+            </a:solidFill>
+          </a:ln>
+        </p:spPr>
+        <p:txBody>
+          <a:bodyPr wrap="square" lIns="0" rIns="0" rtlCol="0">
+            <a:spAutoFit/>
+          </a:bodyPr>
+          <a:lstStyle/>
+          <a:p>
+            <a:pPr algn="ctr"/>
+            <a:r>
+              <a:rPr lang="en-US" sz="1000" dirty="0" err="1">
+                <a:latin typeface="Times New Roman" panose="02020603050405020304" pitchFamily="18" charset="0"/>
+                <a:cs typeface="Times New Roman" panose="02020603050405020304" pitchFamily="18" charset="0"/>
+              </a:rPr>
+              <a:t>PerThreadHeap</a:t>
+            </a:r>
+            <a:endParaRPr lang="en-US" sz="1000" dirty="0">
+              <a:latin typeface="Times New Roman" panose="02020603050405020304" pitchFamily="18" charset="0"/>
+              <a:cs typeface="Times New Roman" panose="02020603050405020304" pitchFamily="18" charset="0"/>
+            </a:endParaRPr>
+          </a:p>
+        </p:txBody>
+      </p:sp>
+      <p:sp>
+        <p:nvSpPr>
+          <p:cNvPr id="106" name="Rectangle 105">
+            <a:extLst>
+              <a:ext uri="{FF2B5EF4-FFF2-40B4-BE49-F238E27FC236}">
+                <a16:creationId xmlns:a16="http://schemas.microsoft.com/office/drawing/2014/main" id="{1FC73E59-F34A-FA42-BEBE-999F50781985}"/>
+              </a:ext>
+            </a:extLst>
+          </p:cNvPr>
+          <p:cNvSpPr/>
+          <p:nvPr/>
+        </p:nvSpPr>
+        <p:spPr>
+          <a:xfrm>
+            <a:off x="2673128" y="959338"/>
+            <a:ext cx="328464" cy="181610"/>
+          </a:xfrm>
+          <a:prstGeom prst="rect">
+            <a:avLst/>
+          </a:prstGeom>
+          <a:noFill/>
+          <a:ln>
+            <a:solidFill>
+              <a:schemeClr val="tx1"/>
+            </a:solidFill>
+          </a:ln>
+          <a:effectLst/>
+        </p:spPr>
+        <p:style>
+          <a:lnRef idx="1">
+            <a:schemeClr val="accent1"/>
+          </a:lnRef>
+          <a:fillRef idx="3">
+            <a:schemeClr val="accent1"/>
+          </a:fillRef>
+          <a:effectRef idx="2">
+            <a:schemeClr val="accent1"/>
+          </a:effectRef>
+          <a:fontRef idx="minor">
+            <a:schemeClr val="lt1"/>
+          </a:fontRef>
+        </p:style>
+        <p:txBody>
+          <a:bodyPr lIns="0" tIns="0" rIns="0" bIns="0" rtlCol="0" anchor="ctr"/>
+          <a:lstStyle/>
+          <a:p>
+            <a:pPr algn="ctr"/>
+            <a:endParaRPr lang="en-US" sz="1000">
+              <a:latin typeface="Times New Roman" panose="02020603050405020304" pitchFamily="18" charset="0"/>
+              <a:cs typeface="Times New Roman" panose="02020603050405020304" pitchFamily="18" charset="0"/>
+            </a:endParaRPr>
+          </a:p>
+        </p:txBody>
+      </p:sp>
+      <p:sp>
+        <p:nvSpPr>
+          <p:cNvPr id="107" name="TextBox 106">
+            <a:extLst>
+              <a:ext uri="{FF2B5EF4-FFF2-40B4-BE49-F238E27FC236}">
+                <a16:creationId xmlns:a16="http://schemas.microsoft.com/office/drawing/2014/main" id="{9CE83E22-7332-764F-BD48-6A87B2C16583}"/>
+              </a:ext>
+            </a:extLst>
+          </p:cNvPr>
+          <p:cNvSpPr txBox="1"/>
+          <p:nvPr/>
+        </p:nvSpPr>
+        <p:spPr>
+          <a:xfrm>
+            <a:off x="2665854" y="944001"/>
+            <a:ext cx="351177" cy="200055"/>
+          </a:xfrm>
+          <a:prstGeom prst="rect">
+            <a:avLst/>
+          </a:prstGeom>
+          <a:noFill/>
+          <a:ln>
+            <a:noFill/>
+          </a:ln>
+        </p:spPr>
+        <p:txBody>
+          <a:bodyPr wrap="square" lIns="0" rIns="0" rtlCol="0">
+            <a:spAutoFit/>
+          </a:bodyPr>
+          <a:lstStyle/>
+          <a:p>
+            <a:pPr algn="ctr"/>
+            <a:r>
+              <a:rPr lang="en-US" sz="700" dirty="0">
+                <a:latin typeface="Times New Roman" panose="02020603050405020304" pitchFamily="18" charset="0"/>
+                <a:cs typeface="Times New Roman" panose="02020603050405020304" pitchFamily="18" charset="0"/>
+              </a:rPr>
+              <a:t>Class 0</a:t>
+            </a:r>
+          </a:p>
+        </p:txBody>
+      </p:sp>
+      <p:sp>
+        <p:nvSpPr>
+          <p:cNvPr id="108" name="Rectangle 107">
+            <a:extLst>
+              <a:ext uri="{FF2B5EF4-FFF2-40B4-BE49-F238E27FC236}">
+                <a16:creationId xmlns:a16="http://schemas.microsoft.com/office/drawing/2014/main" id="{8DB21F52-A3A2-FC40-95C3-E84CA2DF5756}"/>
+              </a:ext>
+            </a:extLst>
+          </p:cNvPr>
+          <p:cNvSpPr/>
+          <p:nvPr/>
+        </p:nvSpPr>
+        <p:spPr>
+          <a:xfrm>
+            <a:off x="3001655" y="959338"/>
+            <a:ext cx="328464" cy="181610"/>
+          </a:xfrm>
+          <a:prstGeom prst="rect">
+            <a:avLst/>
+          </a:prstGeom>
+          <a:noFill/>
+          <a:ln>
+            <a:solidFill>
+              <a:schemeClr val="tx1"/>
+            </a:solidFill>
+          </a:ln>
+          <a:effectLst/>
+        </p:spPr>
+        <p:style>
+          <a:lnRef idx="1">
+            <a:schemeClr val="accent1"/>
+          </a:lnRef>
+          <a:fillRef idx="3">
+            <a:schemeClr val="accent1"/>
+          </a:fillRef>
+          <a:effectRef idx="2">
+            <a:schemeClr val="accent1"/>
+          </a:effectRef>
+          <a:fontRef idx="minor">
+            <a:schemeClr val="lt1"/>
+          </a:fontRef>
+        </p:style>
+        <p:txBody>
+          <a:bodyPr lIns="0" tIns="0" rIns="0" bIns="0" rtlCol="0" anchor="ctr"/>
+          <a:lstStyle/>
+          <a:p>
+            <a:pPr algn="ctr"/>
+            <a:endParaRPr lang="en-US" sz="1000">
+              <a:latin typeface="Times New Roman" panose="02020603050405020304" pitchFamily="18" charset="0"/>
+              <a:cs typeface="Times New Roman" panose="02020603050405020304" pitchFamily="18" charset="0"/>
+            </a:endParaRPr>
+          </a:p>
+        </p:txBody>
+      </p:sp>
+      <p:sp>
+        <p:nvSpPr>
+          <p:cNvPr id="109" name="TextBox 108">
+            <a:extLst>
+              <a:ext uri="{FF2B5EF4-FFF2-40B4-BE49-F238E27FC236}">
+                <a16:creationId xmlns:a16="http://schemas.microsoft.com/office/drawing/2014/main" id="{BFAC1830-A130-B74F-9301-5C2C5B971567}"/>
+              </a:ext>
+            </a:extLst>
+          </p:cNvPr>
+          <p:cNvSpPr txBox="1"/>
+          <p:nvPr/>
+        </p:nvSpPr>
+        <p:spPr>
+          <a:xfrm>
+            <a:off x="2993431" y="944001"/>
+            <a:ext cx="351177" cy="200055"/>
+          </a:xfrm>
+          <a:prstGeom prst="rect">
+            <a:avLst/>
+          </a:prstGeom>
+          <a:noFill/>
+          <a:ln>
+            <a:noFill/>
+          </a:ln>
+        </p:spPr>
+        <p:txBody>
+          <a:bodyPr wrap="square" lIns="0" rIns="0" rtlCol="0">
+            <a:spAutoFit/>
+          </a:bodyPr>
+          <a:lstStyle/>
+          <a:p>
+            <a:pPr algn="ctr"/>
+            <a:r>
+              <a:rPr lang="en-US" sz="700" dirty="0">
+                <a:latin typeface="Times New Roman" panose="02020603050405020304" pitchFamily="18" charset="0"/>
+                <a:cs typeface="Times New Roman" panose="02020603050405020304" pitchFamily="18" charset="0"/>
+              </a:rPr>
+              <a:t>Class 1</a:t>
+            </a:r>
+          </a:p>
+        </p:txBody>
+      </p:sp>
+      <p:sp>
+        <p:nvSpPr>
+          <p:cNvPr id="110" name="Rectangle 109">
+            <a:extLst>
+              <a:ext uri="{FF2B5EF4-FFF2-40B4-BE49-F238E27FC236}">
+                <a16:creationId xmlns:a16="http://schemas.microsoft.com/office/drawing/2014/main" id="{F2E45CFE-D1F7-D043-8CA0-8BCF4E457A2F}"/>
+              </a:ext>
+            </a:extLst>
+          </p:cNvPr>
+          <p:cNvSpPr/>
+          <p:nvPr/>
+        </p:nvSpPr>
+        <p:spPr>
+          <a:xfrm>
+            <a:off x="3330182" y="959338"/>
+            <a:ext cx="328464" cy="181610"/>
+          </a:xfrm>
+          <a:prstGeom prst="rect">
+            <a:avLst/>
+          </a:prstGeom>
+          <a:noFill/>
+          <a:ln>
+            <a:solidFill>
+              <a:schemeClr val="tx1"/>
+            </a:solidFill>
+          </a:ln>
+          <a:effectLst/>
+        </p:spPr>
+        <p:style>
+          <a:lnRef idx="1">
+            <a:schemeClr val="accent1"/>
+          </a:lnRef>
+          <a:fillRef idx="3">
+            <a:schemeClr val="accent1"/>
+          </a:fillRef>
+          <a:effectRef idx="2">
+            <a:schemeClr val="accent1"/>
+          </a:effectRef>
+          <a:fontRef idx="minor">
+            <a:schemeClr val="lt1"/>
+          </a:fontRef>
+        </p:style>
+        <p:txBody>
+          <a:bodyPr lIns="0" tIns="0" rIns="0" bIns="0" rtlCol="0" anchor="ctr"/>
+          <a:lstStyle/>
+          <a:p>
+            <a:pPr algn="ctr"/>
+            <a:endParaRPr lang="en-US" sz="1000">
+              <a:latin typeface="Times New Roman" panose="02020603050405020304" pitchFamily="18" charset="0"/>
+              <a:cs typeface="Times New Roman" panose="02020603050405020304" pitchFamily="18" charset="0"/>
+            </a:endParaRPr>
+          </a:p>
+        </p:txBody>
+      </p:sp>
+      <p:sp>
+        <p:nvSpPr>
+          <p:cNvPr id="111" name="TextBox 110">
+            <a:extLst>
+              <a:ext uri="{FF2B5EF4-FFF2-40B4-BE49-F238E27FC236}">
+                <a16:creationId xmlns:a16="http://schemas.microsoft.com/office/drawing/2014/main" id="{1CB2A4F6-FFE0-314D-8559-6C6409E223A5}"/>
+              </a:ext>
+            </a:extLst>
+          </p:cNvPr>
+          <p:cNvSpPr txBox="1"/>
+          <p:nvPr/>
+        </p:nvSpPr>
+        <p:spPr>
+          <a:xfrm>
+            <a:off x="3317831" y="936306"/>
+            <a:ext cx="351177" cy="215444"/>
+          </a:xfrm>
+          <a:prstGeom prst="rect">
+            <a:avLst/>
+          </a:prstGeom>
+          <a:noFill/>
+          <a:ln>
+            <a:noFill/>
+          </a:ln>
+        </p:spPr>
+        <p:txBody>
+          <a:bodyPr wrap="square" lIns="0" rIns="0" rtlCol="0">
+            <a:spAutoFit/>
+          </a:bodyPr>
+          <a:lstStyle/>
+          <a:p>
+            <a:pPr algn="ctr"/>
+            <a:r>
+              <a:rPr lang="en-US" sz="800" dirty="0">
+                <a:latin typeface="Times New Roman" panose="02020603050405020304" pitchFamily="18" charset="0"/>
+                <a:cs typeface="Times New Roman" panose="02020603050405020304" pitchFamily="18" charset="0"/>
+              </a:rPr>
+              <a:t>……</a:t>
+            </a:r>
+          </a:p>
+        </p:txBody>
+      </p:sp>
+      <p:sp>
+        <p:nvSpPr>
+          <p:cNvPr id="112" name="Rectangle 111">
+            <a:extLst>
+              <a:ext uri="{FF2B5EF4-FFF2-40B4-BE49-F238E27FC236}">
+                <a16:creationId xmlns:a16="http://schemas.microsoft.com/office/drawing/2014/main" id="{A919DABB-A3A9-4348-A087-C09B02BCF6E1}"/>
+              </a:ext>
+            </a:extLst>
+          </p:cNvPr>
+          <p:cNvSpPr/>
+          <p:nvPr/>
+        </p:nvSpPr>
+        <p:spPr>
+          <a:xfrm>
+            <a:off x="3658709" y="959338"/>
+            <a:ext cx="328464" cy="181610"/>
+          </a:xfrm>
+          <a:prstGeom prst="rect">
+            <a:avLst/>
+          </a:prstGeom>
+          <a:noFill/>
+          <a:ln>
+            <a:solidFill>
+              <a:schemeClr val="tx1"/>
+            </a:solidFill>
+          </a:ln>
+          <a:effectLst/>
+        </p:spPr>
+        <p:style>
+          <a:lnRef idx="1">
+            <a:schemeClr val="accent1"/>
+          </a:lnRef>
+          <a:fillRef idx="3">
+            <a:schemeClr val="accent1"/>
+          </a:fillRef>
+          <a:effectRef idx="2">
+            <a:schemeClr val="accent1"/>
+          </a:effectRef>
+          <a:fontRef idx="minor">
+            <a:schemeClr val="lt1"/>
+          </a:fontRef>
+        </p:style>
+        <p:txBody>
+          <a:bodyPr lIns="0" tIns="0" rIns="0" bIns="0" rtlCol="0" anchor="ctr"/>
+          <a:lstStyle/>
+          <a:p>
+            <a:pPr algn="ctr"/>
+            <a:endParaRPr lang="en-US" sz="1000">
+              <a:latin typeface="Times New Roman" panose="02020603050405020304" pitchFamily="18" charset="0"/>
+              <a:cs typeface="Times New Roman" panose="02020603050405020304" pitchFamily="18" charset="0"/>
+            </a:endParaRPr>
+          </a:p>
+        </p:txBody>
+      </p:sp>
+      <p:sp>
+        <p:nvSpPr>
+          <p:cNvPr id="113" name="TextBox 112">
+            <a:extLst>
+              <a:ext uri="{FF2B5EF4-FFF2-40B4-BE49-F238E27FC236}">
+                <a16:creationId xmlns:a16="http://schemas.microsoft.com/office/drawing/2014/main" id="{77B5AC78-7FCB-CB4A-9457-83482956A8B1}"/>
+              </a:ext>
+            </a:extLst>
+          </p:cNvPr>
+          <p:cNvSpPr txBox="1"/>
+          <p:nvPr/>
+        </p:nvSpPr>
+        <p:spPr>
+          <a:xfrm>
+            <a:off x="3648405" y="944001"/>
+            <a:ext cx="351177" cy="200055"/>
+          </a:xfrm>
+          <a:prstGeom prst="rect">
+            <a:avLst/>
+          </a:prstGeom>
+          <a:noFill/>
+          <a:ln>
+            <a:noFill/>
+          </a:ln>
+        </p:spPr>
+        <p:txBody>
+          <a:bodyPr wrap="square" lIns="0" rIns="0" rtlCol="0">
+            <a:spAutoFit/>
+          </a:bodyPr>
+          <a:lstStyle/>
+          <a:p>
+            <a:pPr algn="ctr"/>
+            <a:r>
+              <a:rPr lang="en-US" sz="700" dirty="0">
+                <a:latin typeface="Times New Roman" panose="02020603050405020304" pitchFamily="18" charset="0"/>
+                <a:cs typeface="Times New Roman" panose="02020603050405020304" pitchFamily="18" charset="0"/>
+              </a:rPr>
+              <a:t>Class n</a:t>
+            </a:r>
+          </a:p>
+        </p:txBody>
+      </p:sp>
+      <p:sp>
+        <p:nvSpPr>
+          <p:cNvPr id="130" name="Freeform 129">
+            <a:extLst>
+              <a:ext uri="{FF2B5EF4-FFF2-40B4-BE49-F238E27FC236}">
+                <a16:creationId xmlns:a16="http://schemas.microsoft.com/office/drawing/2014/main" id="{1E96E228-09DA-F74A-94B0-5152EADCC12D}"/>
+              </a:ext>
+            </a:extLst>
+          </p:cNvPr>
+          <p:cNvSpPr/>
+          <p:nvPr/>
+        </p:nvSpPr>
+        <p:spPr>
+          <a:xfrm>
+            <a:off x="4026877" y="1178169"/>
+            <a:ext cx="343337" cy="637443"/>
+          </a:xfrm>
+          <a:custGeom>
+            <a:avLst/>
+            <a:gdLst>
+              <a:gd name="connsiteX0" fmla="*/ 57150 w 343337"/>
+              <a:gd name="connsiteY0" fmla="*/ 637443 h 637443"/>
+              <a:gd name="connsiteX1" fmla="*/ 342900 w 343337"/>
+              <a:gd name="connsiteY1" fmla="*/ 259373 h 637443"/>
+              <a:gd name="connsiteX2" fmla="*/ 0 w 343337"/>
+              <a:gd name="connsiteY2" fmla="*/ 0 h 637443"/>
+              <a:gd name="connsiteX3" fmla="*/ 0 w 343337"/>
+              <a:gd name="connsiteY3" fmla="*/ 0 h 637443"/>
+            </a:gdLst>
+            <a:ahLst/>
+            <a:cxnLst>
+              <a:cxn ang="0">
+                <a:pos x="connsiteX0" y="connsiteY0"/>
+              </a:cxn>
+              <a:cxn ang="0">
+                <a:pos x="connsiteX1" y="connsiteY1"/>
+              </a:cxn>
+              <a:cxn ang="0">
+                <a:pos x="connsiteX2" y="connsiteY2"/>
+              </a:cxn>
+              <a:cxn ang="0">
+                <a:pos x="connsiteX3" y="connsiteY3"/>
+              </a:cxn>
+            </a:cxnLst>
+            <a:rect l="l" t="t" r="r" b="b"/>
+            <a:pathLst>
+              <a:path w="343337" h="637443">
+                <a:moveTo>
+                  <a:pt x="57150" y="637443"/>
+                </a:moveTo>
+                <a:cubicBezTo>
+                  <a:pt x="204787" y="501528"/>
+                  <a:pt x="352425" y="365613"/>
+                  <a:pt x="342900" y="259373"/>
+                </a:cubicBezTo>
+                <a:cubicBezTo>
+                  <a:pt x="333375" y="153133"/>
+                  <a:pt x="0" y="0"/>
+                  <a:pt x="0" y="0"/>
+                </a:cubicBezTo>
+                <a:lnTo>
+                  <a:pt x="0" y="0"/>
+                </a:lnTo>
+              </a:path>
+            </a:pathLst>
+          </a:custGeom>
+          <a:noFill/>
+          <a:ln w="9525">
+            <a:solidFill>
+              <a:schemeClr val="tx1"/>
+            </a:solidFill>
+            <a:headEnd type="stealth" w="sm" len="med"/>
+            <a:tailEnd type="stealth" w="sm" len="med"/>
+          </a:ln>
+          <a:effectLst/>
+        </p:spPr>
+        <p:style>
+          <a:lnRef idx="1">
+            <a:schemeClr val="accent1"/>
+          </a:lnRef>
+          <a:fillRef idx="3">
+            <a:schemeClr val="accent1"/>
+          </a:fillRef>
+          <a:effectRef idx="2">
+            <a:schemeClr val="accent1"/>
+          </a:effectRef>
+          <a:fontRef idx="minor">
+            <a:schemeClr val="lt1"/>
+          </a:fontRef>
+        </p:style>
+        <p:txBody>
+          <a:bodyPr rtlCol="0" anchor="ctr"/>
+          <a:lstStyle/>
+          <a:p>
+            <a:pPr algn="ctr"/>
+            <a:endParaRPr lang="en-US">
+              <a:latin typeface="Times New Roman" panose="02020603050405020304" pitchFamily="18" charset="0"/>
+              <a:cs typeface="Times New Roman" panose="02020603050405020304" pitchFamily="18" charset="0"/>
+            </a:endParaRPr>
+          </a:p>
+        </p:txBody>
+      </p:sp>
+      <p:grpSp>
+        <p:nvGrpSpPr>
+          <p:cNvPr id="13" name="Group 12">
+            <a:extLst>
+              <a:ext uri="{FF2B5EF4-FFF2-40B4-BE49-F238E27FC236}">
+                <a16:creationId xmlns:a16="http://schemas.microsoft.com/office/drawing/2014/main" id="{652C105C-46A8-A740-AB82-FD3C9FAB8187}"/>
+              </a:ext>
+            </a:extLst>
+          </p:cNvPr>
+          <p:cNvGrpSpPr/>
+          <p:nvPr/>
+        </p:nvGrpSpPr>
+        <p:grpSpPr>
+          <a:xfrm>
+            <a:off x="2589527" y="3218457"/>
+            <a:ext cx="1034197" cy="224464"/>
+            <a:chOff x="2483435" y="3445797"/>
+            <a:chExt cx="1034197" cy="224464"/>
+          </a:xfrm>
+        </p:grpSpPr>
+        <p:cxnSp>
+          <p:nvCxnSpPr>
+            <p:cNvPr id="14" name="Straight Connector 13">
+              <a:extLst>
+                <a:ext uri="{FF2B5EF4-FFF2-40B4-BE49-F238E27FC236}">
+                  <a16:creationId xmlns:a16="http://schemas.microsoft.com/office/drawing/2014/main" id="{E39BC787-D116-B64D-B9DD-9809189F4E40}"/>
+                </a:ext>
+              </a:extLst>
+            </p:cNvPr>
+            <p:cNvCxnSpPr>
+              <a:cxnSpLocks/>
+            </p:cNvCxnSpPr>
+            <p:nvPr/>
+          </p:nvCxnSpPr>
+          <p:spPr>
+            <a:xfrm>
+              <a:off x="2483435" y="3446649"/>
+              <a:ext cx="0" cy="223612"/>
+            </a:xfrm>
+            <a:prstGeom prst="line">
+              <a:avLst/>
+            </a:prstGeom>
+            <a:ln w="9525">
               <a:solidFill>
                 <a:schemeClr val="tx1"/>
               </a:solidFill>
-              <a:latin typeface="Times New Roman"/>
-              <a:cs typeface="Times New Roman"/>
+            </a:ln>
+            <a:effectLst/>
+          </p:spPr>
+          <p:style>
+            <a:lnRef idx="2">
+              <a:schemeClr val="accent1"/>
+            </a:lnRef>
+            <a:fillRef idx="0">
+              <a:schemeClr val="accent1"/>
+            </a:fillRef>
+            <a:effectRef idx="1">
+              <a:schemeClr val="accent1"/>
+            </a:effectRef>
+            <a:fontRef idx="minor">
+              <a:schemeClr val="tx1"/>
+            </a:fontRef>
+          </p:style>
+        </p:cxnSp>
+        <p:cxnSp>
+          <p:nvCxnSpPr>
+            <p:cNvPr id="4" name="Straight Arrow Connector 3">
+              <a:extLst>
+                <a:ext uri="{FF2B5EF4-FFF2-40B4-BE49-F238E27FC236}">
+                  <a16:creationId xmlns:a16="http://schemas.microsoft.com/office/drawing/2014/main" id="{558079EC-EEF6-9847-A9E8-9814A77D712A}"/>
+                </a:ext>
+              </a:extLst>
+            </p:cNvPr>
+            <p:cNvCxnSpPr>
+              <a:cxnSpLocks/>
+            </p:cNvCxnSpPr>
+            <p:nvPr/>
+          </p:nvCxnSpPr>
+          <p:spPr>
+            <a:xfrm>
+              <a:off x="2483543" y="3560711"/>
+              <a:ext cx="133184" cy="0"/>
+            </a:xfrm>
+            <a:prstGeom prst="straightConnector1">
+              <a:avLst/>
+            </a:prstGeom>
+            <a:ln w="9525">
+              <a:solidFill>
+                <a:schemeClr val="tx1"/>
+              </a:solidFill>
+              <a:tailEnd type="stealth"/>
+            </a:ln>
+            <a:effectLst/>
+          </p:spPr>
+          <p:style>
+            <a:lnRef idx="2">
+              <a:schemeClr val="accent1"/>
+            </a:lnRef>
+            <a:fillRef idx="0">
+              <a:schemeClr val="accent1"/>
+            </a:fillRef>
+            <a:effectRef idx="1">
+              <a:schemeClr val="accent1"/>
+            </a:effectRef>
+            <a:fontRef idx="minor">
+              <a:schemeClr val="tx1"/>
+            </a:fontRef>
+          </p:style>
+        </p:cxnSp>
+        <p:sp>
+          <p:nvSpPr>
+            <p:cNvPr id="18" name="TextBox 17">
+              <a:extLst>
+                <a:ext uri="{FF2B5EF4-FFF2-40B4-BE49-F238E27FC236}">
+                  <a16:creationId xmlns:a16="http://schemas.microsoft.com/office/drawing/2014/main" id="{B4F1EF43-5BE9-DE4D-914C-AC768E25D1B5}"/>
+                </a:ext>
+              </a:extLst>
+            </p:cNvPr>
+            <p:cNvSpPr txBox="1"/>
+            <p:nvPr/>
+          </p:nvSpPr>
+          <p:spPr>
+            <a:xfrm>
+              <a:off x="2543486" y="3445797"/>
+              <a:ext cx="493748" cy="215444"/>
+            </a:xfrm>
+            <a:prstGeom prst="rect">
+              <a:avLst/>
+            </a:prstGeom>
+            <a:noFill/>
+            <a:ln>
+              <a:noFill/>
+            </a:ln>
+          </p:spPr>
+          <p:txBody>
+            <a:bodyPr wrap="square" lIns="0" rIns="0" rtlCol="0">
+              <a:spAutoFit/>
+            </a:bodyPr>
+            <a:lstStyle/>
+            <a:p>
+              <a:pPr algn="ctr"/>
+              <a:r>
+                <a:rPr lang="en-US" sz="800" dirty="0" err="1">
+                  <a:latin typeface="Times New Roman" panose="02020603050405020304" pitchFamily="18" charset="0"/>
+                  <a:cs typeface="Times New Roman" panose="02020603050405020304" pitchFamily="18" charset="0"/>
+                </a:rPr>
+                <a:t>bpSmall</a:t>
+              </a:r>
+              <a:endParaRPr lang="en-US" sz="800" dirty="0">
+                <a:latin typeface="Times New Roman" panose="02020603050405020304" pitchFamily="18" charset="0"/>
+                <a:cs typeface="Times New Roman" panose="02020603050405020304" pitchFamily="18" charset="0"/>
+              </a:endParaRPr>
+            </a:p>
+          </p:txBody>
+        </p:sp>
+        <p:cxnSp>
+          <p:nvCxnSpPr>
+            <p:cNvPr id="21" name="Straight Connector 20">
+              <a:extLst>
+                <a:ext uri="{FF2B5EF4-FFF2-40B4-BE49-F238E27FC236}">
+                  <a16:creationId xmlns:a16="http://schemas.microsoft.com/office/drawing/2014/main" id="{7245458C-AFB7-7241-A5A0-42543EEDA16A}"/>
+                </a:ext>
+              </a:extLst>
+            </p:cNvPr>
+            <p:cNvCxnSpPr>
+              <a:cxnSpLocks/>
+            </p:cNvCxnSpPr>
+            <p:nvPr/>
+          </p:nvCxnSpPr>
+          <p:spPr>
+            <a:xfrm>
+              <a:off x="3433082" y="3446649"/>
+              <a:ext cx="0" cy="223612"/>
+            </a:xfrm>
+            <a:prstGeom prst="line">
+              <a:avLst/>
+            </a:prstGeom>
+            <a:ln w="9525">
+              <a:solidFill>
+                <a:schemeClr val="tx1"/>
+              </a:solidFill>
+            </a:ln>
+            <a:effectLst/>
+          </p:spPr>
+          <p:style>
+            <a:lnRef idx="2">
+              <a:schemeClr val="accent1"/>
+            </a:lnRef>
+            <a:fillRef idx="0">
+              <a:schemeClr val="accent1"/>
+            </a:fillRef>
+            <a:effectRef idx="1">
+              <a:schemeClr val="accent1"/>
+            </a:effectRef>
+            <a:fontRef idx="minor">
+              <a:schemeClr val="tx1"/>
+            </a:fontRef>
+          </p:style>
+        </p:cxnSp>
+        <p:sp>
+          <p:nvSpPr>
+            <p:cNvPr id="23" name="TextBox 22">
+              <a:extLst>
+                <a:ext uri="{FF2B5EF4-FFF2-40B4-BE49-F238E27FC236}">
+                  <a16:creationId xmlns:a16="http://schemas.microsoft.com/office/drawing/2014/main" id="{F819FF1F-349B-E24D-BAB5-3782DB70B017}"/>
+                </a:ext>
+              </a:extLst>
+            </p:cNvPr>
+            <p:cNvSpPr txBox="1"/>
+            <p:nvPr/>
+          </p:nvSpPr>
+          <p:spPr>
+            <a:xfrm>
+              <a:off x="3023884" y="3445797"/>
+              <a:ext cx="493748" cy="215444"/>
+            </a:xfrm>
+            <a:prstGeom prst="rect">
+              <a:avLst/>
+            </a:prstGeom>
+            <a:noFill/>
+            <a:ln>
+              <a:noFill/>
+            </a:ln>
+          </p:spPr>
+          <p:txBody>
+            <a:bodyPr wrap="square" lIns="0" rIns="0" rtlCol="0">
+              <a:spAutoFit/>
+            </a:bodyPr>
+            <a:lstStyle/>
+            <a:p>
+              <a:pPr algn="ctr"/>
+              <a:r>
+                <a:rPr lang="en-US" sz="800" dirty="0" err="1">
+                  <a:latin typeface="Times New Roman" panose="02020603050405020304" pitchFamily="18" charset="0"/>
+                  <a:cs typeface="Times New Roman" panose="02020603050405020304" pitchFamily="18" charset="0"/>
+                </a:rPr>
+                <a:t>bpBig</a:t>
+              </a:r>
+              <a:endParaRPr lang="en-US" sz="800" dirty="0">
+                <a:latin typeface="Times New Roman" panose="02020603050405020304" pitchFamily="18" charset="0"/>
+                <a:cs typeface="Times New Roman" panose="02020603050405020304" pitchFamily="18" charset="0"/>
+              </a:endParaRPr>
+            </a:p>
+          </p:txBody>
+        </p:sp>
+        <p:cxnSp>
+          <p:nvCxnSpPr>
+            <p:cNvPr id="87" name="Straight Connector 86">
+              <a:extLst>
+                <a:ext uri="{FF2B5EF4-FFF2-40B4-BE49-F238E27FC236}">
+                  <a16:creationId xmlns:a16="http://schemas.microsoft.com/office/drawing/2014/main" id="{A82A7B86-B45E-554A-9033-51610D0177BF}"/>
+                </a:ext>
+              </a:extLst>
+            </p:cNvPr>
+            <p:cNvCxnSpPr>
+              <a:cxnSpLocks/>
+            </p:cNvCxnSpPr>
+            <p:nvPr/>
+          </p:nvCxnSpPr>
+          <p:spPr>
+            <a:xfrm>
+              <a:off x="3005450" y="3446649"/>
+              <a:ext cx="0" cy="223612"/>
+            </a:xfrm>
+            <a:prstGeom prst="line">
+              <a:avLst/>
+            </a:prstGeom>
+            <a:ln w="9525">
+              <a:solidFill>
+                <a:schemeClr val="tx1"/>
+              </a:solidFill>
+            </a:ln>
+            <a:effectLst/>
+          </p:spPr>
+          <p:style>
+            <a:lnRef idx="2">
+              <a:schemeClr val="accent1"/>
+            </a:lnRef>
+            <a:fillRef idx="0">
+              <a:schemeClr val="accent1"/>
+            </a:fillRef>
+            <a:effectRef idx="1">
+              <a:schemeClr val="accent1"/>
+            </a:effectRef>
+            <a:fontRef idx="minor">
+              <a:schemeClr val="tx1"/>
+            </a:fontRef>
+          </p:style>
+        </p:cxnSp>
+        <p:cxnSp>
+          <p:nvCxnSpPr>
+            <p:cNvPr id="91" name="Straight Arrow Connector 90">
+              <a:extLst>
+                <a:ext uri="{FF2B5EF4-FFF2-40B4-BE49-F238E27FC236}">
+                  <a16:creationId xmlns:a16="http://schemas.microsoft.com/office/drawing/2014/main" id="{AD8B49A1-5472-734D-8332-1EA1C5F3E380}"/>
+                </a:ext>
+              </a:extLst>
+            </p:cNvPr>
+            <p:cNvCxnSpPr>
+              <a:cxnSpLocks/>
+            </p:cNvCxnSpPr>
+            <p:nvPr/>
+          </p:nvCxnSpPr>
+          <p:spPr>
+            <a:xfrm>
+              <a:off x="3005684" y="3560711"/>
+              <a:ext cx="133184" cy="0"/>
+            </a:xfrm>
+            <a:prstGeom prst="straightConnector1">
+              <a:avLst/>
+            </a:prstGeom>
+            <a:ln w="9525">
+              <a:solidFill>
+                <a:schemeClr val="tx1"/>
+              </a:solidFill>
+              <a:tailEnd type="stealth"/>
+            </a:ln>
+            <a:effectLst/>
+          </p:spPr>
+          <p:style>
+            <a:lnRef idx="2">
+              <a:schemeClr val="accent1"/>
+            </a:lnRef>
+            <a:fillRef idx="0">
+              <a:schemeClr val="accent1"/>
+            </a:fillRef>
+            <a:effectRef idx="1">
+              <a:schemeClr val="accent1"/>
+            </a:effectRef>
+            <a:fontRef idx="minor">
+              <a:schemeClr val="tx1"/>
+            </a:fontRef>
+          </p:style>
+        </p:cxnSp>
+      </p:grpSp>
+      <p:cxnSp>
+        <p:nvCxnSpPr>
+          <p:cNvPr id="100" name="Straight Arrow Connector 99">
+            <a:extLst>
+              <a:ext uri="{FF2B5EF4-FFF2-40B4-BE49-F238E27FC236}">
+                <a16:creationId xmlns:a16="http://schemas.microsoft.com/office/drawing/2014/main" id="{63A14E7A-7984-7040-A19C-E5BDDD65BD8B}"/>
+              </a:ext>
+            </a:extLst>
+          </p:cNvPr>
+          <p:cNvCxnSpPr>
+            <a:cxnSpLocks/>
+          </p:cNvCxnSpPr>
+          <p:nvPr/>
+        </p:nvCxnSpPr>
+        <p:spPr>
+          <a:xfrm>
+            <a:off x="3020036" y="2256448"/>
+            <a:ext cx="133184" cy="0"/>
+          </a:xfrm>
+          <a:prstGeom prst="straightConnector1">
+            <a:avLst/>
+          </a:prstGeom>
+          <a:ln w="9525">
+            <a:solidFill>
+              <a:schemeClr val="tx1"/>
+            </a:solidFill>
+            <a:tailEnd type="stealth"/>
+          </a:ln>
+          <a:effectLst/>
+        </p:spPr>
+        <p:style>
+          <a:lnRef idx="2">
+            <a:schemeClr val="accent1"/>
+          </a:lnRef>
+          <a:fillRef idx="0">
+            <a:schemeClr val="accent1"/>
+          </a:fillRef>
+          <a:effectRef idx="1">
+            <a:schemeClr val="accent1"/>
+          </a:effectRef>
+          <a:fontRef idx="minor">
+            <a:schemeClr val="tx1"/>
+          </a:fontRef>
+        </p:style>
+      </p:cxnSp>
+      <p:sp>
+        <p:nvSpPr>
+          <p:cNvPr id="102" name="Rectangle 101">
+            <a:extLst>
+              <a:ext uri="{FF2B5EF4-FFF2-40B4-BE49-F238E27FC236}">
+                <a16:creationId xmlns:a16="http://schemas.microsoft.com/office/drawing/2014/main" id="{6D73E33A-53D0-C547-A0D5-093C8D441DC6}"/>
+              </a:ext>
+            </a:extLst>
+          </p:cNvPr>
+          <p:cNvSpPr/>
+          <p:nvPr/>
+        </p:nvSpPr>
+        <p:spPr>
+          <a:xfrm>
+            <a:off x="3152250" y="2201809"/>
+            <a:ext cx="182387" cy="117473"/>
+          </a:xfrm>
+          <a:prstGeom prst="rect">
+            <a:avLst/>
+          </a:prstGeom>
+          <a:noFill/>
+          <a:ln w="6350">
+            <a:solidFill>
+              <a:schemeClr val="tx1"/>
+            </a:solidFill>
+          </a:ln>
+          <a:effectLst/>
+        </p:spPr>
+        <p:style>
+          <a:lnRef idx="1">
+            <a:schemeClr val="accent1"/>
+          </a:lnRef>
+          <a:fillRef idx="3">
+            <a:schemeClr val="accent1"/>
+          </a:fillRef>
+          <a:effectRef idx="2">
+            <a:schemeClr val="accent1"/>
+          </a:effectRef>
+          <a:fontRef idx="minor">
+            <a:schemeClr val="lt1"/>
+          </a:fontRef>
+        </p:style>
+        <p:txBody>
+          <a:bodyPr lIns="0" tIns="0" rIns="0" bIns="0" rtlCol="0" anchor="ctr"/>
+          <a:lstStyle/>
+          <a:p>
+            <a:pPr algn="ctr"/>
+            <a:endParaRPr lang="en-US" sz="1000">
+              <a:latin typeface="Times New Roman" panose="02020603050405020304" pitchFamily="18" charset="0"/>
+              <a:cs typeface="Times New Roman" panose="02020603050405020304" pitchFamily="18" charset="0"/>
+            </a:endParaRPr>
+          </a:p>
+        </p:txBody>
+      </p:sp>
+      <p:sp>
+        <p:nvSpPr>
+          <p:cNvPr id="104" name="Rectangle 103">
+            <a:extLst>
+              <a:ext uri="{FF2B5EF4-FFF2-40B4-BE49-F238E27FC236}">
+                <a16:creationId xmlns:a16="http://schemas.microsoft.com/office/drawing/2014/main" id="{46FD5955-3A72-D34D-B794-4FF5205A50BB}"/>
+              </a:ext>
+            </a:extLst>
+          </p:cNvPr>
+          <p:cNvSpPr/>
+          <p:nvPr/>
+        </p:nvSpPr>
+        <p:spPr>
+          <a:xfrm>
+            <a:off x="3336514" y="2201809"/>
+            <a:ext cx="182387" cy="117473"/>
+          </a:xfrm>
+          <a:prstGeom prst="rect">
+            <a:avLst/>
+          </a:prstGeom>
+          <a:noFill/>
+          <a:ln w="6350">
+            <a:solidFill>
+              <a:schemeClr val="tx1"/>
+            </a:solidFill>
+          </a:ln>
+          <a:effectLst/>
+        </p:spPr>
+        <p:style>
+          <a:lnRef idx="1">
+            <a:schemeClr val="accent1"/>
+          </a:lnRef>
+          <a:fillRef idx="3">
+            <a:schemeClr val="accent1"/>
+          </a:fillRef>
+          <a:effectRef idx="2">
+            <a:schemeClr val="accent1"/>
+          </a:effectRef>
+          <a:fontRef idx="minor">
+            <a:schemeClr val="lt1"/>
+          </a:fontRef>
+        </p:style>
+        <p:txBody>
+          <a:bodyPr lIns="0" tIns="0" rIns="0" bIns="0" rtlCol="0" anchor="ctr"/>
+          <a:lstStyle/>
+          <a:p>
+            <a:pPr algn="ctr"/>
+            <a:endParaRPr lang="en-US" sz="1000">
+              <a:latin typeface="Times New Roman" panose="02020603050405020304" pitchFamily="18" charset="0"/>
+              <a:cs typeface="Times New Roman" panose="02020603050405020304" pitchFamily="18" charset="0"/>
+            </a:endParaRPr>
+          </a:p>
+        </p:txBody>
+      </p:sp>
+      <p:sp>
+        <p:nvSpPr>
+          <p:cNvPr id="114" name="Rectangle 113">
+            <a:extLst>
+              <a:ext uri="{FF2B5EF4-FFF2-40B4-BE49-F238E27FC236}">
+                <a16:creationId xmlns:a16="http://schemas.microsoft.com/office/drawing/2014/main" id="{A52C4AFF-76F2-AC4C-885C-509F118CB2D5}"/>
+              </a:ext>
+            </a:extLst>
+          </p:cNvPr>
+          <p:cNvSpPr/>
+          <p:nvPr/>
+        </p:nvSpPr>
+        <p:spPr>
+          <a:xfrm>
+            <a:off x="3519229" y="2201809"/>
+            <a:ext cx="182387" cy="117473"/>
+          </a:xfrm>
+          <a:prstGeom prst="rect">
+            <a:avLst/>
+          </a:prstGeom>
+          <a:noFill/>
+          <a:ln w="6350">
+            <a:solidFill>
+              <a:schemeClr val="tx1"/>
+            </a:solidFill>
+          </a:ln>
+          <a:effectLst/>
+        </p:spPr>
+        <p:style>
+          <a:lnRef idx="1">
+            <a:schemeClr val="accent1"/>
+          </a:lnRef>
+          <a:fillRef idx="3">
+            <a:schemeClr val="accent1"/>
+          </a:fillRef>
+          <a:effectRef idx="2">
+            <a:schemeClr val="accent1"/>
+          </a:effectRef>
+          <a:fontRef idx="minor">
+            <a:schemeClr val="lt1"/>
+          </a:fontRef>
+        </p:style>
+        <p:txBody>
+          <a:bodyPr lIns="0" tIns="0" rIns="0" bIns="0" rtlCol="0" anchor="ctr"/>
+          <a:lstStyle/>
+          <a:p>
+            <a:pPr algn="ctr"/>
+            <a:endParaRPr lang="en-US" sz="1000">
+              <a:latin typeface="Times New Roman" panose="02020603050405020304" pitchFamily="18" charset="0"/>
+              <a:cs typeface="Times New Roman" panose="02020603050405020304" pitchFamily="18" charset="0"/>
+            </a:endParaRPr>
+          </a:p>
+        </p:txBody>
+      </p:sp>
+      <p:sp>
+        <p:nvSpPr>
+          <p:cNvPr id="117" name="Rectangle 116">
+            <a:extLst>
+              <a:ext uri="{FF2B5EF4-FFF2-40B4-BE49-F238E27FC236}">
+                <a16:creationId xmlns:a16="http://schemas.microsoft.com/office/drawing/2014/main" id="{565432F4-23F4-3D4C-AF0B-8DC86CC5C696}"/>
+              </a:ext>
+            </a:extLst>
+          </p:cNvPr>
+          <p:cNvSpPr/>
+          <p:nvPr/>
+        </p:nvSpPr>
+        <p:spPr>
+          <a:xfrm>
+            <a:off x="3702019" y="2201808"/>
+            <a:ext cx="182387" cy="117473"/>
+          </a:xfrm>
+          <a:prstGeom prst="rect">
+            <a:avLst/>
+          </a:prstGeom>
+          <a:noFill/>
+          <a:ln w="6350">
+            <a:solidFill>
+              <a:schemeClr val="tx1"/>
+            </a:solidFill>
+          </a:ln>
+          <a:effectLst/>
+        </p:spPr>
+        <p:style>
+          <a:lnRef idx="1">
+            <a:schemeClr val="accent1"/>
+          </a:lnRef>
+          <a:fillRef idx="3">
+            <a:schemeClr val="accent1"/>
+          </a:fillRef>
+          <a:effectRef idx="2">
+            <a:schemeClr val="accent1"/>
+          </a:effectRef>
+          <a:fontRef idx="minor">
+            <a:schemeClr val="lt1"/>
+          </a:fontRef>
+        </p:style>
+        <p:txBody>
+          <a:bodyPr lIns="0" tIns="0" rIns="0" bIns="0" rtlCol="0" anchor="ctr"/>
+          <a:lstStyle/>
+          <a:p>
+            <a:pPr algn="ctr"/>
+            <a:endParaRPr lang="en-US" sz="1000">
+              <a:latin typeface="Times New Roman" panose="02020603050405020304" pitchFamily="18" charset="0"/>
+              <a:cs typeface="Times New Roman" panose="02020603050405020304" pitchFamily="18" charset="0"/>
+            </a:endParaRPr>
+          </a:p>
+        </p:txBody>
+      </p:sp>
+      <p:sp>
+        <p:nvSpPr>
+          <p:cNvPr id="2" name="TextBox 1">
+            <a:extLst>
+              <a:ext uri="{FF2B5EF4-FFF2-40B4-BE49-F238E27FC236}">
+                <a16:creationId xmlns:a16="http://schemas.microsoft.com/office/drawing/2014/main" id="{097A7FB6-0296-324F-B769-B737EEA19E01}"/>
+              </a:ext>
+            </a:extLst>
+          </p:cNvPr>
+          <p:cNvSpPr txBox="1"/>
+          <p:nvPr/>
+        </p:nvSpPr>
+        <p:spPr>
+          <a:xfrm>
+            <a:off x="2621655" y="2631183"/>
+            <a:ext cx="1058303" cy="246221"/>
+          </a:xfrm>
+          <a:prstGeom prst="rect">
+            <a:avLst/>
+          </a:prstGeom>
+          <a:noFill/>
+        </p:spPr>
+        <p:txBody>
+          <a:bodyPr wrap="none" rtlCol="0">
+            <a:spAutoFit/>
+          </a:bodyPr>
+          <a:lstStyle/>
+          <a:p>
+            <a:r>
+              <a:rPr lang="en-US" sz="1000" dirty="0">
+                <a:latin typeface="Times New Roman" panose="02020603050405020304" pitchFamily="18" charset="0"/>
+                <a:cs typeface="Times New Roman" panose="02020603050405020304" pitchFamily="18" charset="0"/>
+              </a:rPr>
+              <a:t>[size, Used/Free]</a:t>
+            </a:r>
+          </a:p>
+        </p:txBody>
+      </p:sp>
+      <p:sp>
+        <p:nvSpPr>
+          <p:cNvPr id="82" name="TextBox 81">
+            <a:extLst>
+              <a:ext uri="{FF2B5EF4-FFF2-40B4-BE49-F238E27FC236}">
+                <a16:creationId xmlns:a16="http://schemas.microsoft.com/office/drawing/2014/main" id="{6905585F-F729-B44A-A1E3-87AF1099FE11}"/>
+              </a:ext>
+            </a:extLst>
+          </p:cNvPr>
+          <p:cNvSpPr txBox="1"/>
+          <p:nvPr/>
+        </p:nvSpPr>
+        <p:spPr>
+          <a:xfrm>
+            <a:off x="3157685" y="1073324"/>
+            <a:ext cx="351177" cy="215444"/>
+          </a:xfrm>
+          <a:prstGeom prst="rect">
+            <a:avLst/>
+          </a:prstGeom>
+          <a:noFill/>
+          <a:ln>
+            <a:noFill/>
+          </a:ln>
+        </p:spPr>
+        <p:txBody>
+          <a:bodyPr wrap="square" lIns="0" rIns="0" rtlCol="0">
+            <a:spAutoFit/>
+          </a:bodyPr>
+          <a:lstStyle/>
+          <a:p>
+            <a:pPr algn="ctr"/>
+            <a:r>
+              <a:rPr lang="en-US" sz="800" dirty="0">
+                <a:latin typeface="Times New Roman" panose="02020603050405020304" pitchFamily="18" charset="0"/>
+                <a:cs typeface="Times New Roman" panose="02020603050405020304" pitchFamily="18" charset="0"/>
+              </a:rPr>
+              <a:t>……</a:t>
+            </a:r>
+          </a:p>
+        </p:txBody>
+      </p:sp>
+      <p:sp>
+        <p:nvSpPr>
+          <p:cNvPr id="86" name="Rectangle 85">
+            <a:extLst>
+              <a:ext uri="{FF2B5EF4-FFF2-40B4-BE49-F238E27FC236}">
+                <a16:creationId xmlns:a16="http://schemas.microsoft.com/office/drawing/2014/main" id="{549FF33D-6611-FE43-A73C-73FE41DACC4F}"/>
+              </a:ext>
+            </a:extLst>
+          </p:cNvPr>
+          <p:cNvSpPr/>
+          <p:nvPr/>
+        </p:nvSpPr>
+        <p:spPr>
+          <a:xfrm>
+            <a:off x="2591889" y="2971969"/>
+            <a:ext cx="947275" cy="246888"/>
+          </a:xfrm>
+          <a:prstGeom prst="rect">
+            <a:avLst/>
+          </a:prstGeom>
+          <a:noFill/>
+          <a:ln>
+            <a:solidFill>
+              <a:schemeClr val="tx1"/>
+            </a:solidFill>
+          </a:ln>
+          <a:effectLst/>
+        </p:spPr>
+        <p:style>
+          <a:lnRef idx="1">
+            <a:schemeClr val="accent1"/>
+          </a:lnRef>
+          <a:fillRef idx="3">
+            <a:schemeClr val="accent1"/>
+          </a:fillRef>
+          <a:effectRef idx="2">
+            <a:schemeClr val="accent1"/>
+          </a:effectRef>
+          <a:fontRef idx="minor">
+            <a:schemeClr val="lt1"/>
+          </a:fontRef>
+        </p:style>
+        <p:txBody>
+          <a:bodyPr lIns="0" tIns="0" rIns="0" bIns="0" rtlCol="0" anchor="ctr"/>
+          <a:lstStyle/>
+          <a:p>
+            <a:pPr algn="ctr"/>
+            <a:endParaRPr lang="en-US" sz="1100">
+              <a:latin typeface="Times New Roman" panose="02020603050405020304" pitchFamily="18" charset="0"/>
+              <a:cs typeface="Times New Roman" panose="02020603050405020304" pitchFamily="18" charset="0"/>
+            </a:endParaRPr>
+          </a:p>
+        </p:txBody>
+      </p:sp>
+      <p:sp>
+        <p:nvSpPr>
+          <p:cNvPr id="15" name="TextBox 14">
+            <a:extLst>
+              <a:ext uri="{FF2B5EF4-FFF2-40B4-BE49-F238E27FC236}">
+                <a16:creationId xmlns:a16="http://schemas.microsoft.com/office/drawing/2014/main" id="{7051959F-BB2F-684B-B560-2A630833FFDD}"/>
+              </a:ext>
+            </a:extLst>
+          </p:cNvPr>
+          <p:cNvSpPr txBox="1"/>
+          <p:nvPr/>
+        </p:nvSpPr>
+        <p:spPr>
+          <a:xfrm>
+            <a:off x="1666755" y="3005624"/>
+            <a:ext cx="903706" cy="172355"/>
+          </a:xfrm>
+          <a:prstGeom prst="rect">
+            <a:avLst/>
+          </a:prstGeom>
+          <a:solidFill>
+            <a:schemeClr val="bg1"/>
+          </a:solidFill>
+        </p:spPr>
+        <p:txBody>
+          <a:bodyPr wrap="square" lIns="0" tIns="9144" rIns="0" bIns="9144" rtlCol="0">
+            <a:spAutoFit/>
+          </a:bodyPr>
+          <a:lstStyle/>
+          <a:p>
+            <a:pPr algn="ctr"/>
+            <a:r>
+              <a:rPr lang="en-US" sz="1000" dirty="0">
+                <a:latin typeface="Times New Roman" panose="02020603050405020304" pitchFamily="18" charset="0"/>
+                <a:cs typeface="Times New Roman" panose="02020603050405020304" pitchFamily="18" charset="0"/>
+              </a:rPr>
+              <a:t>Interleaved Heap</a:t>
+            </a:r>
+          </a:p>
+        </p:txBody>
+      </p:sp>
+      <p:sp>
+        <p:nvSpPr>
+          <p:cNvPr id="118" name="Rectangle 117">
+            <a:extLst>
+              <a:ext uri="{FF2B5EF4-FFF2-40B4-BE49-F238E27FC236}">
+                <a16:creationId xmlns:a16="http://schemas.microsoft.com/office/drawing/2014/main" id="{59A984E5-A3D6-D04C-8695-592DC370FCA7}"/>
+              </a:ext>
+            </a:extLst>
+          </p:cNvPr>
+          <p:cNvSpPr/>
+          <p:nvPr/>
+        </p:nvSpPr>
+        <p:spPr>
+          <a:xfrm>
+            <a:off x="1644971" y="2970937"/>
+            <a:ext cx="947275" cy="246888"/>
+          </a:xfrm>
+          <a:prstGeom prst="rect">
+            <a:avLst/>
+          </a:prstGeom>
+          <a:noFill/>
+          <a:ln>
+            <a:solidFill>
+              <a:schemeClr val="tx1"/>
+            </a:solidFill>
+          </a:ln>
+          <a:effectLst/>
+        </p:spPr>
+        <p:style>
+          <a:lnRef idx="1">
+            <a:schemeClr val="accent1"/>
+          </a:lnRef>
+          <a:fillRef idx="3">
+            <a:schemeClr val="accent1"/>
+          </a:fillRef>
+          <a:effectRef idx="2">
+            <a:schemeClr val="accent1"/>
+          </a:effectRef>
+          <a:fontRef idx="minor">
+            <a:schemeClr val="lt1"/>
+          </a:fontRef>
+        </p:style>
+        <p:txBody>
+          <a:bodyPr lIns="0" tIns="0" rIns="0" bIns="0" rtlCol="0" anchor="ctr"/>
+          <a:lstStyle/>
+          <a:p>
+            <a:pPr algn="ctr"/>
+            <a:endParaRPr lang="en-US" sz="1100">
+              <a:latin typeface="Times New Roman" panose="02020603050405020304" pitchFamily="18" charset="0"/>
+              <a:cs typeface="Times New Roman" panose="02020603050405020304" pitchFamily="18" charset="0"/>
+            </a:endParaRPr>
+          </a:p>
+        </p:txBody>
+      </p:sp>
+      <p:sp>
+        <p:nvSpPr>
+          <p:cNvPr id="120" name="TextBox 119">
+            <a:extLst>
+              <a:ext uri="{FF2B5EF4-FFF2-40B4-BE49-F238E27FC236}">
+                <a16:creationId xmlns:a16="http://schemas.microsoft.com/office/drawing/2014/main" id="{60EADDA6-D3B4-8F4B-BB62-8449AC776AD9}"/>
+              </a:ext>
+            </a:extLst>
+          </p:cNvPr>
+          <p:cNvSpPr txBox="1"/>
+          <p:nvPr/>
+        </p:nvSpPr>
+        <p:spPr>
+          <a:xfrm>
+            <a:off x="3816741" y="2975312"/>
+            <a:ext cx="947273" cy="246221"/>
+          </a:xfrm>
+          <a:prstGeom prst="rect">
+            <a:avLst/>
+          </a:prstGeom>
+          <a:solidFill>
+            <a:schemeClr val="bg1"/>
+          </a:solidFill>
+          <a:ln>
+            <a:solidFill>
+              <a:schemeClr val="bg1"/>
+            </a:solidFill>
+          </a:ln>
+        </p:spPr>
+        <p:txBody>
+          <a:bodyPr wrap="square" lIns="0" rIns="0" rtlCol="0">
+            <a:spAutoFit/>
+          </a:bodyPr>
+          <a:lstStyle/>
+          <a:p>
+            <a:pPr algn="ctr"/>
+            <a:r>
+              <a:rPr lang="en-US" sz="1000" dirty="0" err="1">
+                <a:latin typeface="Times New Roman" panose="02020603050405020304" pitchFamily="18" charset="0"/>
+                <a:cs typeface="Times New Roman" panose="02020603050405020304" pitchFamily="18" charset="0"/>
+              </a:rPr>
+              <a:t>Node</a:t>
+            </a:r>
+            <a:r>
+              <a:rPr lang="en-US" sz="1000" baseline="-25000" dirty="0" err="1">
+                <a:latin typeface="Times New Roman" panose="02020603050405020304" pitchFamily="18" charset="0"/>
+                <a:cs typeface="Times New Roman" panose="02020603050405020304" pitchFamily="18" charset="0"/>
+              </a:rPr>
+              <a:t>n</a:t>
+            </a:r>
+            <a:endParaRPr lang="en-US" sz="1000" baseline="-25000" dirty="0">
+              <a:latin typeface="Times New Roman" panose="02020603050405020304" pitchFamily="18" charset="0"/>
+              <a:cs typeface="Times New Roman" panose="02020603050405020304" pitchFamily="18" charset="0"/>
+            </a:endParaRPr>
+          </a:p>
+        </p:txBody>
+      </p:sp>
+      <p:sp>
+        <p:nvSpPr>
+          <p:cNvPr id="121" name="Rectangle 120">
+            <a:extLst>
+              <a:ext uri="{FF2B5EF4-FFF2-40B4-BE49-F238E27FC236}">
+                <a16:creationId xmlns:a16="http://schemas.microsoft.com/office/drawing/2014/main" id="{DEEB6459-3BA7-AF4E-B3F6-A728A654232E}"/>
+              </a:ext>
+            </a:extLst>
+          </p:cNvPr>
+          <p:cNvSpPr/>
+          <p:nvPr/>
+        </p:nvSpPr>
+        <p:spPr>
+          <a:xfrm>
+            <a:off x="3819250" y="2970937"/>
+            <a:ext cx="947275" cy="246888"/>
+          </a:xfrm>
+          <a:prstGeom prst="rect">
+            <a:avLst/>
+          </a:prstGeom>
+          <a:noFill/>
+          <a:ln>
+            <a:solidFill>
+              <a:schemeClr val="tx1"/>
+            </a:solidFill>
+          </a:ln>
+          <a:effectLst/>
+        </p:spPr>
+        <p:style>
+          <a:lnRef idx="1">
+            <a:schemeClr val="accent1"/>
+          </a:lnRef>
+          <a:fillRef idx="3">
+            <a:schemeClr val="accent1"/>
+          </a:fillRef>
+          <a:effectRef idx="2">
+            <a:schemeClr val="accent1"/>
+          </a:effectRef>
+          <a:fontRef idx="minor">
+            <a:schemeClr val="lt1"/>
+          </a:fontRef>
+        </p:style>
+        <p:txBody>
+          <a:bodyPr lIns="0" tIns="0" rIns="0" bIns="0" rtlCol="0" anchor="ctr"/>
+          <a:lstStyle/>
+          <a:p>
+            <a:pPr algn="ctr"/>
+            <a:endParaRPr lang="en-US" sz="1100">
+              <a:latin typeface="Times New Roman" panose="02020603050405020304" pitchFamily="18" charset="0"/>
+              <a:cs typeface="Times New Roman" panose="02020603050405020304" pitchFamily="18" charset="0"/>
             </a:endParaRPr>
           </a:p>
         </p:txBody>
@@ -10374,7 +13233,7 @@
     </p:spTree>
     <p:extLst>
       <p:ext uri="{BB962C8B-B14F-4D97-AF65-F5344CB8AC3E}">
-        <p14:creationId xmlns:p14="http://schemas.microsoft.com/office/powerpoint/2010/main" val="204444858"/>
+        <p14:creationId xmlns:p14="http://schemas.microsoft.com/office/powerpoint/2010/main" val="3193009643"/>
       </p:ext>
     </p:extLst>
   </p:cSld>
@@ -10406,6 +13265,923 @@
           <p:cNvPr id="4" name="Rectangle 3">
             <a:extLst>
               <a:ext uri="{FF2B5EF4-FFF2-40B4-BE49-F238E27FC236}">
+                <a16:creationId xmlns:a16="http://schemas.microsoft.com/office/drawing/2014/main" id="{33E8BA09-F329-624F-8B74-FC038E83521E}"/>
+              </a:ext>
+            </a:extLst>
+          </p:cNvPr>
+          <p:cNvSpPr/>
+          <p:nvPr/>
+        </p:nvSpPr>
+        <p:spPr>
+          <a:xfrm>
+            <a:off x="1978262" y="1439812"/>
+            <a:ext cx="969387" cy="314048"/>
+          </a:xfrm>
+          <a:prstGeom prst="rect">
+            <a:avLst/>
+          </a:prstGeom>
+          <a:noFill/>
+          <a:ln>
+            <a:solidFill>
+              <a:schemeClr val="tx1"/>
+            </a:solidFill>
+          </a:ln>
+          <a:effectLst/>
+        </p:spPr>
+        <p:style>
+          <a:lnRef idx="1">
+            <a:schemeClr val="accent1"/>
+          </a:lnRef>
+          <a:fillRef idx="3">
+            <a:schemeClr val="accent1"/>
+          </a:fillRef>
+          <a:effectRef idx="2">
+            <a:schemeClr val="accent1"/>
+          </a:effectRef>
+          <a:fontRef idx="minor">
+            <a:schemeClr val="lt1"/>
+          </a:fontRef>
+        </p:style>
+        <p:txBody>
+          <a:bodyPr lIns="0" tIns="0" rIns="0" bIns="0" rtlCol="0" anchor="ctr"/>
+          <a:lstStyle/>
+          <a:p>
+            <a:pPr algn="ctr"/>
+            <a:r>
+              <a:rPr lang="en-US" sz="1100" dirty="0" err="1">
+                <a:solidFill>
+                  <a:schemeClr val="tx1"/>
+                </a:solidFill>
+                <a:latin typeface="Times New Roman"/>
+                <a:cs typeface="Times New Roman"/>
+              </a:rPr>
+              <a:t>PerNodeHeap</a:t>
+            </a:r>
+            <a:endParaRPr lang="en-US" sz="1100" dirty="0">
+              <a:solidFill>
+                <a:schemeClr val="tx1"/>
+              </a:solidFill>
+              <a:latin typeface="Times New Roman"/>
+              <a:cs typeface="Times New Roman"/>
+            </a:endParaRPr>
+          </a:p>
+        </p:txBody>
+      </p:sp>
+      <p:sp>
+        <p:nvSpPr>
+          <p:cNvPr id="5" name="Rectangle 4">
+            <a:extLst>
+              <a:ext uri="{FF2B5EF4-FFF2-40B4-BE49-F238E27FC236}">
+                <a16:creationId xmlns:a16="http://schemas.microsoft.com/office/drawing/2014/main" id="{DF7E48DB-3982-9341-B31B-5440ACAE140B}"/>
+              </a:ext>
+            </a:extLst>
+          </p:cNvPr>
+          <p:cNvSpPr/>
+          <p:nvPr/>
+        </p:nvSpPr>
+        <p:spPr>
+          <a:xfrm>
+            <a:off x="3526962" y="1439812"/>
+            <a:ext cx="1175657" cy="314048"/>
+          </a:xfrm>
+          <a:prstGeom prst="rect">
+            <a:avLst/>
+          </a:prstGeom>
+          <a:noFill/>
+          <a:ln>
+            <a:solidFill>
+              <a:schemeClr val="tx1"/>
+            </a:solidFill>
+          </a:ln>
+          <a:effectLst/>
+        </p:spPr>
+        <p:style>
+          <a:lnRef idx="1">
+            <a:schemeClr val="accent1"/>
+          </a:lnRef>
+          <a:fillRef idx="3">
+            <a:schemeClr val="accent1"/>
+          </a:fillRef>
+          <a:effectRef idx="2">
+            <a:schemeClr val="accent1"/>
+          </a:effectRef>
+          <a:fontRef idx="minor">
+            <a:schemeClr val="lt1"/>
+          </a:fontRef>
+        </p:style>
+        <p:txBody>
+          <a:bodyPr lIns="0" tIns="0" rIns="0" bIns="0" rtlCol="0" anchor="ctr"/>
+          <a:lstStyle/>
+          <a:p>
+            <a:pPr algn="ctr"/>
+            <a:r>
+              <a:rPr lang="en-US" sz="1100" dirty="0" err="1">
+                <a:solidFill>
+                  <a:schemeClr val="tx1"/>
+                </a:solidFill>
+                <a:latin typeface="Times New Roman"/>
+                <a:cs typeface="Times New Roman"/>
+              </a:rPr>
+              <a:t>PerNodeSizeClass</a:t>
+            </a:r>
+            <a:endParaRPr lang="en-US" sz="1100" dirty="0">
+              <a:solidFill>
+                <a:schemeClr val="tx1"/>
+              </a:solidFill>
+              <a:latin typeface="Times New Roman"/>
+              <a:cs typeface="Times New Roman"/>
+            </a:endParaRPr>
+          </a:p>
+        </p:txBody>
+      </p:sp>
+      <p:sp>
+        <p:nvSpPr>
+          <p:cNvPr id="6" name="Rectangle 5">
+            <a:extLst>
+              <a:ext uri="{FF2B5EF4-FFF2-40B4-BE49-F238E27FC236}">
+                <a16:creationId xmlns:a16="http://schemas.microsoft.com/office/drawing/2014/main" id="{A970A39D-5271-3C41-8D8E-CCD379D45D48}"/>
+              </a:ext>
+            </a:extLst>
+          </p:cNvPr>
+          <p:cNvSpPr/>
+          <p:nvPr/>
+        </p:nvSpPr>
+        <p:spPr>
+          <a:xfrm>
+            <a:off x="3588484" y="1484298"/>
+            <a:ext cx="1175657" cy="314048"/>
+          </a:xfrm>
+          <a:prstGeom prst="rect">
+            <a:avLst/>
+          </a:prstGeom>
+          <a:solidFill>
+            <a:schemeClr val="bg1"/>
+          </a:solidFill>
+          <a:ln>
+            <a:solidFill>
+              <a:schemeClr val="tx1"/>
+            </a:solidFill>
+          </a:ln>
+          <a:effectLst/>
+        </p:spPr>
+        <p:style>
+          <a:lnRef idx="1">
+            <a:schemeClr val="accent1"/>
+          </a:lnRef>
+          <a:fillRef idx="3">
+            <a:schemeClr val="accent1"/>
+          </a:fillRef>
+          <a:effectRef idx="2">
+            <a:schemeClr val="accent1"/>
+          </a:effectRef>
+          <a:fontRef idx="minor">
+            <a:schemeClr val="lt1"/>
+          </a:fontRef>
+        </p:style>
+        <p:txBody>
+          <a:bodyPr lIns="0" tIns="0" rIns="0" bIns="0" rtlCol="0" anchor="ctr"/>
+          <a:lstStyle/>
+          <a:p>
+            <a:pPr algn="ctr"/>
+            <a:r>
+              <a:rPr lang="en-US" sz="1100" dirty="0" err="1">
+                <a:solidFill>
+                  <a:schemeClr val="tx1"/>
+                </a:solidFill>
+                <a:latin typeface="Times New Roman"/>
+                <a:cs typeface="Times New Roman"/>
+              </a:rPr>
+              <a:t>PerNodeSizeClass</a:t>
+            </a:r>
+            <a:endParaRPr lang="en-US" sz="1100" dirty="0">
+              <a:solidFill>
+                <a:schemeClr val="tx1"/>
+              </a:solidFill>
+              <a:latin typeface="Times New Roman"/>
+              <a:cs typeface="Times New Roman"/>
+            </a:endParaRPr>
+          </a:p>
+        </p:txBody>
+      </p:sp>
+      <p:sp>
+        <p:nvSpPr>
+          <p:cNvPr id="7" name="Rectangle 6">
+            <a:extLst>
+              <a:ext uri="{FF2B5EF4-FFF2-40B4-BE49-F238E27FC236}">
+                <a16:creationId xmlns:a16="http://schemas.microsoft.com/office/drawing/2014/main" id="{889B1755-D42D-F044-896B-3AFE51F33011}"/>
+              </a:ext>
+            </a:extLst>
+          </p:cNvPr>
+          <p:cNvSpPr/>
+          <p:nvPr/>
+        </p:nvSpPr>
+        <p:spPr>
+          <a:xfrm>
+            <a:off x="3526962" y="1994510"/>
+            <a:ext cx="1175657" cy="314048"/>
+          </a:xfrm>
+          <a:prstGeom prst="rect">
+            <a:avLst/>
+          </a:prstGeom>
+          <a:noFill/>
+          <a:ln>
+            <a:solidFill>
+              <a:schemeClr val="tx1"/>
+            </a:solidFill>
+          </a:ln>
+          <a:effectLst/>
+        </p:spPr>
+        <p:style>
+          <a:lnRef idx="1">
+            <a:schemeClr val="accent1"/>
+          </a:lnRef>
+          <a:fillRef idx="3">
+            <a:schemeClr val="accent1"/>
+          </a:fillRef>
+          <a:effectRef idx="2">
+            <a:schemeClr val="accent1"/>
+          </a:effectRef>
+          <a:fontRef idx="minor">
+            <a:schemeClr val="lt1"/>
+          </a:fontRef>
+        </p:style>
+        <p:txBody>
+          <a:bodyPr lIns="0" tIns="0" rIns="0" bIns="0" rtlCol="0" anchor="ctr"/>
+          <a:lstStyle/>
+          <a:p>
+            <a:pPr algn="ctr"/>
+            <a:r>
+              <a:rPr lang="en-US" sz="1100" dirty="0" err="1">
+                <a:solidFill>
+                  <a:schemeClr val="tx1"/>
+                </a:solidFill>
+                <a:latin typeface="Times New Roman"/>
+                <a:cs typeface="Times New Roman"/>
+              </a:rPr>
+              <a:t>PerNodeBigObjects</a:t>
+            </a:r>
+            <a:endParaRPr lang="en-US" sz="1100" dirty="0">
+              <a:solidFill>
+                <a:schemeClr val="tx1"/>
+              </a:solidFill>
+              <a:latin typeface="Times New Roman"/>
+              <a:cs typeface="Times New Roman"/>
+            </a:endParaRPr>
+          </a:p>
+        </p:txBody>
+      </p:sp>
+      <p:sp>
+        <p:nvSpPr>
+          <p:cNvPr id="8" name="Rectangle 7">
+            <a:extLst>
+              <a:ext uri="{FF2B5EF4-FFF2-40B4-BE49-F238E27FC236}">
+                <a16:creationId xmlns:a16="http://schemas.microsoft.com/office/drawing/2014/main" id="{F0DB304C-B407-4548-A4B9-5B5A7AA1E625}"/>
+              </a:ext>
+            </a:extLst>
+          </p:cNvPr>
+          <p:cNvSpPr/>
+          <p:nvPr/>
+        </p:nvSpPr>
+        <p:spPr>
+          <a:xfrm>
+            <a:off x="3650007" y="1528786"/>
+            <a:ext cx="1175657" cy="314048"/>
+          </a:xfrm>
+          <a:prstGeom prst="rect">
+            <a:avLst/>
+          </a:prstGeom>
+          <a:solidFill>
+            <a:schemeClr val="bg1"/>
+          </a:solidFill>
+          <a:ln>
+            <a:solidFill>
+              <a:schemeClr val="tx1"/>
+            </a:solidFill>
+          </a:ln>
+          <a:effectLst/>
+        </p:spPr>
+        <p:style>
+          <a:lnRef idx="1">
+            <a:schemeClr val="accent1"/>
+          </a:lnRef>
+          <a:fillRef idx="3">
+            <a:schemeClr val="accent1"/>
+          </a:fillRef>
+          <a:effectRef idx="2">
+            <a:schemeClr val="accent1"/>
+          </a:effectRef>
+          <a:fontRef idx="minor">
+            <a:schemeClr val="lt1"/>
+          </a:fontRef>
+        </p:style>
+        <p:txBody>
+          <a:bodyPr lIns="0" tIns="0" rIns="0" bIns="0" rtlCol="0" anchor="ctr"/>
+          <a:lstStyle/>
+          <a:p>
+            <a:pPr algn="ctr"/>
+            <a:r>
+              <a:rPr lang="en-US" sz="1100" dirty="0" err="1">
+                <a:solidFill>
+                  <a:schemeClr val="tx1"/>
+                </a:solidFill>
+                <a:latin typeface="Times New Roman"/>
+                <a:cs typeface="Times New Roman"/>
+              </a:rPr>
+              <a:t>PerNodeSizeClass</a:t>
+            </a:r>
+            <a:endParaRPr lang="en-US" sz="1100" dirty="0">
+              <a:solidFill>
+                <a:schemeClr val="tx1"/>
+              </a:solidFill>
+              <a:latin typeface="Times New Roman"/>
+              <a:cs typeface="Times New Roman"/>
+            </a:endParaRPr>
+          </a:p>
+        </p:txBody>
+      </p:sp>
+      <p:sp>
+        <p:nvSpPr>
+          <p:cNvPr id="9" name="Rectangle 8">
+            <a:extLst>
+              <a:ext uri="{FF2B5EF4-FFF2-40B4-BE49-F238E27FC236}">
+                <a16:creationId xmlns:a16="http://schemas.microsoft.com/office/drawing/2014/main" id="{3712568C-49C3-CF47-8B16-816EC5A8B98B}"/>
+              </a:ext>
+            </a:extLst>
+          </p:cNvPr>
+          <p:cNvSpPr/>
+          <p:nvPr/>
+        </p:nvSpPr>
+        <p:spPr>
+          <a:xfrm>
+            <a:off x="2154756" y="2750831"/>
+            <a:ext cx="969387" cy="314048"/>
+          </a:xfrm>
+          <a:prstGeom prst="rect">
+            <a:avLst/>
+          </a:prstGeom>
+          <a:noFill/>
+          <a:ln>
+            <a:solidFill>
+              <a:schemeClr val="tx1"/>
+            </a:solidFill>
+          </a:ln>
+          <a:effectLst/>
+        </p:spPr>
+        <p:style>
+          <a:lnRef idx="1">
+            <a:schemeClr val="accent1"/>
+          </a:lnRef>
+          <a:fillRef idx="3">
+            <a:schemeClr val="accent1"/>
+          </a:fillRef>
+          <a:effectRef idx="2">
+            <a:schemeClr val="accent1"/>
+          </a:effectRef>
+          <a:fontRef idx="minor">
+            <a:schemeClr val="lt1"/>
+          </a:fontRef>
+        </p:style>
+        <p:txBody>
+          <a:bodyPr lIns="0" tIns="0" rIns="0" bIns="0" rtlCol="0" anchor="ctr"/>
+          <a:lstStyle/>
+          <a:p>
+            <a:pPr algn="ctr"/>
+            <a:r>
+              <a:rPr lang="en-US" sz="1100" dirty="0" err="1">
+                <a:solidFill>
+                  <a:schemeClr val="tx1"/>
+                </a:solidFill>
+                <a:latin typeface="Times New Roman"/>
+                <a:cs typeface="Times New Roman"/>
+              </a:rPr>
+              <a:t>PerThreadHeap</a:t>
+            </a:r>
+            <a:endParaRPr lang="en-US" sz="1100" dirty="0">
+              <a:solidFill>
+                <a:schemeClr val="tx1"/>
+              </a:solidFill>
+              <a:latin typeface="Times New Roman"/>
+              <a:cs typeface="Times New Roman"/>
+            </a:endParaRPr>
+          </a:p>
+        </p:txBody>
+      </p:sp>
+      <p:sp>
+        <p:nvSpPr>
+          <p:cNvPr id="11" name="Rectangle 10">
+            <a:extLst>
+              <a:ext uri="{FF2B5EF4-FFF2-40B4-BE49-F238E27FC236}">
+                <a16:creationId xmlns:a16="http://schemas.microsoft.com/office/drawing/2014/main" id="{5B3B4E48-718D-CF41-A545-5B2B50468CE3}"/>
+              </a:ext>
+            </a:extLst>
+          </p:cNvPr>
+          <p:cNvSpPr/>
+          <p:nvPr/>
+        </p:nvSpPr>
+        <p:spPr>
+          <a:xfrm>
+            <a:off x="3526012" y="2739484"/>
+            <a:ext cx="1175657" cy="314048"/>
+          </a:xfrm>
+          <a:prstGeom prst="rect">
+            <a:avLst/>
+          </a:prstGeom>
+          <a:noFill/>
+          <a:ln>
+            <a:solidFill>
+              <a:schemeClr val="tx1"/>
+            </a:solidFill>
+          </a:ln>
+          <a:effectLst/>
+        </p:spPr>
+        <p:style>
+          <a:lnRef idx="1">
+            <a:schemeClr val="accent1"/>
+          </a:lnRef>
+          <a:fillRef idx="3">
+            <a:schemeClr val="accent1"/>
+          </a:fillRef>
+          <a:effectRef idx="2">
+            <a:schemeClr val="accent1"/>
+          </a:effectRef>
+          <a:fontRef idx="minor">
+            <a:schemeClr val="lt1"/>
+          </a:fontRef>
+        </p:style>
+        <p:txBody>
+          <a:bodyPr lIns="0" tIns="0" rIns="0" bIns="0" rtlCol="0" anchor="ctr"/>
+          <a:lstStyle/>
+          <a:p>
+            <a:pPr algn="ctr"/>
+            <a:r>
+              <a:rPr lang="en-US" sz="1100" dirty="0" err="1">
+                <a:solidFill>
+                  <a:schemeClr val="tx1"/>
+                </a:solidFill>
+                <a:latin typeface="Times New Roman"/>
+                <a:cs typeface="Times New Roman"/>
+              </a:rPr>
+              <a:t>PerNodeSizeClass</a:t>
+            </a:r>
+            <a:endParaRPr lang="en-US" sz="1100" dirty="0">
+              <a:solidFill>
+                <a:schemeClr val="tx1"/>
+              </a:solidFill>
+              <a:latin typeface="Times New Roman"/>
+              <a:cs typeface="Times New Roman"/>
+            </a:endParaRPr>
+          </a:p>
+        </p:txBody>
+      </p:sp>
+      <p:sp>
+        <p:nvSpPr>
+          <p:cNvPr id="12" name="Rectangle 11">
+            <a:extLst>
+              <a:ext uri="{FF2B5EF4-FFF2-40B4-BE49-F238E27FC236}">
+                <a16:creationId xmlns:a16="http://schemas.microsoft.com/office/drawing/2014/main" id="{53CCB99E-C7C6-064B-8796-25C96E111B19}"/>
+              </a:ext>
+            </a:extLst>
+          </p:cNvPr>
+          <p:cNvSpPr/>
+          <p:nvPr/>
+        </p:nvSpPr>
+        <p:spPr>
+          <a:xfrm>
+            <a:off x="3587534" y="2783970"/>
+            <a:ext cx="1175657" cy="314048"/>
+          </a:xfrm>
+          <a:prstGeom prst="rect">
+            <a:avLst/>
+          </a:prstGeom>
+          <a:solidFill>
+            <a:schemeClr val="bg1"/>
+          </a:solidFill>
+          <a:ln>
+            <a:solidFill>
+              <a:schemeClr val="tx1"/>
+            </a:solidFill>
+          </a:ln>
+          <a:effectLst/>
+        </p:spPr>
+        <p:style>
+          <a:lnRef idx="1">
+            <a:schemeClr val="accent1"/>
+          </a:lnRef>
+          <a:fillRef idx="3">
+            <a:schemeClr val="accent1"/>
+          </a:fillRef>
+          <a:effectRef idx="2">
+            <a:schemeClr val="accent1"/>
+          </a:effectRef>
+          <a:fontRef idx="minor">
+            <a:schemeClr val="lt1"/>
+          </a:fontRef>
+        </p:style>
+        <p:txBody>
+          <a:bodyPr lIns="0" tIns="0" rIns="0" bIns="0" rtlCol="0" anchor="ctr"/>
+          <a:lstStyle/>
+          <a:p>
+            <a:pPr algn="ctr"/>
+            <a:r>
+              <a:rPr lang="en-US" sz="1100" dirty="0" err="1">
+                <a:solidFill>
+                  <a:schemeClr val="tx1"/>
+                </a:solidFill>
+                <a:latin typeface="Times New Roman"/>
+                <a:cs typeface="Times New Roman"/>
+              </a:rPr>
+              <a:t>PerNodeSizeClass</a:t>
+            </a:r>
+            <a:endParaRPr lang="en-US" sz="1100" dirty="0">
+              <a:solidFill>
+                <a:schemeClr val="tx1"/>
+              </a:solidFill>
+              <a:latin typeface="Times New Roman"/>
+              <a:cs typeface="Times New Roman"/>
+            </a:endParaRPr>
+          </a:p>
+        </p:txBody>
+      </p:sp>
+      <p:sp>
+        <p:nvSpPr>
+          <p:cNvPr id="13" name="Rectangle 12">
+            <a:extLst>
+              <a:ext uri="{FF2B5EF4-FFF2-40B4-BE49-F238E27FC236}">
+                <a16:creationId xmlns:a16="http://schemas.microsoft.com/office/drawing/2014/main" id="{F5227BC9-5818-7C40-86F1-E84FA81CAE26}"/>
+              </a:ext>
+            </a:extLst>
+          </p:cNvPr>
+          <p:cNvSpPr/>
+          <p:nvPr/>
+        </p:nvSpPr>
+        <p:spPr>
+          <a:xfrm>
+            <a:off x="3649057" y="2828458"/>
+            <a:ext cx="1175657" cy="314048"/>
+          </a:xfrm>
+          <a:prstGeom prst="rect">
+            <a:avLst/>
+          </a:prstGeom>
+          <a:solidFill>
+            <a:schemeClr val="bg1"/>
+          </a:solidFill>
+          <a:ln>
+            <a:solidFill>
+              <a:schemeClr val="tx1"/>
+            </a:solidFill>
+          </a:ln>
+          <a:effectLst/>
+        </p:spPr>
+        <p:style>
+          <a:lnRef idx="1">
+            <a:schemeClr val="accent1"/>
+          </a:lnRef>
+          <a:fillRef idx="3">
+            <a:schemeClr val="accent1"/>
+          </a:fillRef>
+          <a:effectRef idx="2">
+            <a:schemeClr val="accent1"/>
+          </a:effectRef>
+          <a:fontRef idx="minor">
+            <a:schemeClr val="lt1"/>
+          </a:fontRef>
+        </p:style>
+        <p:txBody>
+          <a:bodyPr lIns="0" tIns="0" rIns="0" bIns="0" rtlCol="0" anchor="ctr"/>
+          <a:lstStyle/>
+          <a:p>
+            <a:pPr algn="ctr"/>
+            <a:r>
+              <a:rPr lang="en-US" sz="1100" dirty="0" err="1">
+                <a:solidFill>
+                  <a:schemeClr val="tx1"/>
+                </a:solidFill>
+                <a:latin typeface="Times New Roman"/>
+                <a:cs typeface="Times New Roman"/>
+              </a:rPr>
+              <a:t>PerThreadSizeClass</a:t>
+            </a:r>
+            <a:endParaRPr lang="en-US" sz="1100" dirty="0">
+              <a:solidFill>
+                <a:schemeClr val="tx1"/>
+              </a:solidFill>
+              <a:latin typeface="Times New Roman"/>
+              <a:cs typeface="Times New Roman"/>
+            </a:endParaRPr>
+          </a:p>
+        </p:txBody>
+      </p:sp>
+      <p:sp>
+        <p:nvSpPr>
+          <p:cNvPr id="14" name="Rectangle 13">
+            <a:extLst>
+              <a:ext uri="{FF2B5EF4-FFF2-40B4-BE49-F238E27FC236}">
+                <a16:creationId xmlns:a16="http://schemas.microsoft.com/office/drawing/2014/main" id="{3200CFFD-1415-7044-A7FE-7FE73E2D8E4C}"/>
+              </a:ext>
+            </a:extLst>
+          </p:cNvPr>
+          <p:cNvSpPr/>
+          <p:nvPr/>
+        </p:nvSpPr>
+        <p:spPr>
+          <a:xfrm>
+            <a:off x="2039784" y="1490873"/>
+            <a:ext cx="969387" cy="314048"/>
+          </a:xfrm>
+          <a:prstGeom prst="rect">
+            <a:avLst/>
+          </a:prstGeom>
+          <a:solidFill>
+            <a:schemeClr val="bg1"/>
+          </a:solidFill>
+          <a:ln>
+            <a:solidFill>
+              <a:schemeClr val="tx1"/>
+            </a:solidFill>
+          </a:ln>
+          <a:effectLst/>
+        </p:spPr>
+        <p:style>
+          <a:lnRef idx="1">
+            <a:schemeClr val="accent1"/>
+          </a:lnRef>
+          <a:fillRef idx="3">
+            <a:schemeClr val="accent1"/>
+          </a:fillRef>
+          <a:effectRef idx="2">
+            <a:schemeClr val="accent1"/>
+          </a:effectRef>
+          <a:fontRef idx="minor">
+            <a:schemeClr val="lt1"/>
+          </a:fontRef>
+        </p:style>
+        <p:txBody>
+          <a:bodyPr lIns="0" tIns="0" rIns="0" bIns="0" rtlCol="0" anchor="ctr"/>
+          <a:lstStyle/>
+          <a:p>
+            <a:pPr algn="ctr"/>
+            <a:r>
+              <a:rPr lang="en-US" sz="1100" dirty="0" err="1">
+                <a:solidFill>
+                  <a:schemeClr val="tx1"/>
+                </a:solidFill>
+                <a:latin typeface="Times New Roman"/>
+                <a:cs typeface="Times New Roman"/>
+              </a:rPr>
+              <a:t>PerNodeHeap</a:t>
+            </a:r>
+            <a:endParaRPr lang="en-US" sz="1100" dirty="0">
+              <a:solidFill>
+                <a:schemeClr val="tx1"/>
+              </a:solidFill>
+              <a:latin typeface="Times New Roman"/>
+              <a:cs typeface="Times New Roman"/>
+            </a:endParaRPr>
+          </a:p>
+        </p:txBody>
+      </p:sp>
+      <p:sp>
+        <p:nvSpPr>
+          <p:cNvPr id="15" name="Rectangle 14">
+            <a:extLst>
+              <a:ext uri="{FF2B5EF4-FFF2-40B4-BE49-F238E27FC236}">
+                <a16:creationId xmlns:a16="http://schemas.microsoft.com/office/drawing/2014/main" id="{E34152AC-BF31-B448-931F-4A636A8146AE}"/>
+              </a:ext>
+            </a:extLst>
+          </p:cNvPr>
+          <p:cNvSpPr/>
+          <p:nvPr/>
+        </p:nvSpPr>
+        <p:spPr>
+          <a:xfrm>
+            <a:off x="2101306" y="1541934"/>
+            <a:ext cx="969387" cy="314048"/>
+          </a:xfrm>
+          <a:prstGeom prst="rect">
+            <a:avLst/>
+          </a:prstGeom>
+          <a:solidFill>
+            <a:schemeClr val="bg1"/>
+          </a:solidFill>
+          <a:ln>
+            <a:solidFill>
+              <a:schemeClr val="tx1"/>
+            </a:solidFill>
+          </a:ln>
+          <a:effectLst/>
+        </p:spPr>
+        <p:style>
+          <a:lnRef idx="1">
+            <a:schemeClr val="accent1"/>
+          </a:lnRef>
+          <a:fillRef idx="3">
+            <a:schemeClr val="accent1"/>
+          </a:fillRef>
+          <a:effectRef idx="2">
+            <a:schemeClr val="accent1"/>
+          </a:effectRef>
+          <a:fontRef idx="minor">
+            <a:schemeClr val="lt1"/>
+          </a:fontRef>
+        </p:style>
+        <p:txBody>
+          <a:bodyPr lIns="0" tIns="0" rIns="0" bIns="0" rtlCol="0" anchor="ctr"/>
+          <a:lstStyle/>
+          <a:p>
+            <a:pPr algn="ctr"/>
+            <a:r>
+              <a:rPr lang="en-US" sz="1100" dirty="0" err="1">
+                <a:solidFill>
+                  <a:schemeClr val="tx1"/>
+                </a:solidFill>
+                <a:latin typeface="Times New Roman"/>
+                <a:cs typeface="Times New Roman"/>
+              </a:rPr>
+              <a:t>PerNodeHeap</a:t>
+            </a:r>
+            <a:endParaRPr lang="en-US" sz="1100" dirty="0">
+              <a:solidFill>
+                <a:schemeClr val="tx1"/>
+              </a:solidFill>
+              <a:latin typeface="Times New Roman"/>
+              <a:cs typeface="Times New Roman"/>
+            </a:endParaRPr>
+          </a:p>
+        </p:txBody>
+      </p:sp>
+      <p:sp>
+        <p:nvSpPr>
+          <p:cNvPr id="16" name="Rectangle 15">
+            <a:extLst>
+              <a:ext uri="{FF2B5EF4-FFF2-40B4-BE49-F238E27FC236}">
+                <a16:creationId xmlns:a16="http://schemas.microsoft.com/office/drawing/2014/main" id="{9B4DA367-483F-7543-8BFC-0CFFD09E3FCA}"/>
+              </a:ext>
+            </a:extLst>
+          </p:cNvPr>
+          <p:cNvSpPr/>
+          <p:nvPr/>
+        </p:nvSpPr>
+        <p:spPr>
+          <a:xfrm>
+            <a:off x="2204919" y="2800993"/>
+            <a:ext cx="969387" cy="314048"/>
+          </a:xfrm>
+          <a:prstGeom prst="rect">
+            <a:avLst/>
+          </a:prstGeom>
+          <a:solidFill>
+            <a:schemeClr val="bg1"/>
+          </a:solidFill>
+          <a:ln>
+            <a:solidFill>
+              <a:schemeClr val="tx1"/>
+            </a:solidFill>
+          </a:ln>
+          <a:effectLst/>
+        </p:spPr>
+        <p:style>
+          <a:lnRef idx="1">
+            <a:schemeClr val="accent1"/>
+          </a:lnRef>
+          <a:fillRef idx="3">
+            <a:schemeClr val="accent1"/>
+          </a:fillRef>
+          <a:effectRef idx="2">
+            <a:schemeClr val="accent1"/>
+          </a:effectRef>
+          <a:fontRef idx="minor">
+            <a:schemeClr val="lt1"/>
+          </a:fontRef>
+        </p:style>
+        <p:txBody>
+          <a:bodyPr lIns="0" tIns="0" rIns="0" bIns="0" rtlCol="0" anchor="ctr"/>
+          <a:lstStyle/>
+          <a:p>
+            <a:pPr algn="ctr"/>
+            <a:r>
+              <a:rPr lang="en-US" sz="1100" dirty="0" err="1">
+                <a:solidFill>
+                  <a:schemeClr val="tx1"/>
+                </a:solidFill>
+                <a:latin typeface="Times New Roman"/>
+                <a:cs typeface="Times New Roman"/>
+              </a:rPr>
+              <a:t>PerThreadHeap</a:t>
+            </a:r>
+            <a:endParaRPr lang="en-US" sz="1100" dirty="0">
+              <a:solidFill>
+                <a:schemeClr val="tx1"/>
+              </a:solidFill>
+              <a:latin typeface="Times New Roman"/>
+              <a:cs typeface="Times New Roman"/>
+            </a:endParaRPr>
+          </a:p>
+        </p:txBody>
+      </p:sp>
+      <p:sp>
+        <p:nvSpPr>
+          <p:cNvPr id="17" name="Rectangle 16">
+            <a:extLst>
+              <a:ext uri="{FF2B5EF4-FFF2-40B4-BE49-F238E27FC236}">
+                <a16:creationId xmlns:a16="http://schemas.microsoft.com/office/drawing/2014/main" id="{216EF5E3-5CD7-0B4E-AA50-6E51DB0AB876}"/>
+              </a:ext>
+            </a:extLst>
+          </p:cNvPr>
+          <p:cNvSpPr/>
+          <p:nvPr/>
+        </p:nvSpPr>
+        <p:spPr>
+          <a:xfrm>
+            <a:off x="2255082" y="2851155"/>
+            <a:ext cx="969387" cy="314048"/>
+          </a:xfrm>
+          <a:prstGeom prst="rect">
+            <a:avLst/>
+          </a:prstGeom>
+          <a:solidFill>
+            <a:schemeClr val="bg1"/>
+          </a:solidFill>
+          <a:ln>
+            <a:solidFill>
+              <a:schemeClr val="tx1"/>
+            </a:solidFill>
+          </a:ln>
+          <a:effectLst/>
+        </p:spPr>
+        <p:style>
+          <a:lnRef idx="1">
+            <a:schemeClr val="accent1"/>
+          </a:lnRef>
+          <a:fillRef idx="3">
+            <a:schemeClr val="accent1"/>
+          </a:fillRef>
+          <a:effectRef idx="2">
+            <a:schemeClr val="accent1"/>
+          </a:effectRef>
+          <a:fontRef idx="minor">
+            <a:schemeClr val="lt1"/>
+          </a:fontRef>
+        </p:style>
+        <p:txBody>
+          <a:bodyPr lIns="0" tIns="0" rIns="0" bIns="0" rtlCol="0" anchor="ctr"/>
+          <a:lstStyle/>
+          <a:p>
+            <a:pPr algn="ctr"/>
+            <a:r>
+              <a:rPr lang="en-US" sz="1100" dirty="0" err="1">
+                <a:solidFill>
+                  <a:schemeClr val="tx1"/>
+                </a:solidFill>
+                <a:latin typeface="Times New Roman"/>
+                <a:cs typeface="Times New Roman"/>
+              </a:rPr>
+              <a:t>PerThreadHeap</a:t>
+            </a:r>
+            <a:endParaRPr lang="en-US" sz="1100" dirty="0">
+              <a:solidFill>
+                <a:schemeClr val="tx1"/>
+              </a:solidFill>
+              <a:latin typeface="Times New Roman"/>
+              <a:cs typeface="Times New Roman"/>
+            </a:endParaRPr>
+          </a:p>
+        </p:txBody>
+      </p:sp>
+    </p:spTree>
+    <p:extLst>
+      <p:ext uri="{BB962C8B-B14F-4D97-AF65-F5344CB8AC3E}">
+        <p14:creationId xmlns:p14="http://schemas.microsoft.com/office/powerpoint/2010/main" val="204444858"/>
+      </p:ext>
+    </p:extLst>
+  </p:cSld>
+  <p:clrMapOvr>
+    <a:masterClrMapping/>
+  </p:clrMapOvr>
+</p:sld>
+</file>
+
+<file path=ppt/slides/slide6.xml><?xml version="1.0" encoding="utf-8"?>
+<p:sld xmlns:a="http://schemas.openxmlformats.org/drawingml/2006/main" xmlns:r="http://schemas.openxmlformats.org/officeDocument/2006/relationships" xmlns:p="http://schemas.openxmlformats.org/presentationml/2006/main">
+  <p:cSld>
+    <p:spTree>
+      <p:nvGrpSpPr>
+        <p:cNvPr id="1" name=""/>
+        <p:cNvGrpSpPr/>
+        <p:nvPr/>
+      </p:nvGrpSpPr>
+      <p:grpSpPr>
+        <a:xfrm>
+          <a:off x="0" y="0"/>
+          <a:ext cx="0" cy="0"/>
+          <a:chOff x="0" y="0"/>
+          <a:chExt cx="0" cy="0"/>
+        </a:xfrm>
+      </p:grpSpPr>
+      <p:sp>
+        <p:nvSpPr>
+          <p:cNvPr id="4" name="Rectangle 3">
+            <a:extLst>
+              <a:ext uri="{FF2B5EF4-FFF2-40B4-BE49-F238E27FC236}">
                 <a16:creationId xmlns:a16="http://schemas.microsoft.com/office/drawing/2014/main" id="{8D187ECA-5278-0E4A-BF8E-1BED355F7E62}"/>
               </a:ext>
             </a:extLst>
@@ -11041,7 +14817,7 @@
 </p:sld>
 </file>
 
-<file path=ppt/slides/slide6.xml><?xml version="1.0" encoding="utf-8"?>
+<file path=ppt/slides/slide7.xml><?xml version="1.0" encoding="utf-8"?>
 <p:sld xmlns:a="http://schemas.openxmlformats.org/drawingml/2006/main" xmlns:r="http://schemas.openxmlformats.org/officeDocument/2006/relationships" xmlns:p="http://schemas.openxmlformats.org/presentationml/2006/main">
   <p:cSld>
     <p:spTree>
